--- a/drafts/linkedin_carousel.pptx
+++ b/drafts/linkedin_carousel.pptx
@@ -3179,7 +3179,7 @@
               <a:defRPr sz="2000"/>
             </a:pPr>
             <a:r>
-              <a:t>Leading player in renewable energy</a:t>
+              <a:t>Leading energy provider in India</a:t>
             </a:r>
           </a:p>
           <a:p>
@@ -3187,7 +3187,7 @@
               <a:defRPr sz="2000"/>
             </a:pPr>
             <a:r>
-              <a:t>Focus on sustainable development</a:t>
+              <a:t>Focus on renewable energy initiatives</a:t>
             </a:r>
           </a:p>
         </p:txBody>
@@ -3264,7 +3264,7 @@
               </a:defRPr>
             </a:pPr>
             <a:r>
-              <a:t>Bhuj Solar Project Expansion</a:t>
+              <a:t>Recent Solar Capacity Addition</a:t>
             </a:r>
           </a:p>
         </p:txBody>
@@ -3296,7 +3296,7 @@
               <a:defRPr sz="2000"/>
             </a:pPr>
             <a:r>
-              <a:t>Recent addition of 37.5 MW</a:t>
+              <a:t>Added 37.5 MW in Gujarat</a:t>
             </a:r>
           </a:p>
           <a:p>
@@ -3304,7 +3304,7 @@
               <a:defRPr sz="2000"/>
             </a:pPr>
             <a:r>
-              <a:t>Strategic growth in solar capacity</a:t>
+              <a:t>Strengthening renewable portfolio</a:t>
             </a:r>
           </a:p>
         </p:txBody>
@@ -3381,7 +3381,7 @@
               </a:defRPr>
             </a:pPr>
             <a:r>
-              <a:t>Total Capacity Achieved</a:t>
+              <a:t>Total Group Capacity</a:t>
             </a:r>
           </a:p>
         </p:txBody>
@@ -3413,7 +3413,7 @@
               <a:defRPr sz="2000"/>
             </a:pPr>
             <a:r>
-              <a:t>Overall capacity now 8,347.78 MW</a:t>
+              <a:t>Reaches 8,347.78 MW</a:t>
             </a:r>
           </a:p>
           <a:p>
@@ -3421,7 +3421,7 @@
               <a:defRPr sz="2000"/>
             </a:pPr>
             <a:r>
-              <a:t>Significant milestone for NTPC</a:t>
+              <a:t>Diverse energy sources for sustainability</a:t>
             </a:r>
           </a:p>
         </p:txBody>
@@ -3498,7 +3498,7 @@
               </a:defRPr>
             </a:pPr>
             <a:r>
-              <a:t>Impact on Renewable Energy Sector</a:t>
+              <a:t>Significance of Expansion</a:t>
             </a:r>
           </a:p>
         </p:txBody>
@@ -3530,7 +3530,7 @@
               <a:defRPr sz="2000"/>
             </a:pPr>
             <a:r>
-              <a:t>Support for clean energy transition</a:t>
+              <a:t>Supports India’s clean energy goals</a:t>
             </a:r>
           </a:p>
           <a:p>
@@ -3538,7 +3538,7 @@
               <a:defRPr sz="2000"/>
             </a:pPr>
             <a:r>
-              <a:t>Contribution to national energy goals</a:t>
+              <a:t>Enhances energy security and reliability</a:t>
             </a:r>
           </a:p>
         </p:txBody>
@@ -3615,7 +3615,7 @@
               </a:defRPr>
             </a:pPr>
             <a:r>
-              <a:t>Future Plans for NTPC</a:t>
+              <a:t>Future Prospects</a:t>
             </a:r>
           </a:p>
         </p:txBody>
@@ -3647,7 +3647,7 @@
               <a:defRPr sz="2000"/>
             </a:pPr>
             <a:r>
-              <a:t>Continued investment in green projects</a:t>
+              <a:t>Continued investments in green energy</a:t>
             </a:r>
           </a:p>
           <a:p>
@@ -3655,7 +3655,7 @@
               <a:defRPr sz="2000"/>
             </a:pPr>
             <a:r>
-              <a:t>Expansion of renewable capacity</a:t>
+              <a:t>Commitment to carbon neutrality</a:t>
             </a:r>
           </a:p>
         </p:txBody>
@@ -3732,7 +3732,7 @@
               </a:defRPr>
             </a:pPr>
             <a:r>
-              <a:t>Conclusion and Key Takeaways</a:t>
+              <a:t>Conclusion</a:t>
             </a:r>
           </a:p>
         </p:txBody>
@@ -3764,7 +3764,7 @@
               <a:defRPr sz="2000"/>
             </a:pPr>
             <a:r>
-              <a:t>Commitment to sustainability</a:t>
+              <a:t>NTPC leads in renewable growth</a:t>
             </a:r>
           </a:p>
           <a:p>
@@ -3772,7 +3772,7 @@
               <a:defRPr sz="2000"/>
             </a:pPr>
             <a:r>
-              <a:t>Role in energy security enhancement</a:t>
+              <a:t>Positive impact on environment and society</a:t>
             </a:r>
           </a:p>
         </p:txBody>

--- a/drafts/linkedin_carousel.pptx
+++ b/drafts/linkedin_carousel.pptx
@@ -3123,7 +3123,7 @@
               </a:defRPr>
             </a:pPr>
             <a:r>
-              <a:t>Project Overview</a:t>
+              <a:t>Joint Venture Formation</a:t>
             </a:r>
           </a:p>
           <a:p>
@@ -3135,7 +3135,7 @@
               </a:defRPr>
             </a:pPr>
             <a:r>
-              <a:t>NTPC Green Energy has commenced commercial operations.</a:t>
+              <a:t>NTPC Green Energy and GAIL have formed a joint venture.</a:t>
             </a:r>
           </a:p>
           <a:p>
@@ -3147,7 +3147,7 @@
               </a:defRPr>
             </a:pPr>
             <a:r>
-              <a:t>The project is a solar power initiative generating 37.5 MW.</a:t>
+              <a:t>The joint venture operates on a 50:50 ownership basis.</a:t>
             </a:r>
           </a:p>
         </p:txBody>
@@ -3200,7 +3200,7 @@
               </a:defRPr>
             </a:pPr>
             <a:r>
-              <a:t>Project Capacity</a:t>
+              <a:t>Focus on Renewable Energy</a:t>
             </a:r>
           </a:p>
           <a:p>
@@ -3212,7 +3212,7 @@
               </a:defRPr>
             </a:pPr>
             <a:r>
-              <a:t>The solar project has a capacity of 37.5 MW.</a:t>
+              <a:t>The joint venture is specifically focused on renewable energy.</a:t>
             </a:r>
           </a:p>
           <a:p>
@@ -3224,7 +3224,7 @@
               </a:defRPr>
             </a:pPr>
             <a:r>
-              <a:t>This represents a significant contribution to renewable energy generation.</a:t>
+              <a:t>This collaboration aims to enhance sustainable energy production.</a:t>
             </a:r>
           </a:p>
         </p:txBody>
@@ -3277,7 +3277,7 @@
               </a:defRPr>
             </a:pPr>
             <a:r>
-              <a:t>Company Background</a:t>
+              <a:t>Participants Overview</a:t>
             </a:r>
           </a:p>
           <a:p>
@@ -3289,7 +3289,7 @@
               </a:defRPr>
             </a:pPr>
             <a:r>
-              <a:t>NTPC Green Energy is a subsidiary of NTPC.</a:t>
+              <a:t>NTPC Green Energy is a subsidiary of NTPC Limited.</a:t>
             </a:r>
           </a:p>
           <a:p>
@@ -3301,7 +3301,7 @@
               </a:defRPr>
             </a:pPr>
             <a:r>
-              <a:t>The company focuses on renewable energy projects.</a:t>
+              <a:t>GAIL is a major player in the natural gas sector in India.</a:t>
             </a:r>
           </a:p>
         </p:txBody>
@@ -3354,7 +3354,7 @@
               </a:defRPr>
             </a:pPr>
             <a:r>
-              <a:t>Significance of the Project</a:t>
+              <a:t>Strategic Goals</a:t>
             </a:r>
           </a:p>
           <a:p>
@@ -3366,7 +3366,7 @@
               </a:defRPr>
             </a:pPr>
             <a:r>
-              <a:t>The project aims to enhance the renewable energy portfolio.</a:t>
+              <a:t>The joint venture aligns with India's goals for renewable energy expansion.</a:t>
             </a:r>
           </a:p>
           <a:p>
@@ -3378,7 +3378,7 @@
               </a:defRPr>
             </a:pPr>
             <a:r>
-              <a:t>It reflects a commitment to sustainable energy practices.</a:t>
+              <a:t>It supports the transition towards cleaner energy sources.</a:t>
             </a:r>
           </a:p>
         </p:txBody>
@@ -3431,7 +3431,7 @@
               </a:defRPr>
             </a:pPr>
             <a:r>
-              <a:t>Commercial Operation</a:t>
+              <a:t>Project Development</a:t>
             </a:r>
           </a:p>
           <a:p>
@@ -3443,7 +3443,7 @@
               </a:defRPr>
             </a:pPr>
             <a:r>
-              <a:t>The project has successfully entered commercial operation.</a:t>
+              <a:t>Details on specific projects from the joint venture were not provided.</a:t>
             </a:r>
           </a:p>
           <a:p>
@@ -3455,7 +3455,7 @@
               </a:defRPr>
             </a:pPr>
             <a:r>
-              <a:t>Commercial operations signify readiness to supply power.</a:t>
+              <a:t>Future announcements regarding project specifics are anticipated.</a:t>
             </a:r>
           </a:p>
         </p:txBody>
@@ -3508,7 +3508,7 @@
               </a:defRPr>
             </a:pPr>
             <a:r>
-              <a:t>Future Implications</a:t>
+              <a:t>Industry Impact</a:t>
             </a:r>
           </a:p>
           <a:p>
@@ -3520,7 +3520,7 @@
               </a:defRPr>
             </a:pPr>
             <a:r>
-              <a:t>The completion of this project may lead to further investments in green energy.</a:t>
+              <a:t>The collaboration is expected to contribute to the growth of the renewable energy sector in India.</a:t>
             </a:r>
           </a:p>
           <a:p>
@@ -3532,7 +3532,7 @@
               </a:defRPr>
             </a:pPr>
             <a:r>
-              <a:t>It sets a precedent for future solar energy projects by NTPC.</a:t>
+              <a:t>It signifies a partnership between two significant entities in the energy market.</a:t>
             </a:r>
           </a:p>
         </p:txBody>

--- a/drafts/linkedin_carousel.pptx
+++ b/drafts/linkedin_carousel.pptx
@@ -3123,7 +3123,7 @@
               </a:defRPr>
             </a:pPr>
             <a:r>
-              <a:t>Joint Venture Formation</a:t>
+              <a:t>Project Expansion Overview</a:t>
             </a:r>
           </a:p>
           <a:p>
@@ -3135,7 +3135,7 @@
               </a:defRPr>
             </a:pPr>
             <a:r>
-              <a:t>NTPC Green Energy and GAIL have formed a joint venture.</a:t>
+              <a:t>NTPC Green Energy has expanded the Bhuj solar project.</a:t>
             </a:r>
           </a:p>
           <a:p>
@@ -3147,7 +3147,7 @@
               </a:defRPr>
             </a:pPr>
             <a:r>
-              <a:t>The joint venture operates on a 50:50 ownership basis.</a:t>
+              <a:t>An additional capacity of 37.5 MW has been added.</a:t>
             </a:r>
           </a:p>
         </p:txBody>
@@ -3200,7 +3200,7 @@
               </a:defRPr>
             </a:pPr>
             <a:r>
-              <a:t>Focus on Renewable Energy</a:t>
+              <a:t>Total Capacity Achieved</a:t>
             </a:r>
           </a:p>
           <a:p>
@@ -3212,7 +3212,7 @@
               </a:defRPr>
             </a:pPr>
             <a:r>
-              <a:t>The joint venture is specifically focused on renewable energy.</a:t>
+              <a:t>The total capacity of the Bhuj solar project now reaches 8,347.78 MW.</a:t>
             </a:r>
           </a:p>
           <a:p>
@@ -3224,7 +3224,7 @@
               </a:defRPr>
             </a:pPr>
             <a:r>
-              <a:t>This collaboration aims to enhance sustainable energy production.</a:t>
+              <a:t>This expansion contributes to NTPC Green Energy's overall capacity growth.</a:t>
             </a:r>
           </a:p>
         </p:txBody>
@@ -3277,7 +3277,7 @@
               </a:defRPr>
             </a:pPr>
             <a:r>
-              <a:t>Participants Overview</a:t>
+              <a:t>Location of the Project</a:t>
             </a:r>
           </a:p>
           <a:p>
@@ -3289,7 +3289,7 @@
               </a:defRPr>
             </a:pPr>
             <a:r>
-              <a:t>NTPC Green Energy is a subsidiary of NTPC Limited.</a:t>
+              <a:t>The expanded solar project is located in Bhuj.</a:t>
             </a:r>
           </a:p>
           <a:p>
@@ -3301,7 +3301,7 @@
               </a:defRPr>
             </a:pPr>
             <a:r>
-              <a:t>GAIL is a major player in the natural gas sector in India.</a:t>
+              <a:t>Bhuj is a strategic location for solar energy production.</a:t>
             </a:r>
           </a:p>
         </p:txBody>
@@ -3354,7 +3354,7 @@
               </a:defRPr>
             </a:pPr>
             <a:r>
-              <a:t>Strategic Goals</a:t>
+              <a:t>Company Profile</a:t>
             </a:r>
           </a:p>
           <a:p>
@@ -3366,7 +3366,7 @@
               </a:defRPr>
             </a:pPr>
             <a:r>
-              <a:t>The joint venture aligns with India's goals for renewable energy expansion.</a:t>
+              <a:t>NTPC Green Energy focuses on renewable energy projects.</a:t>
             </a:r>
           </a:p>
           <a:p>
@@ -3378,7 +3378,7 @@
               </a:defRPr>
             </a:pPr>
             <a:r>
-              <a:t>It supports the transition towards cleaner energy sources.</a:t>
+              <a:t>The company is part of NTPC Limited, a major player in India's energy sector.</a:t>
             </a:r>
           </a:p>
         </p:txBody>
@@ -3431,7 +3431,7 @@
               </a:defRPr>
             </a:pPr>
             <a:r>
-              <a:t>Project Development</a:t>
+              <a:t>Importance of Solar Energy</a:t>
             </a:r>
           </a:p>
           <a:p>
@@ -3443,7 +3443,7 @@
               </a:defRPr>
             </a:pPr>
             <a:r>
-              <a:t>Details on specific projects from the joint venture were not provided.</a:t>
+              <a:t>The addition of renewable energy sources is critical for sustainability.</a:t>
             </a:r>
           </a:p>
           <a:p>
@@ -3455,7 +3455,7 @@
               </a:defRPr>
             </a:pPr>
             <a:r>
-              <a:t>Future announcements regarding project specifics are anticipated.</a:t>
+              <a:t>Solar energy helps reduce carbon emissions and dependence on fossil fuels.</a:t>
             </a:r>
           </a:p>
         </p:txBody>
@@ -3508,7 +3508,7 @@
               </a:defRPr>
             </a:pPr>
             <a:r>
-              <a:t>Industry Impact</a:t>
+              <a:t>Future Outlook</a:t>
             </a:r>
           </a:p>
           <a:p>
@@ -3520,7 +3520,7 @@
               </a:defRPr>
             </a:pPr>
             <a:r>
-              <a:t>The collaboration is expected to contribute to the growth of the renewable energy sector in India.</a:t>
+              <a:t>NTPC Green Energy aims to further increase its renewable energy capacity.</a:t>
             </a:r>
           </a:p>
           <a:p>
@@ -3532,7 +3532,7 @@
               </a:defRPr>
             </a:pPr>
             <a:r>
-              <a:t>It signifies a partnership between two significant entities in the energy market.</a:t>
+              <a:t>Continued investment in solar projects is expected to support growth.</a:t>
             </a:r>
           </a:p>
         </p:txBody>

--- a/drafts/linkedin_carousel.pptx
+++ b/drafts/linkedin_carousel.pptx
@@ -3123,7 +3123,7 @@
               </a:defRPr>
             </a:pPr>
             <a:r>
-              <a:t>Project Expansion Overview</a:t>
+              <a:t>New Solar Capacity</a:t>
             </a:r>
           </a:p>
           <a:p>
@@ -3135,7 +3135,7 @@
               </a:defRPr>
             </a:pPr>
             <a:r>
-              <a:t>NTPC Green Energy has expanded the Bhuj solar project.</a:t>
+              <a:t>NTPC Green Energy has added 37.5 MW solar capacity.</a:t>
             </a:r>
           </a:p>
           <a:p>
@@ -3147,7 +3147,7 @@
               </a:defRPr>
             </a:pPr>
             <a:r>
-              <a:t>An additional capacity of 37.5 MW has been added.</a:t>
+              <a:t>The addition took place in Gujarat.</a:t>
             </a:r>
           </a:p>
         </p:txBody>
@@ -3200,7 +3200,7 @@
               </a:defRPr>
             </a:pPr>
             <a:r>
-              <a:t>Total Capacity Achieved</a:t>
+              <a:t>Total Capacity Achievement</a:t>
             </a:r>
           </a:p>
           <a:p>
@@ -3212,7 +3212,7 @@
               </a:defRPr>
             </a:pPr>
             <a:r>
-              <a:t>The total capacity of the Bhuj solar project now reaches 8,347.78 MW.</a:t>
+              <a:t>Total capacity of NTPC Green Energy group reaches 8,347.78 MW.</a:t>
             </a:r>
           </a:p>
           <a:p>
@@ -3224,7 +3224,7 @@
               </a:defRPr>
             </a:pPr>
             <a:r>
-              <a:t>This expansion contributes to NTPC Green Energy's overall capacity growth.</a:t>
+              <a:t>This reflects the company's commitment to expanding renewable energy.</a:t>
             </a:r>
           </a:p>
         </p:txBody>
@@ -3277,7 +3277,7 @@
               </a:defRPr>
             </a:pPr>
             <a:r>
-              <a:t>Location of the Project</a:t>
+              <a:t>Gujarat Solar Initiative</a:t>
             </a:r>
           </a:p>
           <a:p>
@@ -3289,7 +3289,7 @@
               </a:defRPr>
             </a:pPr>
             <a:r>
-              <a:t>The expanded solar project is located in Bhuj.</a:t>
+              <a:t>The recent solar capacity boost is part of NTPC's ongoing projects.</a:t>
             </a:r>
           </a:p>
           <a:p>
@@ -3301,7 +3301,7 @@
               </a:defRPr>
             </a:pPr>
             <a:r>
-              <a:t>Bhuj is a strategic location for solar energy production.</a:t>
+              <a:t>Gujarat is a key location for renewable energy development.</a:t>
             </a:r>
           </a:p>
         </p:txBody>
@@ -3354,7 +3354,7 @@
               </a:defRPr>
             </a:pPr>
             <a:r>
-              <a:t>Company Profile</a:t>
+              <a:t>Impact on Renewable Energy</a:t>
             </a:r>
           </a:p>
           <a:p>
@@ -3366,7 +3366,7 @@
               </a:defRPr>
             </a:pPr>
             <a:r>
-              <a:t>NTPC Green Energy focuses on renewable energy projects.</a:t>
+              <a:t>NTPC Green Energy's expansion contributes to renewable energy goals.</a:t>
             </a:r>
           </a:p>
           <a:p>
@@ -3378,7 +3378,7 @@
               </a:defRPr>
             </a:pPr>
             <a:r>
-              <a:t>The company is part of NTPC Limited, a major player in India's energy sector.</a:t>
+              <a:t>Solar energy is a critical component of India's energy transition.</a:t>
             </a:r>
           </a:p>
         </p:txBody>
@@ -3431,7 +3431,7 @@
               </a:defRPr>
             </a:pPr>
             <a:r>
-              <a:t>Importance of Solar Energy</a:t>
+              <a:t>Organization Overview</a:t>
             </a:r>
           </a:p>
           <a:p>
@@ -3443,7 +3443,7 @@
               </a:defRPr>
             </a:pPr>
             <a:r>
-              <a:t>The addition of renewable energy sources is critical for sustainability.</a:t>
+              <a:t>NTPC Green Energy focuses on renewable energy initiatives.</a:t>
             </a:r>
           </a:p>
           <a:p>
@@ -3455,7 +3455,7 @@
               </a:defRPr>
             </a:pPr>
             <a:r>
-              <a:t>Solar energy helps reduce carbon emissions and dependence on fossil fuels.</a:t>
+              <a:t>It operates under the NTPC Group, known for leadership in power generation.</a:t>
             </a:r>
           </a:p>
         </p:txBody>
@@ -3508,7 +3508,7 @@
               </a:defRPr>
             </a:pPr>
             <a:r>
-              <a:t>Future Outlook</a:t>
+              <a:t>Future Projections</a:t>
             </a:r>
           </a:p>
           <a:p>
@@ -3520,7 +3520,7 @@
               </a:defRPr>
             </a:pPr>
             <a:r>
-              <a:t>NTPC Green Energy aims to further increase its renewable energy capacity.</a:t>
+              <a:t>Continued investment in solar capacity is expected.</a:t>
             </a:r>
           </a:p>
           <a:p>
@@ -3532,7 +3532,7 @@
               </a:defRPr>
             </a:pPr>
             <a:r>
-              <a:t>Continued investment in solar projects is expected to support growth.</a:t>
+              <a:t>NTPC aims to further increase its overall renewable energy portfolio.</a:t>
             </a:r>
           </a:p>
         </p:txBody>

--- a/drafts/linkedin_carousel.pptx
+++ b/drafts/linkedin_carousel.pptx
@@ -3123,7 +3123,7 @@
               </a:defRPr>
             </a:pPr>
             <a:r>
-              <a:t>New Solar Capacity</a:t>
+              <a:t>Joint Venture Formation</a:t>
             </a:r>
           </a:p>
           <a:p>
@@ -3135,7 +3135,7 @@
               </a:defRPr>
             </a:pPr>
             <a:r>
-              <a:t>NTPC Green Energy has added 37.5 MW solar capacity.</a:t>
+              <a:t>NTPC Green Energy and GAIL have established a 50:50 joint venture.</a:t>
             </a:r>
           </a:p>
           <a:p>
@@ -3147,7 +3147,7 @@
               </a:defRPr>
             </a:pPr>
             <a:r>
-              <a:t>The addition took place in Gujarat.</a:t>
+              <a:t>The joint venture is focused on renewable energy projects.</a:t>
             </a:r>
           </a:p>
         </p:txBody>
@@ -3200,7 +3200,7 @@
               </a:defRPr>
             </a:pPr>
             <a:r>
-              <a:t>Total Capacity Achievement</a:t>
+              <a:t>Participants</a:t>
             </a:r>
           </a:p>
           <a:p>
@@ -3212,7 +3212,7 @@
               </a:defRPr>
             </a:pPr>
             <a:r>
-              <a:t>Total capacity of NTPC Green Energy group reaches 8,347.78 MW.</a:t>
+              <a:t>NTPC Green Energy is a subsidiary of NTPC Limited.</a:t>
             </a:r>
           </a:p>
           <a:p>
@@ -3224,7 +3224,7 @@
               </a:defRPr>
             </a:pPr>
             <a:r>
-              <a:t>This reflects the company's commitment to expanding renewable energy.</a:t>
+              <a:t>GAIL is India's largest state-owned natural gas company.</a:t>
             </a:r>
           </a:p>
         </p:txBody>
@@ -3277,7 +3277,7 @@
               </a:defRPr>
             </a:pPr>
             <a:r>
-              <a:t>Gujarat Solar Initiative</a:t>
+              <a:t>Renewable Energy Focus</a:t>
             </a:r>
           </a:p>
           <a:p>
@@ -3289,7 +3289,7 @@
               </a:defRPr>
             </a:pPr>
             <a:r>
-              <a:t>The recent solar capacity boost is part of NTPC's ongoing projects.</a:t>
+              <a:t>The joint venture aims to develop renewable energy projects.</a:t>
             </a:r>
           </a:p>
           <a:p>
@@ -3301,7 +3301,7 @@
               </a:defRPr>
             </a:pPr>
             <a:r>
-              <a:t>Gujarat is a key location for renewable energy development.</a:t>
+              <a:t>This includes solar, wind, and other clean energy initiatives.</a:t>
             </a:r>
           </a:p>
         </p:txBody>
@@ -3354,7 +3354,7 @@
               </a:defRPr>
             </a:pPr>
             <a:r>
-              <a:t>Impact on Renewable Energy</a:t>
+              <a:t>Project Objectives</a:t>
             </a:r>
           </a:p>
           <a:p>
@@ -3366,7 +3366,7 @@
               </a:defRPr>
             </a:pPr>
             <a:r>
-              <a:t>NTPC Green Energy's expansion contributes to renewable energy goals.</a:t>
+              <a:t>The projects are intended to enhance India's renewable energy capacity.</a:t>
             </a:r>
           </a:p>
           <a:p>
@@ -3378,7 +3378,7 @@
               </a:defRPr>
             </a:pPr>
             <a:r>
-              <a:t>Solar energy is a critical component of India's energy transition.</a:t>
+              <a:t>They will contribute to the country's sustainability goals.</a:t>
             </a:r>
           </a:p>
         </p:txBody>
@@ -3431,7 +3431,7 @@
               </a:defRPr>
             </a:pPr>
             <a:r>
-              <a:t>Organization Overview</a:t>
+              <a:t>Investment Plans</a:t>
             </a:r>
           </a:p>
           <a:p>
@@ -3443,7 +3443,7 @@
               </a:defRPr>
             </a:pPr>
             <a:r>
-              <a:t>NTPC Green Energy focuses on renewable energy initiatives.</a:t>
+              <a:t>Details on specific investment amounts have not been disclosed.</a:t>
             </a:r>
           </a:p>
           <a:p>
@@ -3455,7 +3455,7 @@
               </a:defRPr>
             </a:pPr>
             <a:r>
-              <a:t>It operates under the NTPC Group, known for leadership in power generation.</a:t>
+              <a:t>The joint venture will leverage resources from both companies.</a:t>
             </a:r>
           </a:p>
         </p:txBody>
@@ -3508,7 +3508,7 @@
               </a:defRPr>
             </a:pPr>
             <a:r>
-              <a:t>Future Projections</a:t>
+              <a:t>Timeline and Future Outlook</a:t>
             </a:r>
           </a:p>
           <a:p>
@@ -3520,7 +3520,7 @@
               </a:defRPr>
             </a:pPr>
             <a:r>
-              <a:t>Continued investment in solar capacity is expected.</a:t>
+              <a:t>No specific timeline for project commencement has been mentioned.</a:t>
             </a:r>
           </a:p>
           <a:p>
@@ -3532,7 +3532,7 @@
               </a:defRPr>
             </a:pPr>
             <a:r>
-              <a:t>NTPC aims to further increase its overall renewable energy portfolio.</a:t>
+              <a:t>The joint venture aims to position itself strategically in the renewable sector.</a:t>
             </a:r>
           </a:p>
         </p:txBody>

--- a/drafts/linkedin_carousel.pptx
+++ b/drafts/linkedin_carousel.pptx
@@ -3123,7 +3123,7 @@
               </a:defRPr>
             </a:pPr>
             <a:r>
-              <a:t>Joint Venture Formation</a:t>
+              <a:t>Support for Manufacturing</a:t>
             </a:r>
           </a:p>
           <a:p>
@@ -3135,7 +3135,7 @@
               </a:defRPr>
             </a:pPr>
             <a:r>
-              <a:t>NTPC Green Energy and GAIL have established a 50:50 joint venture.</a:t>
+              <a:t>The renewable energy sector is seeking support for manufacturing.</a:t>
             </a:r>
           </a:p>
           <a:p>
@@ -3147,7 +3147,7 @@
               </a:defRPr>
             </a:pPr>
             <a:r>
-              <a:t>The joint venture is focused on renewable energy projects.</a:t>
+              <a:t>Focus on increasing domestic production capabilities.</a:t>
             </a:r>
           </a:p>
         </p:txBody>
@@ -3200,7 +3200,7 @@
               </a:defRPr>
             </a:pPr>
             <a:r>
-              <a:t>Participants</a:t>
+              <a:t>Storage Solutions</a:t>
             </a:r>
           </a:p>
           <a:p>
@@ -3212,7 +3212,7 @@
               </a:defRPr>
             </a:pPr>
             <a:r>
-              <a:t>NTPC Green Energy is a subsidiary of NTPC Limited.</a:t>
+              <a:t>The sector is advocating for improvements in energy storage.</a:t>
             </a:r>
           </a:p>
           <a:p>
@@ -3224,7 +3224,7 @@
               </a:defRPr>
             </a:pPr>
             <a:r>
-              <a:t>GAIL is India's largest state-owned natural gas company.</a:t>
+              <a:t>Enhanced storage solutions are critical for renewable energy efficiency.</a:t>
             </a:r>
           </a:p>
         </p:txBody>
@@ -3277,7 +3277,7 @@
               </a:defRPr>
             </a:pPr>
             <a:r>
-              <a:t>Renewable Energy Focus</a:t>
+              <a:t>Green Hydrogen Initiatives</a:t>
             </a:r>
           </a:p>
           <a:p>
@@ -3289,7 +3289,7 @@
               </a:defRPr>
             </a:pPr>
             <a:r>
-              <a:t>The joint venture aims to develop renewable energy projects.</a:t>
+              <a:t>There is a specific call for support in the development of green hydrogen.</a:t>
             </a:r>
           </a:p>
           <a:p>
@@ -3301,7 +3301,7 @@
               </a:defRPr>
             </a:pPr>
             <a:r>
-              <a:t>This includes solar, wind, and other clean energy initiatives.</a:t>
+              <a:t>Green hydrogen is seen as a vital component for sustainable energy transition.</a:t>
             </a:r>
           </a:p>
         </p:txBody>
@@ -3354,7 +3354,7 @@
               </a:defRPr>
             </a:pPr>
             <a:r>
-              <a:t>Project Objectives</a:t>
+              <a:t>Overall Sector Goals</a:t>
             </a:r>
           </a:p>
           <a:p>
@@ -3366,7 +3366,7 @@
               </a:defRPr>
             </a:pPr>
             <a:r>
-              <a:t>The projects are intended to enhance India's renewable energy capacity.</a:t>
+              <a:t>The renewable energy sector aims to bolster its contributions to national energy goals.</a:t>
             </a:r>
           </a:p>
           <a:p>
@@ -3378,7 +3378,7 @@
               </a:defRPr>
             </a:pPr>
             <a:r>
-              <a:t>They will contribute to the country's sustainability goals.</a:t>
+              <a:t>Support from the budget is seen as essential for future growth and innovation.</a:t>
             </a:r>
           </a:p>
         </p:txBody>
@@ -3431,7 +3431,7 @@
               </a:defRPr>
             </a:pPr>
             <a:r>
-              <a:t>Investment Plans</a:t>
+              <a:t>Importance of Policy Support</a:t>
             </a:r>
           </a:p>
           <a:p>
@@ -3443,7 +3443,7 @@
               </a:defRPr>
             </a:pPr>
             <a:r>
-              <a:t>Details on specific investment amounts have not been disclosed.</a:t>
+              <a:t>Policy support is crucial for the sector to achieve its manufacturing goals.</a:t>
             </a:r>
           </a:p>
           <a:p>
@@ -3455,7 +3455,7 @@
               </a:defRPr>
             </a:pPr>
             <a:r>
-              <a:t>The joint venture will leverage resources from both companies.</a:t>
+              <a:t>Investment in renewable technologies is expected to drive economic growth.</a:t>
             </a:r>
           </a:p>
         </p:txBody>
@@ -3508,7 +3508,7 @@
               </a:defRPr>
             </a:pPr>
             <a:r>
-              <a:t>Timeline and Future Outlook</a:t>
+              <a:t>Collaboration with Government</a:t>
             </a:r>
           </a:p>
           <a:p>
@@ -3520,7 +3520,7 @@
               </a:defRPr>
             </a:pPr>
             <a:r>
-              <a:t>No specific timeline for project commencement has been mentioned.</a:t>
+              <a:t>The renewable energy sector seeks collaboration with the government for strategic initiatives.</a:t>
             </a:r>
           </a:p>
           <a:p>
@@ -3532,7 +3532,7 @@
               </a:defRPr>
             </a:pPr>
             <a:r>
-              <a:t>The joint venture aims to position itself strategically in the renewable sector.</a:t>
+              <a:t>Joint efforts are necessary to enhance the sector's infrastructure and capabilities.</a:t>
             </a:r>
           </a:p>
         </p:txBody>

--- a/drafts/linkedin_carousel.pptx
+++ b/drafts/linkedin_carousel.pptx
@@ -3123,7 +3123,7 @@
               </a:defRPr>
             </a:pPr>
             <a:r>
-              <a:t>Support for Manufacturing</a:t>
+              <a:t>NTPC and GAIL Joint Venture</a:t>
             </a:r>
           </a:p>
           <a:p>
@@ -3135,7 +3135,7 @@
               </a:defRPr>
             </a:pPr>
             <a:r>
-              <a:t>The renewable energy sector is seeking support for manufacturing.</a:t>
+              <a:t>NTPC Green Energy has established a 50:50 joint venture (JV) with GAIL.</a:t>
             </a:r>
           </a:p>
           <a:p>
@@ -3147,7 +3147,7 @@
               </a:defRPr>
             </a:pPr>
             <a:r>
-              <a:t>Focus on increasing domestic production capabilities.</a:t>
+              <a:t>The JV has received the necessary approvals.</a:t>
             </a:r>
           </a:p>
         </p:txBody>
@@ -3200,7 +3200,7 @@
               </a:defRPr>
             </a:pPr>
             <a:r>
-              <a:t>Storage Solutions</a:t>
+              <a:t>Investment Focus</a:t>
             </a:r>
           </a:p>
           <a:p>
@@ -3212,7 +3212,7 @@
               </a:defRPr>
             </a:pPr>
             <a:r>
-              <a:t>The sector is advocating for improvements in energy storage.</a:t>
+              <a:t>The partnership aims to enhance green energy production.</a:t>
             </a:r>
           </a:p>
           <a:p>
@@ -3224,7 +3224,7 @@
               </a:defRPr>
             </a:pPr>
             <a:r>
-              <a:t>Enhanced storage solutions are critical for renewable energy efficiency.</a:t>
+              <a:t>Both companies are focusing on sustainable energy solutions.</a:t>
             </a:r>
           </a:p>
         </p:txBody>
@@ -3277,7 +3277,7 @@
               </a:defRPr>
             </a:pPr>
             <a:r>
-              <a:t>Green Hydrogen Initiatives</a:t>
+              <a:t>Strategic Goals</a:t>
             </a:r>
           </a:p>
           <a:p>
@@ -3289,7 +3289,7 @@
               </a:defRPr>
             </a:pPr>
             <a:r>
-              <a:t>There is a specific call for support in the development of green hydrogen.</a:t>
+              <a:t>The collaboration will leverage NTPC's renewable energy expertise and GAIL's infrastructure.</a:t>
             </a:r>
           </a:p>
           <a:p>
@@ -3301,7 +3301,7 @@
               </a:defRPr>
             </a:pPr>
             <a:r>
-              <a:t>Green hydrogen is seen as a vital component for sustainable energy transition.</a:t>
+              <a:t>The JV is expected to drive growth in the green energy sector.</a:t>
             </a:r>
           </a:p>
         </p:txBody>
@@ -3354,7 +3354,7 @@
               </a:defRPr>
             </a:pPr>
             <a:r>
-              <a:t>Overall Sector Goals</a:t>
+              <a:t>Market Impact</a:t>
             </a:r>
           </a:p>
           <a:p>
@@ -3366,7 +3366,7 @@
               </a:defRPr>
             </a:pPr>
             <a:r>
-              <a:t>The renewable energy sector aims to bolster its contributions to national energy goals.</a:t>
+              <a:t>NTPC Green Energy shares have gained attention following the JV announcement.</a:t>
             </a:r>
           </a:p>
           <a:p>
@@ -3378,7 +3378,7 @@
               </a:defRPr>
             </a:pPr>
             <a:r>
-              <a:t>Support from the budget is seen as essential for future growth and innovation.</a:t>
+              <a:t>Investor interest in green energy sectors is likely to increase.</a:t>
             </a:r>
           </a:p>
         </p:txBody>
@@ -3431,7 +3431,7 @@
               </a:defRPr>
             </a:pPr>
             <a:r>
-              <a:t>Importance of Policy Support</a:t>
+              <a:t>Future Prospects</a:t>
             </a:r>
           </a:p>
           <a:p>
@@ -3443,7 +3443,7 @@
               </a:defRPr>
             </a:pPr>
             <a:r>
-              <a:t>Policy support is crucial for the sector to achieve its manufacturing goals.</a:t>
+              <a:t>This JV aligns with India's commitment to expanding its renewable energy portfolio.</a:t>
             </a:r>
           </a:p>
           <a:p>
@@ -3455,7 +3455,7 @@
               </a:defRPr>
             </a:pPr>
             <a:r>
-              <a:t>Investment in renewable technologies is expected to drive economic growth.</a:t>
+              <a:t>Both companies plan to explore various green energy initiatives.</a:t>
             </a:r>
           </a:p>
         </p:txBody>
@@ -3508,7 +3508,7 @@
               </a:defRPr>
             </a:pPr>
             <a:r>
-              <a:t>Collaboration with Government</a:t>
+              <a:t>Collaborative Benefits</a:t>
             </a:r>
           </a:p>
           <a:p>
@@ -3520,7 +3520,7 @@
               </a:defRPr>
             </a:pPr>
             <a:r>
-              <a:t>The renewable energy sector seeks collaboration with the government for strategic initiatives.</a:t>
+              <a:t>The joint ventures aim to capitalize on each company's strengths.</a:t>
             </a:r>
           </a:p>
           <a:p>
@@ -3532,7 +3532,7 @@
               </a:defRPr>
             </a:pPr>
             <a:r>
-              <a:t>Joint efforts are necessary to enhance the sector's infrastructure and capabilities.</a:t>
+              <a:t>Combining resources is expected to improve project efficiencies.</a:t>
             </a:r>
           </a:p>
         </p:txBody>

--- a/drafts/linkedin_carousel.pptx
+++ b/drafts/linkedin_carousel.pptx
@@ -3123,31 +3123,23 @@
               </a:defRPr>
             </a:pPr>
             <a:r>
-              <a:t>NTPC and GAIL Joint Venture</a:t>
+              <a:t>NTPC Green Energy Commercial Operation of 37.5 MW Solar Project - InvestyWise</a:t>
             </a:r>
           </a:p>
           <a:p>
             <a:pPr lvl="1">
-              <a:defRPr sz="1800">
-                <a:solidFill>
-                  <a:srgbClr val="404040"/>
-                </a:solidFill>
-              </a:defRPr>
+              <a:defRPr sz="1800"/>
             </a:pPr>
             <a:r>
-              <a:t>NTPC Green Energy has established a 50:50 joint venture (JV) with GAIL.</a:t>
+              <a:t>NTPC Green Energy has commenced commercial operations of a 37.5 MW solar project.</a:t>
             </a:r>
           </a:p>
           <a:p>
             <a:pPr lvl="1">
-              <a:defRPr sz="1800">
-                <a:solidFill>
-                  <a:srgbClr val="404040"/>
-                </a:solidFill>
-              </a:defRPr>
+              <a:defRPr sz="1800"/>
             </a:pPr>
             <a:r>
-              <a:t>The JV has received the necessary approvals.</a:t>
+              <a:t>The project contributes to NTPC's renewable energy capacity.</a:t>
             </a:r>
           </a:p>
         </p:txBody>
@@ -3200,31 +3192,23 @@
               </a:defRPr>
             </a:pPr>
             <a:r>
-              <a:t>Investment Focus</a:t>
+              <a:t>NTPC Green Energy Commercial Operation of 37.5 MW Solar Project - InvestyWise</a:t>
             </a:r>
           </a:p>
           <a:p>
             <a:pPr lvl="1">
-              <a:defRPr sz="1800">
-                <a:solidFill>
-                  <a:srgbClr val="404040"/>
-                </a:solidFill>
-              </a:defRPr>
+              <a:defRPr sz="1800"/>
             </a:pPr>
             <a:r>
-              <a:t>The partnership aims to enhance green energy production.</a:t>
+              <a:t>The solar project is part of NTPC's efforts to enhance its green energy portfolio.</a:t>
             </a:r>
           </a:p>
           <a:p>
             <a:pPr lvl="1">
-              <a:defRPr sz="1800">
-                <a:solidFill>
-                  <a:srgbClr val="404040"/>
-                </a:solidFill>
-              </a:defRPr>
+              <a:defRPr sz="1800"/>
             </a:pPr>
             <a:r>
-              <a:t>Both companies are focusing on sustainable energy solutions.</a:t>
+              <a:t>This initiative aligns with India's commitment to increasing renewable energy sources.</a:t>
             </a:r>
           </a:p>
         </p:txBody>
@@ -3277,31 +3261,23 @@
               </a:defRPr>
             </a:pPr>
             <a:r>
-              <a:t>Strategic Goals</a:t>
+              <a:t>NTPC Green Energy Commercial Operation of 37.5 MW Solar Project - InvestyWise</a:t>
             </a:r>
           </a:p>
           <a:p>
             <a:pPr lvl="1">
-              <a:defRPr sz="1800">
-                <a:solidFill>
-                  <a:srgbClr val="404040"/>
-                </a:solidFill>
-              </a:defRPr>
+              <a:defRPr sz="1800"/>
             </a:pPr>
             <a:r>
-              <a:t>The collaboration will leverage NTPC's renewable energy expertise and GAIL's infrastructure.</a:t>
+              <a:t>The 37.5 MW capacity adds to NTPC's existing renewable energy projects.</a:t>
             </a:r>
           </a:p>
           <a:p>
             <a:pPr lvl="1">
-              <a:defRPr sz="1800">
-                <a:solidFill>
-                  <a:srgbClr val="404040"/>
-                </a:solidFill>
-              </a:defRPr>
+              <a:defRPr sz="1800"/>
             </a:pPr>
             <a:r>
-              <a:t>The JV is expected to drive growth in the green energy sector.</a:t>
+              <a:t>The project is expected to contribute to reducing carbon emissions.</a:t>
             </a:r>
           </a:p>
         </p:txBody>
@@ -3354,31 +3330,23 @@
               </a:defRPr>
             </a:pPr>
             <a:r>
-              <a:t>Market Impact</a:t>
+              <a:t>NTPC Green Energy Commercial Operation of 37.5 MW Solar Project - InvestyWise</a:t>
             </a:r>
           </a:p>
           <a:p>
             <a:pPr lvl="1">
-              <a:defRPr sz="1800">
-                <a:solidFill>
-                  <a:srgbClr val="404040"/>
-                </a:solidFill>
-              </a:defRPr>
+              <a:defRPr sz="1800"/>
             </a:pPr>
             <a:r>
-              <a:t>NTPC Green Energy shares have gained attention following the JV announcement.</a:t>
+              <a:t>The solar project is a significant step towards achieving energy sustainability.</a:t>
             </a:r>
           </a:p>
           <a:p>
             <a:pPr lvl="1">
-              <a:defRPr sz="1800">
-                <a:solidFill>
-                  <a:srgbClr val="404040"/>
-                </a:solidFill>
-              </a:defRPr>
+              <a:defRPr sz="1800"/>
             </a:pPr>
             <a:r>
-              <a:t>Investor interest in green energy sectors is likely to increase.</a:t>
+              <a:t>NTPC aims to expand its renewable energy footprint further in the coming years.</a:t>
             </a:r>
           </a:p>
         </p:txBody>
@@ -3431,31 +3399,23 @@
               </a:defRPr>
             </a:pPr>
             <a:r>
-              <a:t>Future Prospects</a:t>
+              <a:t>NTPC Green Energy Commercial Operation of 37.5 MW Solar Project - InvestyWise</a:t>
             </a:r>
           </a:p>
           <a:p>
             <a:pPr lvl="1">
-              <a:defRPr sz="1800">
-                <a:solidFill>
-                  <a:srgbClr val="404040"/>
-                </a:solidFill>
-              </a:defRPr>
+              <a:defRPr sz="1800"/>
             </a:pPr>
             <a:r>
-              <a:t>This JV aligns with India's commitment to expanding its renewable energy portfolio.</a:t>
+              <a:t>The project showcases NTPC's commitment to green energy initiatives.</a:t>
             </a:r>
           </a:p>
           <a:p>
             <a:pPr lvl="1">
-              <a:defRPr sz="1800">
-                <a:solidFill>
-                  <a:srgbClr val="404040"/>
-                </a:solidFill>
-              </a:defRPr>
+              <a:defRPr sz="1800"/>
             </a:pPr>
             <a:r>
-              <a:t>Both companies plan to explore various green energy initiatives.</a:t>
+              <a:t>It reflects the growing trend of investment in solar energy in India.</a:t>
             </a:r>
           </a:p>
         </p:txBody>
@@ -3508,31 +3468,23 @@
               </a:defRPr>
             </a:pPr>
             <a:r>
-              <a:t>Collaborative Benefits</a:t>
+              <a:t>NTPC Green Energy Commercial Operation of 37.5 MW Solar Project - InvestyWise</a:t>
             </a:r>
           </a:p>
           <a:p>
             <a:pPr lvl="1">
-              <a:defRPr sz="1800">
-                <a:solidFill>
-                  <a:srgbClr val="404040"/>
-                </a:solidFill>
-              </a:defRPr>
+              <a:defRPr sz="1800"/>
             </a:pPr>
             <a:r>
-              <a:t>The joint ventures aim to capitalize on each company's strengths.</a:t>
+              <a:t>The operationalization of this solar project marks a milestone for NTPC Green Energy.</a:t>
             </a:r>
           </a:p>
           <a:p>
             <a:pPr lvl="1">
-              <a:defRPr sz="1800">
-                <a:solidFill>
-                  <a:srgbClr val="404040"/>
-                </a:solidFill>
-              </a:defRPr>
+              <a:defRPr sz="1800"/>
             </a:pPr>
             <a:r>
-              <a:t>Combining resources is expected to improve project efficiencies.</a:t>
+              <a:t>It is part of a broader strategy to transition towards renewable energy solutions.</a:t>
             </a:r>
           </a:p>
         </p:txBody>

--- a/drafts/linkedin_carousel.pptx
+++ b/drafts/linkedin_carousel.pptx
@@ -3116,14 +3116,14 @@
           <a:lstStyle/>
           <a:p>
             <a:pPr>
-              <a:defRPr sz="3000" b="1">
+              <a:defRPr sz="2800" b="1">
                 <a:solidFill>
                   <a:srgbClr val="202020"/>
                 </a:solidFill>
               </a:defRPr>
             </a:pPr>
             <a:r>
-              <a:t>NTPC Green Energy Commercial Operation of 37.5 MW Solar Project - InvestyWise</a:t>
+              <a:t>Juniper Green completes solar component of 133 MW Solapur hybrid power project - pv magazine India</a:t>
             </a:r>
           </a:p>
           <a:p>
@@ -3131,7 +3131,7 @@
               <a:defRPr sz="1800"/>
             </a:pPr>
             <a:r>
-              <a:t>NTPC Green Energy has commenced commercial operations of a 37.5 MW solar project.</a:t>
+              <a:t>Juniper Green has completed the solar component of the Solapur hybrid power project.</a:t>
             </a:r>
           </a:p>
           <a:p>
@@ -3139,7 +3139,7 @@
               <a:defRPr sz="1800"/>
             </a:pPr>
             <a:r>
-              <a:t>The project contributes to NTPC's renewable energy capacity.</a:t>
+              <a:t>The total capacity of the Solapur hybrid power project is 133 MW.</a:t>
             </a:r>
           </a:p>
         </p:txBody>
@@ -3185,14 +3185,14 @@
           <a:lstStyle/>
           <a:p>
             <a:pPr>
-              <a:defRPr sz="3000" b="1">
+              <a:defRPr sz="2800" b="1">
                 <a:solidFill>
                   <a:srgbClr val="202020"/>
                 </a:solidFill>
               </a:defRPr>
             </a:pPr>
             <a:r>
-              <a:t>NTPC Green Energy Commercial Operation of 37.5 MW Solar Project - InvestyWise</a:t>
+              <a:t>Juniper Green completes solar component of 133 MW Solapur hybrid power project - pv magazine India</a:t>
             </a:r>
           </a:p>
           <a:p>
@@ -3200,7 +3200,7 @@
               <a:defRPr sz="1800"/>
             </a:pPr>
             <a:r>
-              <a:t>The solar project is part of NTPC's efforts to enhance its green energy portfolio.</a:t>
+              <a:t>The project is located in Solapur, India.</a:t>
             </a:r>
           </a:p>
           <a:p>
@@ -3208,7 +3208,7 @@
               <a:defRPr sz="1800"/>
             </a:pPr>
             <a:r>
-              <a:t>This initiative aligns with India's commitment to increasing renewable energy sources.</a:t>
+              <a:t>The hybrid power project includes both solar and other energy components.</a:t>
             </a:r>
           </a:p>
         </p:txBody>
@@ -3254,14 +3254,14 @@
           <a:lstStyle/>
           <a:p>
             <a:pPr>
-              <a:defRPr sz="3000" b="1">
+              <a:defRPr sz="2800" b="1">
                 <a:solidFill>
                   <a:srgbClr val="202020"/>
                 </a:solidFill>
               </a:defRPr>
             </a:pPr>
             <a:r>
-              <a:t>NTPC Green Energy Commercial Operation of 37.5 MW Solar Project - InvestyWise</a:t>
+              <a:t>Juniper Green completes solar component of 133 MW Solapur hybrid power project - pv magazine India</a:t>
             </a:r>
           </a:p>
           <a:p>
@@ -3269,7 +3269,7 @@
               <a:defRPr sz="1800"/>
             </a:pPr>
             <a:r>
-              <a:t>The 37.5 MW capacity adds to NTPC's existing renewable energy projects.</a:t>
+              <a:t>The completion of the solar component contributes to renewable energy generation in the region.</a:t>
             </a:r>
           </a:p>
           <a:p>
@@ -3277,7 +3277,7 @@
               <a:defRPr sz="1800"/>
             </a:pPr>
             <a:r>
-              <a:t>The project is expected to contribute to reducing carbon emissions.</a:t>
+              <a:t>Juniper Green is focused on expanding its renewable energy portfolio.</a:t>
             </a:r>
           </a:p>
         </p:txBody>
@@ -3323,14 +3323,14 @@
           <a:lstStyle/>
           <a:p>
             <a:pPr>
-              <a:defRPr sz="3000" b="1">
+              <a:defRPr sz="2800" b="1">
                 <a:solidFill>
                   <a:srgbClr val="202020"/>
                 </a:solidFill>
               </a:defRPr>
             </a:pPr>
             <a:r>
-              <a:t>NTPC Green Energy Commercial Operation of 37.5 MW Solar Project - InvestyWise</a:t>
+              <a:t>Juniper Green completes solar component of 133 MW Solapur hybrid power project - pv magazine India</a:t>
             </a:r>
           </a:p>
           <a:p>
@@ -3338,7 +3338,7 @@
               <a:defRPr sz="1800"/>
             </a:pPr>
             <a:r>
-              <a:t>The solar project is a significant step towards achieving energy sustainability.</a:t>
+              <a:t>The project aligns with India's goals for increasing renewable energy capacity.</a:t>
             </a:r>
           </a:p>
           <a:p>
@@ -3346,7 +3346,7 @@
               <a:defRPr sz="1800"/>
             </a:pPr>
             <a:r>
-              <a:t>NTPC aims to expand its renewable energy footprint further in the coming years.</a:t>
+              <a:t>The hybrid power project is part of a broader initiative to enhance energy security.</a:t>
             </a:r>
           </a:p>
         </p:txBody>
@@ -3392,14 +3392,14 @@
           <a:lstStyle/>
           <a:p>
             <a:pPr>
-              <a:defRPr sz="3000" b="1">
+              <a:defRPr sz="2800" b="1">
                 <a:solidFill>
                   <a:srgbClr val="202020"/>
                 </a:solidFill>
               </a:defRPr>
             </a:pPr>
             <a:r>
-              <a:t>NTPC Green Energy Commercial Operation of 37.5 MW Solar Project - InvestyWise</a:t>
+              <a:t>Juniper Green completes solar component of 133 MW Solapur hybrid power project - pv magazine India</a:t>
             </a:r>
           </a:p>
           <a:p>
@@ -3407,7 +3407,7 @@
               <a:defRPr sz="1800"/>
             </a:pPr>
             <a:r>
-              <a:t>The project showcases NTPC's commitment to green energy initiatives.</a:t>
+              <a:t>The solar component is a significant step in the development of the hybrid project.</a:t>
             </a:r>
           </a:p>
           <a:p>
@@ -3415,7 +3415,7 @@
               <a:defRPr sz="1800"/>
             </a:pPr>
             <a:r>
-              <a:t>It reflects the growing trend of investment in solar energy in India.</a:t>
+              <a:t>Completion of this project may lead to further investments in renewable energy infrastructure.</a:t>
             </a:r>
           </a:p>
         </p:txBody>
@@ -3461,14 +3461,14 @@
           <a:lstStyle/>
           <a:p>
             <a:pPr>
-              <a:defRPr sz="3000" b="1">
+              <a:defRPr sz="2800" b="1">
                 <a:solidFill>
                   <a:srgbClr val="202020"/>
                 </a:solidFill>
               </a:defRPr>
             </a:pPr>
             <a:r>
-              <a:t>NTPC Green Energy Commercial Operation of 37.5 MW Solar Project - InvestyWise</a:t>
+              <a:t>Juniper Green completes solar component of 133 MW Solapur hybrid power project - pv magazine India</a:t>
             </a:r>
           </a:p>
           <a:p>
@@ -3476,7 +3476,7 @@
               <a:defRPr sz="1800"/>
             </a:pPr>
             <a:r>
-              <a:t>The operationalization of this solar project marks a milestone for NTPC Green Energy.</a:t>
+              <a:t>The project showcases advancements in solar technology and hybrid systems.</a:t>
             </a:r>
           </a:p>
           <a:p>
@@ -3484,7 +3484,7 @@
               <a:defRPr sz="1800"/>
             </a:pPr>
             <a:r>
-              <a:t>It is part of a broader strategy to transition towards renewable energy solutions.</a:t>
+              <a:t>Juniper Green's efforts contribute to the reduction of carbon emissions in the energy sector.</a:t>
             </a:r>
           </a:p>
         </p:txBody>

--- a/drafts/linkedin_carousel.pptx
+++ b/drafts/linkedin_carousel.pptx
@@ -3123,7 +3123,7 @@
               </a:defRPr>
             </a:pPr>
             <a:r>
-              <a:t>Juniper Green completes solar component of 133 MW Solapur hybrid power project - pv magazine India</a:t>
+              <a:t>The dragon in the grid: Limiting China’s influence in Europe’s energy system - European Union Institute for Security Studies |</a:t>
             </a:r>
           </a:p>
           <a:p>
@@ -3131,7 +3131,7 @@
               <a:defRPr sz="1800"/>
             </a:pPr>
             <a:r>
-              <a:t>Juniper Green has completed the solar component of the Solapur hybrid power project.</a:t>
+              <a:t>The European Union is increasingly concerned about China's investments in its energy infrastructure.</a:t>
             </a:r>
           </a:p>
           <a:p>
@@ -3139,7 +3139,7 @@
               <a:defRPr sz="1800"/>
             </a:pPr>
             <a:r>
-              <a:t>The total capacity of the Solapur hybrid power project is 133 MW.</a:t>
+              <a:t>China's involvement in European energy projects has raised security and dependency issues.</a:t>
             </a:r>
           </a:p>
         </p:txBody>
@@ -3192,7 +3192,7 @@
               </a:defRPr>
             </a:pPr>
             <a:r>
-              <a:t>Juniper Green completes solar component of 133 MW Solapur hybrid power project - pv magazine India</a:t>
+              <a:t>The dragon in the grid: Limiting China’s influence in Europe’s energy system - European Union Institute for Security Studies |</a:t>
             </a:r>
           </a:p>
           <a:p>
@@ -3200,7 +3200,7 @@
               <a:defRPr sz="1800"/>
             </a:pPr>
             <a:r>
-              <a:t>The project is located in Solapur, India.</a:t>
+              <a:t>The EU is exploring strategies to reduce reliance on Chinese technology in energy systems.</a:t>
             </a:r>
           </a:p>
           <a:p>
@@ -3208,7 +3208,7 @@
               <a:defRPr sz="1800"/>
             </a:pPr>
             <a:r>
-              <a:t>The hybrid power project includes both solar and other energy components.</a:t>
+              <a:t>There are ongoing discussions within the EU about enhancing energy security and diversification.</a:t>
             </a:r>
           </a:p>
         </p:txBody>
@@ -3261,7 +3261,7 @@
               </a:defRPr>
             </a:pPr>
             <a:r>
-              <a:t>Juniper Green completes solar component of 133 MW Solapur hybrid power project - pv magazine India</a:t>
+              <a:t>The dragon in the grid: Limiting China’s influence in Europe’s energy system - European Union Institute for Security Studies |</a:t>
             </a:r>
           </a:p>
           <a:p>
@@ -3269,7 +3269,7 @@
               <a:defRPr sz="1800"/>
             </a:pPr>
             <a:r>
-              <a:t>The completion of the solar component contributes to renewable energy generation in the region.</a:t>
+              <a:t>China has become a significant player in renewable energy investments in Europe.</a:t>
             </a:r>
           </a:p>
           <a:p>
@@ -3277,7 +3277,7 @@
               <a:defRPr sz="1800"/>
             </a:pPr>
             <a:r>
-              <a:t>Juniper Green is focused on expanding its renewable energy portfolio.</a:t>
+              <a:t>The EU aims to balance investments from China with local and allied sources.</a:t>
             </a:r>
           </a:p>
         </p:txBody>
@@ -3330,7 +3330,7 @@
               </a:defRPr>
             </a:pPr>
             <a:r>
-              <a:t>Juniper Green completes solar component of 133 MW Solapur hybrid power project - pv magazine India</a:t>
+              <a:t>The dragon in the grid: Limiting China’s influence in Europe’s energy system - European Union Institute for Security Studies |</a:t>
             </a:r>
           </a:p>
           <a:p>
@@ -3338,7 +3338,7 @@
               <a:defRPr sz="1800"/>
             </a:pPr>
             <a:r>
-              <a:t>The project aligns with India's goals for increasing renewable energy capacity.</a:t>
+              <a:t>The European Commission is assessing the implications of foreign investments in critical energy infrastructure.</a:t>
             </a:r>
           </a:p>
           <a:p>
@@ -3346,7 +3346,7 @@
               <a:defRPr sz="1800"/>
             </a:pPr>
             <a:r>
-              <a:t>The hybrid power project is part of a broader initiative to enhance energy security.</a:t>
+              <a:t>Regulatory frameworks are being developed to scrutinize and potentially limit Chinese investments.</a:t>
             </a:r>
           </a:p>
         </p:txBody>
@@ -3399,7 +3399,7 @@
               </a:defRPr>
             </a:pPr>
             <a:r>
-              <a:t>Juniper Green completes solar component of 133 MW Solapur hybrid power project - pv magazine India</a:t>
+              <a:t>The dragon in the grid: Limiting China’s influence in Europe’s energy system - European Union Institute for Security Studies |</a:t>
             </a:r>
           </a:p>
           <a:p>
@@ -3407,7 +3407,7 @@
               <a:defRPr sz="1800"/>
             </a:pPr>
             <a:r>
-              <a:t>The solar component is a significant step in the development of the hybrid project.</a:t>
+              <a:t>Strategic partnerships with other countries are being prioritized to enhance energy independence.</a:t>
             </a:r>
           </a:p>
           <a:p>
@@ -3415,7 +3415,7 @@
               <a:defRPr sz="1800"/>
             </a:pPr>
             <a:r>
-              <a:t>Completion of this project may lead to further investments in renewable energy infrastructure.</a:t>
+              <a:t>The EU is focusing on strengthening its internal market to reduce vulnerabilities.</a:t>
             </a:r>
           </a:p>
         </p:txBody>
@@ -3468,7 +3468,7 @@
               </a:defRPr>
             </a:pPr>
             <a:r>
-              <a:t>Juniper Green completes solar component of 133 MW Solapur hybrid power project - pv magazine India</a:t>
+              <a:t>The dragon in the grid: Limiting China’s influence in Europe’s energy system - European Union Institute for Security Studies |</a:t>
             </a:r>
           </a:p>
           <a:p>
@@ -3476,7 +3476,7 @@
               <a:defRPr sz="1800"/>
             </a:pPr>
             <a:r>
-              <a:t>The project showcases advancements in solar technology and hybrid systems.</a:t>
+              <a:t>The EU's energy strategy includes a commitment to sustainability and reducing carbon emissions.</a:t>
             </a:r>
           </a:p>
           <a:p>
@@ -3484,7 +3484,7 @@
               <a:defRPr sz="1800"/>
             </a:pPr>
             <a:r>
-              <a:t>Juniper Green's efforts contribute to the reduction of carbon emissions in the energy sector.</a:t>
+              <a:t>Efforts are underway to ensure that energy transitions do not compromise security interests.</a:t>
             </a:r>
           </a:p>
         </p:txBody>

--- a/drafts/linkedin_carousel.pptx
+++ b/drafts/linkedin_carousel.pptx
@@ -3101,8 +3101,8 @@
         </p:nvSpPr>
         <p:spPr>
           <a:xfrm>
-            <a:off x="4572000" y="914400"/>
-            <a:ext cx="4114800" cy="4114800"/>
+            <a:off x="731520" y="731520"/>
+            <a:ext cx="7680960" cy="2286000"/>
           </a:xfrm>
           <a:prstGeom prst="rect">
             <a:avLst/>
@@ -3118,28 +3118,36 @@
             <a:pPr>
               <a:defRPr sz="2800" b="1">
                 <a:solidFill>
-                  <a:srgbClr val="202020"/>
+                  <a:srgbClr val="FFFFFF"/>
                 </a:solidFill>
               </a:defRPr>
             </a:pPr>
             <a:r>
-              <a:t>The dragon in the grid: Limiting China’s influence in Europe’s energy system - European Union Institute for Security Studies |</a:t>
+              <a:t>Onix Renewable Signs MoU with Government of Gujarat at Vibrant Gujarat 2026 for Clean Energy Expansion - Energetica India Magazine</a:t>
             </a:r>
           </a:p>
           <a:p>
             <a:pPr lvl="1">
-              <a:defRPr sz="1800"/>
+              <a:defRPr sz="1800">
+                <a:solidFill>
+                  <a:srgbClr val="F0F0F0"/>
+                </a:solidFill>
+              </a:defRPr>
             </a:pPr>
             <a:r>
-              <a:t>The European Union is increasingly concerned about China's investments in its energy infrastructure.</a:t>
+              <a:t>Onix Renewable has signed a Memorandum of Understanding (MoU) with the Government of Gujarat.</a:t>
             </a:r>
           </a:p>
           <a:p>
             <a:pPr lvl="1">
-              <a:defRPr sz="1800"/>
+              <a:defRPr sz="1800">
+                <a:solidFill>
+                  <a:srgbClr val="F0F0F0"/>
+                </a:solidFill>
+              </a:defRPr>
             </a:pPr>
             <a:r>
-              <a:t>China's involvement in European energy projects has raised security and dependency issues.</a:t>
+              <a:t>The signing took place during the Vibrant Gujarat 2026 event.</a:t>
             </a:r>
           </a:p>
         </p:txBody>
@@ -3170,8 +3178,8 @@
         </p:nvSpPr>
         <p:spPr>
           <a:xfrm>
-            <a:off x="4572000" y="914400"/>
-            <a:ext cx="4114800" cy="4114800"/>
+            <a:off x="731520" y="731520"/>
+            <a:ext cx="7680960" cy="2286000"/>
           </a:xfrm>
           <a:prstGeom prst="rect">
             <a:avLst/>
@@ -3187,28 +3195,36 @@
             <a:pPr>
               <a:defRPr sz="2800" b="1">
                 <a:solidFill>
-                  <a:srgbClr val="202020"/>
+                  <a:srgbClr val="FFFFFF"/>
                 </a:solidFill>
               </a:defRPr>
             </a:pPr>
             <a:r>
-              <a:t>The dragon in the grid: Limiting China’s influence in Europe’s energy system - European Union Institute for Security Studies |</a:t>
+              <a:t>Onix Renewable Signs MoU with Government of Gujarat at Vibrant Gujarat 2026 for Clean Energy Expansion - Energetica India Magazine</a:t>
             </a:r>
           </a:p>
           <a:p>
             <a:pPr lvl="1">
-              <a:defRPr sz="1800"/>
+              <a:defRPr sz="1800">
+                <a:solidFill>
+                  <a:srgbClr val="F0F0F0"/>
+                </a:solidFill>
+              </a:defRPr>
             </a:pPr>
             <a:r>
-              <a:t>The EU is exploring strategies to reduce reliance on Chinese technology in energy systems.</a:t>
+              <a:t>The MoU aims to facilitate clean energy expansion in the region.</a:t>
             </a:r>
           </a:p>
           <a:p>
             <a:pPr lvl="1">
-              <a:defRPr sz="1800"/>
+              <a:defRPr sz="1800">
+                <a:solidFill>
+                  <a:srgbClr val="F0F0F0"/>
+                </a:solidFill>
+              </a:defRPr>
             </a:pPr>
             <a:r>
-              <a:t>There are ongoing discussions within the EU about enhancing energy security and diversification.</a:t>
+              <a:t>This partnership is part of Gujarat's broader initiative to enhance renewable energy capacity.</a:t>
             </a:r>
           </a:p>
         </p:txBody>
@@ -3239,8 +3255,8 @@
         </p:nvSpPr>
         <p:spPr>
           <a:xfrm>
-            <a:off x="4572000" y="914400"/>
-            <a:ext cx="4114800" cy="4114800"/>
+            <a:off x="731520" y="731520"/>
+            <a:ext cx="7680960" cy="2286000"/>
           </a:xfrm>
           <a:prstGeom prst="rect">
             <a:avLst/>
@@ -3256,28 +3272,36 @@
             <a:pPr>
               <a:defRPr sz="2800" b="1">
                 <a:solidFill>
-                  <a:srgbClr val="202020"/>
+                  <a:srgbClr val="FFFFFF"/>
                 </a:solidFill>
               </a:defRPr>
             </a:pPr>
             <a:r>
-              <a:t>The dragon in the grid: Limiting China’s influence in Europe’s energy system - European Union Institute for Security Studies |</a:t>
+              <a:t>Onix Renewable Signs MoU with Government of Gujarat at Vibrant Gujarat 2026 for Clean Energy Expansion - Energetica India Magazine</a:t>
             </a:r>
           </a:p>
           <a:p>
             <a:pPr lvl="1">
-              <a:defRPr sz="1800"/>
+              <a:defRPr sz="1800">
+                <a:solidFill>
+                  <a:srgbClr val="F0F0F0"/>
+                </a:solidFill>
+              </a:defRPr>
             </a:pPr>
             <a:r>
-              <a:t>China has become a significant player in renewable energy investments in Europe.</a:t>
+              <a:t>The agreement aligns with India's commitment to increasing renewable energy sources.</a:t>
             </a:r>
           </a:p>
           <a:p>
             <a:pPr lvl="1">
-              <a:defRPr sz="1800"/>
+              <a:defRPr sz="1800">
+                <a:solidFill>
+                  <a:srgbClr val="F0F0F0"/>
+                </a:solidFill>
+              </a:defRPr>
             </a:pPr>
             <a:r>
-              <a:t>The EU aims to balance investments from China with local and allied sources.</a:t>
+              <a:t>Gujarat is known for its significant investments in clean energy projects.</a:t>
             </a:r>
           </a:p>
         </p:txBody>
@@ -3308,8 +3332,8 @@
         </p:nvSpPr>
         <p:spPr>
           <a:xfrm>
-            <a:off x="4572000" y="914400"/>
-            <a:ext cx="4114800" cy="4114800"/>
+            <a:off x="731520" y="731520"/>
+            <a:ext cx="7680960" cy="2286000"/>
           </a:xfrm>
           <a:prstGeom prst="rect">
             <a:avLst/>
@@ -3325,28 +3349,36 @@
             <a:pPr>
               <a:defRPr sz="2800" b="1">
                 <a:solidFill>
-                  <a:srgbClr val="202020"/>
+                  <a:srgbClr val="FFFFFF"/>
                 </a:solidFill>
               </a:defRPr>
             </a:pPr>
             <a:r>
-              <a:t>The dragon in the grid: Limiting China’s influence in Europe’s energy system - European Union Institute for Security Studies |</a:t>
+              <a:t>Onix Renewable Signs MoU with Government of Gujarat at Vibrant Gujarat 2026 for Clean Energy Expansion - Energetica India Magazine</a:t>
             </a:r>
           </a:p>
           <a:p>
             <a:pPr lvl="1">
-              <a:defRPr sz="1800"/>
+              <a:defRPr sz="1800">
+                <a:solidFill>
+                  <a:srgbClr val="F0F0F0"/>
+                </a:solidFill>
+              </a:defRPr>
             </a:pPr>
             <a:r>
-              <a:t>The European Commission is assessing the implications of foreign investments in critical energy infrastructure.</a:t>
+              <a:t>The MoU is expected to contribute to job creation in the clean energy sector.</a:t>
             </a:r>
           </a:p>
           <a:p>
             <a:pPr lvl="1">
-              <a:defRPr sz="1800"/>
+              <a:defRPr sz="1800">
+                <a:solidFill>
+                  <a:srgbClr val="F0F0F0"/>
+                </a:solidFill>
+              </a:defRPr>
             </a:pPr>
             <a:r>
-              <a:t>Regulatory frameworks are being developed to scrutinize and potentially limit Chinese investments.</a:t>
+              <a:t>Onix Renewable aims to leverage Gujarat's favorable policies for renewable energy.</a:t>
             </a:r>
           </a:p>
         </p:txBody>
@@ -3377,8 +3409,8 @@
         </p:nvSpPr>
         <p:spPr>
           <a:xfrm>
-            <a:off x="4572000" y="914400"/>
-            <a:ext cx="4114800" cy="4114800"/>
+            <a:off x="731520" y="731520"/>
+            <a:ext cx="7680960" cy="2286000"/>
           </a:xfrm>
           <a:prstGeom prst="rect">
             <a:avLst/>
@@ -3394,28 +3426,36 @@
             <a:pPr>
               <a:defRPr sz="2800" b="1">
                 <a:solidFill>
-                  <a:srgbClr val="202020"/>
+                  <a:srgbClr val="FFFFFF"/>
                 </a:solidFill>
               </a:defRPr>
             </a:pPr>
             <a:r>
-              <a:t>The dragon in the grid: Limiting China’s influence in Europe’s energy system - European Union Institute for Security Studies |</a:t>
+              <a:t>Onix Renewable Signs MoU with Government of Gujarat at Vibrant Gujarat 2026 for Clean Energy Expansion - Energetica India Magazine</a:t>
             </a:r>
           </a:p>
           <a:p>
             <a:pPr lvl="1">
-              <a:defRPr sz="1800"/>
+              <a:defRPr sz="1800">
+                <a:solidFill>
+                  <a:srgbClr val="F0F0F0"/>
+                </a:solidFill>
+              </a:defRPr>
             </a:pPr>
             <a:r>
-              <a:t>Strategic partnerships with other countries are being prioritized to enhance energy independence.</a:t>
+              <a:t>The Vibrant Gujarat summit is a platform for investment and collaboration in various sectors.</a:t>
             </a:r>
           </a:p>
           <a:p>
             <a:pPr lvl="1">
-              <a:defRPr sz="1800"/>
+              <a:defRPr sz="1800">
+                <a:solidFill>
+                  <a:srgbClr val="F0F0F0"/>
+                </a:solidFill>
+              </a:defRPr>
             </a:pPr>
             <a:r>
-              <a:t>The EU is focusing on strengthening its internal market to reduce vulnerabilities.</a:t>
+              <a:t>Onix Renewable's initiative reflects the growing trend of public-private partnerships in clean energy.</a:t>
             </a:r>
           </a:p>
         </p:txBody>
@@ -3446,8 +3486,8 @@
         </p:nvSpPr>
         <p:spPr>
           <a:xfrm>
-            <a:off x="4572000" y="914400"/>
-            <a:ext cx="4114800" cy="4114800"/>
+            <a:off x="731520" y="731520"/>
+            <a:ext cx="7680960" cy="2286000"/>
           </a:xfrm>
           <a:prstGeom prst="rect">
             <a:avLst/>
@@ -3463,28 +3503,36 @@
             <a:pPr>
               <a:defRPr sz="2800" b="1">
                 <a:solidFill>
-                  <a:srgbClr val="202020"/>
+                  <a:srgbClr val="FFFFFF"/>
                 </a:solidFill>
               </a:defRPr>
             </a:pPr>
             <a:r>
-              <a:t>The dragon in the grid: Limiting China’s influence in Europe’s energy system - European Union Institute for Security Studies |</a:t>
+              <a:t>Onix Renewable Signs MoU with Government of Gujarat at Vibrant Gujarat 2026 for Clean Energy Expansion - Energetica India Magazine</a:t>
             </a:r>
           </a:p>
           <a:p>
             <a:pPr lvl="1">
-              <a:defRPr sz="1800"/>
+              <a:defRPr sz="1800">
+                <a:solidFill>
+                  <a:srgbClr val="F0F0F0"/>
+                </a:solidFill>
+              </a:defRPr>
             </a:pPr>
             <a:r>
-              <a:t>The EU's energy strategy includes a commitment to sustainability and reducing carbon emissions.</a:t>
+              <a:t>The MoU signifies a strategic move towards sustainable energy solutions.</a:t>
             </a:r>
           </a:p>
           <a:p>
             <a:pPr lvl="1">
-              <a:defRPr sz="1800"/>
+              <a:defRPr sz="1800">
+                <a:solidFill>
+                  <a:srgbClr val="F0F0F0"/>
+                </a:solidFill>
+              </a:defRPr>
             </a:pPr>
             <a:r>
-              <a:t>Efforts are underway to ensure that energy transitions do not compromise security interests.</a:t>
+              <a:t>This collaboration is part of Gujarat's vision for a greener future.</a:t>
             </a:r>
           </a:p>
         </p:txBody>

--- a/drafts/linkedin_carousel.pptx
+++ b/drafts/linkedin_carousel.pptx
@@ -3123,7 +3123,7 @@
               </a:defRPr>
             </a:pPr>
             <a:r>
-              <a:t>Onix Renewable Signs MoU with Government of Gujarat at Vibrant Gujarat 2026 for Clean Energy Expansion - Energetica India Magazine</a:t>
+              <a:t>Elcogen Expands Into India And Asia-Pacific, Appoints Anil Srikar Pavuluri As Business Development Director - SolarQuarter</a:t>
             </a:r>
           </a:p>
           <a:p>
@@ -3135,7 +3135,7 @@
               </a:defRPr>
             </a:pPr>
             <a:r>
-              <a:t>Onix Renewable has signed a Memorandum of Understanding (MoU) with the Government of Gujarat.</a:t>
+              <a:t>Elcogen has announced its expansion into India and the Asia-Pacific region.</a:t>
             </a:r>
           </a:p>
           <a:p>
@@ -3147,7 +3147,7 @@
               </a:defRPr>
             </a:pPr>
             <a:r>
-              <a:t>The signing took place during the Vibrant Gujarat 2026 event.</a:t>
+              <a:t>Anil Srikar Pavuluri has been appointed as the Business Development Director.</a:t>
             </a:r>
           </a:p>
         </p:txBody>
@@ -3200,7 +3200,7 @@
               </a:defRPr>
             </a:pPr>
             <a:r>
-              <a:t>Onix Renewable Signs MoU with Government of Gujarat at Vibrant Gujarat 2026 for Clean Energy Expansion - Energetica India Magazine</a:t>
+              <a:t>Elcogen Expands Into India And Asia-Pacific, Appoints Anil Srikar Pavuluri As Business Development Director - SolarQuarter</a:t>
             </a:r>
           </a:p>
           <a:p>
@@ -3212,7 +3212,7 @@
               </a:defRPr>
             </a:pPr>
             <a:r>
-              <a:t>The MoU aims to facilitate clean energy expansion in the region.</a:t>
+              <a:t>The expansion aims to enhance Elcogen's presence in emerging markets.</a:t>
             </a:r>
           </a:p>
           <a:p>
@@ -3224,7 +3224,7 @@
               </a:defRPr>
             </a:pPr>
             <a:r>
-              <a:t>This partnership is part of Gujarat's broader initiative to enhance renewable energy capacity.</a:t>
+              <a:t>The appointment of Anil Srikar Pavuluri is part of the company's strategic growth plan.</a:t>
             </a:r>
           </a:p>
         </p:txBody>
@@ -3277,7 +3277,7 @@
               </a:defRPr>
             </a:pPr>
             <a:r>
-              <a:t>Onix Renewable Signs MoU with Government of Gujarat at Vibrant Gujarat 2026 for Clean Energy Expansion - Energetica India Magazine</a:t>
+              <a:t>Elcogen Expands Into India And Asia-Pacific, Appoints Anil Srikar Pavuluri As Business Development Director - SolarQuarter</a:t>
             </a:r>
           </a:p>
           <a:p>
@@ -3289,7 +3289,7 @@
               </a:defRPr>
             </a:pPr>
             <a:r>
-              <a:t>The agreement aligns with India's commitment to increasing renewable energy sources.</a:t>
+              <a:t>Elcogen focuses on developing innovative energy solutions.</a:t>
             </a:r>
           </a:p>
           <a:p>
@@ -3301,7 +3301,7 @@
               </a:defRPr>
             </a:pPr>
             <a:r>
-              <a:t>Gujarat is known for its significant investments in clean energy projects.</a:t>
+              <a:t>The Asia-Pacific region is identified as a key market for renewable energy growth.</a:t>
             </a:r>
           </a:p>
         </p:txBody>
@@ -3354,7 +3354,7 @@
               </a:defRPr>
             </a:pPr>
             <a:r>
-              <a:t>Onix Renewable Signs MoU with Government of Gujarat at Vibrant Gujarat 2026 for Clean Energy Expansion - Energetica India Magazine</a:t>
+              <a:t>Elcogen Expands Into India And Asia-Pacific, Appoints Anil Srikar Pavuluri As Business Development Director - SolarQuarter</a:t>
             </a:r>
           </a:p>
           <a:p>
@@ -3366,7 +3366,7 @@
               </a:defRPr>
             </a:pPr>
             <a:r>
-              <a:t>The MoU is expected to contribute to job creation in the clean energy sector.</a:t>
+              <a:t>The company aims to leverage local expertise through its new appointment.</a:t>
             </a:r>
           </a:p>
           <a:p>
@@ -3378,7 +3378,7 @@
               </a:defRPr>
             </a:pPr>
             <a:r>
-              <a:t>Onix Renewable aims to leverage Gujarat's favorable policies for renewable energy.</a:t>
+              <a:t>Anil Srikar Pavuluri brings significant experience in business development.</a:t>
             </a:r>
           </a:p>
         </p:txBody>
@@ -3431,7 +3431,7 @@
               </a:defRPr>
             </a:pPr>
             <a:r>
-              <a:t>Onix Renewable Signs MoU with Government of Gujarat at Vibrant Gujarat 2026 for Clean Energy Expansion - Energetica India Magazine</a:t>
+              <a:t>Elcogen Expands Into India And Asia-Pacific, Appoints Anil Srikar Pavuluri As Business Development Director - SolarQuarter</a:t>
             </a:r>
           </a:p>
           <a:p>
@@ -3443,7 +3443,7 @@
               </a:defRPr>
             </a:pPr>
             <a:r>
-              <a:t>The Vibrant Gujarat summit is a platform for investment and collaboration in various sectors.</a:t>
+              <a:t>Elcogen's expansion is expected to create new opportunities in the renewable sector.</a:t>
             </a:r>
           </a:p>
           <a:p>
@@ -3455,7 +3455,7 @@
               </a:defRPr>
             </a:pPr>
             <a:r>
-              <a:t>Onix Renewable's initiative reflects the growing trend of public-private partnerships in clean energy.</a:t>
+              <a:t>The company is committed to contributing to sustainable energy solutions.</a:t>
             </a:r>
           </a:p>
         </p:txBody>
@@ -3508,7 +3508,7 @@
               </a:defRPr>
             </a:pPr>
             <a:r>
-              <a:t>Onix Renewable Signs MoU with Government of Gujarat at Vibrant Gujarat 2026 for Clean Energy Expansion - Energetica India Magazine</a:t>
+              <a:t>Elcogen Expands Into India And Asia-Pacific, Appoints Anil Srikar Pavuluri As Business Development Director - SolarQuarter</a:t>
             </a:r>
           </a:p>
           <a:p>
@@ -3520,7 +3520,7 @@
               </a:defRPr>
             </a:pPr>
             <a:r>
-              <a:t>The MoU signifies a strategic move towards sustainable energy solutions.</a:t>
+              <a:t>The strategic move aligns with global trends towards renewable energy adoption.</a:t>
             </a:r>
           </a:p>
           <a:p>
@@ -3532,7 +3532,7 @@
               </a:defRPr>
             </a:pPr>
             <a:r>
-              <a:t>This collaboration is part of Gujarat's vision for a greener future.</a:t>
+              <a:t>Elcogen aims to establish partnerships within the region to enhance its market position.</a:t>
             </a:r>
           </a:p>
         </p:txBody>

--- a/drafts/linkedin_carousel.pptx
+++ b/drafts/linkedin_carousel.pptx
@@ -3095,59 +3095,61 @@
       <p:grpSpPr/>
       <p:sp>
         <p:nvSpPr>
-          <p:cNvPr id="2" name="TextBox 1"/>
-          <p:cNvSpPr txBox="1"/>
-          <p:nvPr/>
-        </p:nvSpPr>
-        <p:spPr>
-          <a:xfrm>
-            <a:off x="731520" y="731520"/>
-            <a:ext cx="7680960" cy="2286000"/>
-          </a:xfrm>
-          <a:prstGeom prst="rect">
-            <a:avLst/>
-          </a:prstGeom>
-          <a:noFill/>
-        </p:spPr>
-        <p:txBody>
-          <a:bodyPr wrap="none">
-            <a:spAutoFit/>
-          </a:bodyPr>
+          <p:cNvPr id="2" name="Title 1"/>
+          <p:cNvSpPr>
+            <a:spLocks noGrp="1"/>
+          </p:cNvSpPr>
+          <p:nvPr>
+            <p:ph type="title"/>
+          </p:nvPr>
+        </p:nvSpPr>
+        <p:spPr/>
+        <p:txBody>
+          <a:bodyPr/>
           <a:lstStyle/>
           <a:p>
             <a:pPr>
-              <a:defRPr sz="2800" b="1">
-                <a:solidFill>
-                  <a:srgbClr val="FFFFFF"/>
-                </a:solidFill>
-              </a:defRPr>
+              <a:defRPr sz="2800" b="1"/>
             </a:pPr>
             <a:r>
-              <a:t>Elcogen Expands Into India And Asia-Pacific, Appoints Anil Srikar Pavuluri As Business Development Director - SolarQuarter</a:t>
+              <a:t>Elcogen Enters India and APAC with Green Hydrogen Technology - Saur Energy</a:t>
+            </a:r>
+          </a:p>
+        </p:txBody>
+      </p:sp>
+      <p:sp>
+        <p:nvSpPr>
+          <p:cNvPr id="3" name="Content Placeholder 2"/>
+          <p:cNvSpPr>
+            <a:spLocks noGrp="1"/>
+          </p:cNvSpPr>
+          <p:nvPr>
+            <p:ph idx="1"/>
+          </p:nvPr>
+        </p:nvSpPr>
+        <p:spPr/>
+        <p:txBody>
+          <a:bodyPr/>
+          <a:lstStyle/>
+          <a:p>
+            <a:r>
+              <a:t>⚠️ Image missing</a:t>
             </a:r>
           </a:p>
           <a:p>
             <a:pPr lvl="1">
-              <a:defRPr sz="1800">
-                <a:solidFill>
-                  <a:srgbClr val="F0F0F0"/>
-                </a:solidFill>
-              </a:defRPr>
+              <a:defRPr sz="1600"/>
             </a:pPr>
             <a:r>
-              <a:t>Elcogen has announced its expansion into India and the Asia-Pacific region.</a:t>
+              <a:t>Elcogen has expanded its operations into India and the Asia-Pacific (APAC) region.</a:t>
             </a:r>
           </a:p>
           <a:p>
             <a:pPr lvl="1">
-              <a:defRPr sz="1800">
-                <a:solidFill>
-                  <a:srgbClr val="F0F0F0"/>
-                </a:solidFill>
-              </a:defRPr>
+              <a:defRPr sz="1600"/>
             </a:pPr>
             <a:r>
-              <a:t>Anil Srikar Pavuluri has been appointed as the Business Development Director.</a:t>
+              <a:t>The company focuses on green hydrogen technology.</a:t>
             </a:r>
           </a:p>
         </p:txBody>
@@ -3172,59 +3174,61 @@
       <p:grpSpPr/>
       <p:sp>
         <p:nvSpPr>
-          <p:cNvPr id="2" name="TextBox 1"/>
-          <p:cNvSpPr txBox="1"/>
-          <p:nvPr/>
-        </p:nvSpPr>
-        <p:spPr>
-          <a:xfrm>
-            <a:off x="731520" y="731520"/>
-            <a:ext cx="7680960" cy="2286000"/>
-          </a:xfrm>
-          <a:prstGeom prst="rect">
-            <a:avLst/>
-          </a:prstGeom>
-          <a:noFill/>
-        </p:spPr>
-        <p:txBody>
-          <a:bodyPr wrap="none">
-            <a:spAutoFit/>
-          </a:bodyPr>
+          <p:cNvPr id="2" name="Title 1"/>
+          <p:cNvSpPr>
+            <a:spLocks noGrp="1"/>
+          </p:cNvSpPr>
+          <p:nvPr>
+            <p:ph type="title"/>
+          </p:nvPr>
+        </p:nvSpPr>
+        <p:spPr/>
+        <p:txBody>
+          <a:bodyPr/>
           <a:lstStyle/>
           <a:p>
             <a:pPr>
-              <a:defRPr sz="2800" b="1">
-                <a:solidFill>
-                  <a:srgbClr val="FFFFFF"/>
-                </a:solidFill>
-              </a:defRPr>
+              <a:defRPr sz="2800" b="1"/>
             </a:pPr>
             <a:r>
-              <a:t>Elcogen Expands Into India And Asia-Pacific, Appoints Anil Srikar Pavuluri As Business Development Director - SolarQuarter</a:t>
+              <a:t>Elcogen Enters India and APAC with Green Hydrogen Technology - Saur Energy</a:t>
+            </a:r>
+          </a:p>
+        </p:txBody>
+      </p:sp>
+      <p:sp>
+        <p:nvSpPr>
+          <p:cNvPr id="3" name="Content Placeholder 2"/>
+          <p:cNvSpPr>
+            <a:spLocks noGrp="1"/>
+          </p:cNvSpPr>
+          <p:nvPr>
+            <p:ph idx="1"/>
+          </p:nvPr>
+        </p:nvSpPr>
+        <p:spPr/>
+        <p:txBody>
+          <a:bodyPr/>
+          <a:lstStyle/>
+          <a:p>
+            <a:r>
+              <a:t>⚠️ Image missing</a:t>
             </a:r>
           </a:p>
           <a:p>
             <a:pPr lvl="1">
-              <a:defRPr sz="1800">
-                <a:solidFill>
-                  <a:srgbClr val="F0F0F0"/>
-                </a:solidFill>
-              </a:defRPr>
+              <a:defRPr sz="1600"/>
             </a:pPr>
             <a:r>
-              <a:t>The expansion aims to enhance Elcogen's presence in emerging markets.</a:t>
+              <a:t>The expansion is part of Elcogen's strategy to enhance its market presence in emerging economies.</a:t>
             </a:r>
           </a:p>
           <a:p>
             <a:pPr lvl="1">
-              <a:defRPr sz="1800">
-                <a:solidFill>
-                  <a:srgbClr val="F0F0F0"/>
-                </a:solidFill>
-              </a:defRPr>
+              <a:defRPr sz="1600"/>
             </a:pPr>
             <a:r>
-              <a:t>The appointment of Anil Srikar Pavuluri is part of the company's strategic growth plan.</a:t>
+              <a:t>Green hydrogen technology is a key component in the transition to sustainable energy.</a:t>
             </a:r>
           </a:p>
         </p:txBody>
@@ -3249,59 +3253,61 @@
       <p:grpSpPr/>
       <p:sp>
         <p:nvSpPr>
-          <p:cNvPr id="2" name="TextBox 1"/>
-          <p:cNvSpPr txBox="1"/>
-          <p:nvPr/>
-        </p:nvSpPr>
-        <p:spPr>
-          <a:xfrm>
-            <a:off x="731520" y="731520"/>
-            <a:ext cx="7680960" cy="2286000"/>
-          </a:xfrm>
-          <a:prstGeom prst="rect">
-            <a:avLst/>
-          </a:prstGeom>
-          <a:noFill/>
-        </p:spPr>
-        <p:txBody>
-          <a:bodyPr wrap="none">
-            <a:spAutoFit/>
-          </a:bodyPr>
+          <p:cNvPr id="2" name="Title 1"/>
+          <p:cNvSpPr>
+            <a:spLocks noGrp="1"/>
+          </p:cNvSpPr>
+          <p:nvPr>
+            <p:ph type="title"/>
+          </p:nvPr>
+        </p:nvSpPr>
+        <p:spPr/>
+        <p:txBody>
+          <a:bodyPr/>
           <a:lstStyle/>
           <a:p>
             <a:pPr>
-              <a:defRPr sz="2800" b="1">
-                <a:solidFill>
-                  <a:srgbClr val="FFFFFF"/>
-                </a:solidFill>
-              </a:defRPr>
+              <a:defRPr sz="2800" b="1"/>
             </a:pPr>
             <a:r>
-              <a:t>Elcogen Expands Into India And Asia-Pacific, Appoints Anil Srikar Pavuluri As Business Development Director - SolarQuarter</a:t>
+              <a:t>Elcogen Enters India and APAC with Green Hydrogen Technology - Saur Energy</a:t>
+            </a:r>
+          </a:p>
+        </p:txBody>
+      </p:sp>
+      <p:sp>
+        <p:nvSpPr>
+          <p:cNvPr id="3" name="Content Placeholder 2"/>
+          <p:cNvSpPr>
+            <a:spLocks noGrp="1"/>
+          </p:cNvSpPr>
+          <p:nvPr>
+            <p:ph idx="1"/>
+          </p:nvPr>
+        </p:nvSpPr>
+        <p:spPr/>
+        <p:txBody>
+          <a:bodyPr/>
+          <a:lstStyle/>
+          <a:p>
+            <a:r>
+              <a:t>⚠️ Image missing</a:t>
             </a:r>
           </a:p>
           <a:p>
             <a:pPr lvl="1">
-              <a:defRPr sz="1800">
-                <a:solidFill>
-                  <a:srgbClr val="F0F0F0"/>
-                </a:solidFill>
-              </a:defRPr>
+              <a:defRPr sz="1600"/>
             </a:pPr>
             <a:r>
-              <a:t>Elcogen focuses on developing innovative energy solutions.</a:t>
+              <a:t>Elcogen aims to leverage the growing demand for clean energy solutions in the APAC region.</a:t>
             </a:r>
           </a:p>
           <a:p>
             <a:pPr lvl="1">
-              <a:defRPr sz="1800">
-                <a:solidFill>
-                  <a:srgbClr val="F0F0F0"/>
-                </a:solidFill>
-              </a:defRPr>
+              <a:defRPr sz="1600"/>
             </a:pPr>
             <a:r>
-              <a:t>The Asia-Pacific region is identified as a key market for renewable energy growth.</a:t>
+              <a:t>The company is positioned to contribute to the reduction of carbon emissions.</a:t>
             </a:r>
           </a:p>
         </p:txBody>
@@ -3326,59 +3332,61 @@
       <p:grpSpPr/>
       <p:sp>
         <p:nvSpPr>
-          <p:cNvPr id="2" name="TextBox 1"/>
-          <p:cNvSpPr txBox="1"/>
-          <p:nvPr/>
-        </p:nvSpPr>
-        <p:spPr>
-          <a:xfrm>
-            <a:off x="731520" y="731520"/>
-            <a:ext cx="7680960" cy="2286000"/>
-          </a:xfrm>
-          <a:prstGeom prst="rect">
-            <a:avLst/>
-          </a:prstGeom>
-          <a:noFill/>
-        </p:spPr>
-        <p:txBody>
-          <a:bodyPr wrap="none">
-            <a:spAutoFit/>
-          </a:bodyPr>
+          <p:cNvPr id="2" name="Title 1"/>
+          <p:cNvSpPr>
+            <a:spLocks noGrp="1"/>
+          </p:cNvSpPr>
+          <p:nvPr>
+            <p:ph type="title"/>
+          </p:nvPr>
+        </p:nvSpPr>
+        <p:spPr/>
+        <p:txBody>
+          <a:bodyPr/>
           <a:lstStyle/>
           <a:p>
             <a:pPr>
-              <a:defRPr sz="2800" b="1">
-                <a:solidFill>
-                  <a:srgbClr val="FFFFFF"/>
-                </a:solidFill>
-              </a:defRPr>
+              <a:defRPr sz="2800" b="1"/>
             </a:pPr>
             <a:r>
-              <a:t>Elcogen Expands Into India And Asia-Pacific, Appoints Anil Srikar Pavuluri As Business Development Director - SolarQuarter</a:t>
+              <a:t>Elcogen Enters India and APAC with Green Hydrogen Technology - Saur Energy</a:t>
+            </a:r>
+          </a:p>
+        </p:txBody>
+      </p:sp>
+      <p:sp>
+        <p:nvSpPr>
+          <p:cNvPr id="3" name="Content Placeholder 2"/>
+          <p:cNvSpPr>
+            <a:spLocks noGrp="1"/>
+          </p:cNvSpPr>
+          <p:nvPr>
+            <p:ph idx="1"/>
+          </p:nvPr>
+        </p:nvSpPr>
+        <p:spPr/>
+        <p:txBody>
+          <a:bodyPr/>
+          <a:lstStyle/>
+          <a:p>
+            <a:r>
+              <a:t>⚠️ Image missing</a:t>
             </a:r>
           </a:p>
           <a:p>
             <a:pPr lvl="1">
-              <a:defRPr sz="1800">
-                <a:solidFill>
-                  <a:srgbClr val="F0F0F0"/>
-                </a:solidFill>
-              </a:defRPr>
+              <a:defRPr sz="1600"/>
             </a:pPr>
             <a:r>
-              <a:t>The company aims to leverage local expertise through its new appointment.</a:t>
+              <a:t>The entry into India aligns with the country's goals for renewable energy adoption.</a:t>
             </a:r>
           </a:p>
           <a:p>
             <a:pPr lvl="1">
-              <a:defRPr sz="1800">
-                <a:solidFill>
-                  <a:srgbClr val="F0F0F0"/>
-                </a:solidFill>
-              </a:defRPr>
+              <a:defRPr sz="1600"/>
             </a:pPr>
             <a:r>
-              <a:t>Anil Srikar Pavuluri brings significant experience in business development.</a:t>
+              <a:t>Elcogen's technology supports the development of hydrogen as a clean fuel source.</a:t>
             </a:r>
           </a:p>
         </p:txBody>
@@ -3403,59 +3411,61 @@
       <p:grpSpPr/>
       <p:sp>
         <p:nvSpPr>
-          <p:cNvPr id="2" name="TextBox 1"/>
-          <p:cNvSpPr txBox="1"/>
-          <p:nvPr/>
-        </p:nvSpPr>
-        <p:spPr>
-          <a:xfrm>
-            <a:off x="731520" y="731520"/>
-            <a:ext cx="7680960" cy="2286000"/>
-          </a:xfrm>
-          <a:prstGeom prst="rect">
-            <a:avLst/>
-          </a:prstGeom>
-          <a:noFill/>
-        </p:spPr>
-        <p:txBody>
-          <a:bodyPr wrap="none">
-            <a:spAutoFit/>
-          </a:bodyPr>
+          <p:cNvPr id="2" name="Title 1"/>
+          <p:cNvSpPr>
+            <a:spLocks noGrp="1"/>
+          </p:cNvSpPr>
+          <p:nvPr>
+            <p:ph type="title"/>
+          </p:nvPr>
+        </p:nvSpPr>
+        <p:spPr/>
+        <p:txBody>
+          <a:bodyPr/>
           <a:lstStyle/>
           <a:p>
             <a:pPr>
-              <a:defRPr sz="2800" b="1">
-                <a:solidFill>
-                  <a:srgbClr val="FFFFFF"/>
-                </a:solidFill>
-              </a:defRPr>
+              <a:defRPr sz="2800" b="1"/>
             </a:pPr>
             <a:r>
-              <a:t>Elcogen Expands Into India And Asia-Pacific, Appoints Anil Srikar Pavuluri As Business Development Director - SolarQuarter</a:t>
+              <a:t>Elcogen Enters India and APAC with Green Hydrogen Technology - Saur Energy</a:t>
+            </a:r>
+          </a:p>
+        </p:txBody>
+      </p:sp>
+      <p:sp>
+        <p:nvSpPr>
+          <p:cNvPr id="3" name="Content Placeholder 2"/>
+          <p:cNvSpPr>
+            <a:spLocks noGrp="1"/>
+          </p:cNvSpPr>
+          <p:nvPr>
+            <p:ph idx="1"/>
+          </p:nvPr>
+        </p:nvSpPr>
+        <p:spPr/>
+        <p:txBody>
+          <a:bodyPr/>
+          <a:lstStyle/>
+          <a:p>
+            <a:r>
+              <a:t>⚠️ Image missing</a:t>
             </a:r>
           </a:p>
           <a:p>
             <a:pPr lvl="1">
-              <a:defRPr sz="1800">
-                <a:solidFill>
-                  <a:srgbClr val="F0F0F0"/>
-                </a:solidFill>
-              </a:defRPr>
+              <a:defRPr sz="1600"/>
             </a:pPr>
             <a:r>
-              <a:t>Elcogen's expansion is expected to create new opportunities in the renewable sector.</a:t>
+              <a:t>The initiative reflects a broader trend of international companies investing in India's energy sector.</a:t>
             </a:r>
           </a:p>
           <a:p>
             <a:pPr lvl="1">
-              <a:defRPr sz="1800">
-                <a:solidFill>
-                  <a:srgbClr val="F0F0F0"/>
-                </a:solidFill>
-              </a:defRPr>
+              <a:defRPr sz="1600"/>
             </a:pPr>
             <a:r>
-              <a:t>The company is committed to contributing to sustainable energy solutions.</a:t>
+              <a:t>Elcogen's technology is expected to play a role in various industrial applications.</a:t>
             </a:r>
           </a:p>
         </p:txBody>
@@ -3480,59 +3490,61 @@
       <p:grpSpPr/>
       <p:sp>
         <p:nvSpPr>
-          <p:cNvPr id="2" name="TextBox 1"/>
-          <p:cNvSpPr txBox="1"/>
-          <p:nvPr/>
-        </p:nvSpPr>
-        <p:spPr>
-          <a:xfrm>
-            <a:off x="731520" y="731520"/>
-            <a:ext cx="7680960" cy="2286000"/>
-          </a:xfrm>
-          <a:prstGeom prst="rect">
-            <a:avLst/>
-          </a:prstGeom>
-          <a:noFill/>
-        </p:spPr>
-        <p:txBody>
-          <a:bodyPr wrap="none">
-            <a:spAutoFit/>
-          </a:bodyPr>
+          <p:cNvPr id="2" name="Title 1"/>
+          <p:cNvSpPr>
+            <a:spLocks noGrp="1"/>
+          </p:cNvSpPr>
+          <p:nvPr>
+            <p:ph type="title"/>
+          </p:nvPr>
+        </p:nvSpPr>
+        <p:spPr/>
+        <p:txBody>
+          <a:bodyPr/>
           <a:lstStyle/>
           <a:p>
             <a:pPr>
-              <a:defRPr sz="2800" b="1">
-                <a:solidFill>
-                  <a:srgbClr val="FFFFFF"/>
-                </a:solidFill>
-              </a:defRPr>
+              <a:defRPr sz="2800" b="1"/>
             </a:pPr>
             <a:r>
-              <a:t>Elcogen Expands Into India And Asia-Pacific, Appoints Anil Srikar Pavuluri As Business Development Director - SolarQuarter</a:t>
+              <a:t>Elcogen Enters India and APAC with Green Hydrogen Technology - Saur Energy</a:t>
+            </a:r>
+          </a:p>
+        </p:txBody>
+      </p:sp>
+      <p:sp>
+        <p:nvSpPr>
+          <p:cNvPr id="3" name="Content Placeholder 2"/>
+          <p:cNvSpPr>
+            <a:spLocks noGrp="1"/>
+          </p:cNvSpPr>
+          <p:nvPr>
+            <p:ph idx="1"/>
+          </p:nvPr>
+        </p:nvSpPr>
+        <p:spPr/>
+        <p:txBody>
+          <a:bodyPr/>
+          <a:lstStyle/>
+          <a:p>
+            <a:r>
+              <a:t>⚠️ Image missing</a:t>
             </a:r>
           </a:p>
           <a:p>
             <a:pPr lvl="1">
-              <a:defRPr sz="1800">
-                <a:solidFill>
-                  <a:srgbClr val="F0F0F0"/>
-                </a:solidFill>
-              </a:defRPr>
+              <a:defRPr sz="1600"/>
             </a:pPr>
             <a:r>
-              <a:t>The strategic move aligns with global trends towards renewable energy adoption.</a:t>
+              <a:t>The expansion is anticipated to create new opportunities for collaboration in the region.</a:t>
             </a:r>
           </a:p>
           <a:p>
             <a:pPr lvl="1">
-              <a:defRPr sz="1800">
-                <a:solidFill>
-                  <a:srgbClr val="F0F0F0"/>
-                </a:solidFill>
-              </a:defRPr>
+              <a:defRPr sz="1600"/>
             </a:pPr>
             <a:r>
-              <a:t>Elcogen aims to establish partnerships within the region to enhance its market position.</a:t>
+              <a:t>Elcogen's move is significant in the context of global efforts to achieve net-zero emissions.</a:t>
             </a:r>
           </a:p>
         </p:txBody>

--- a/drafts/linkedin_carousel.pptx
+++ b/drafts/linkedin_carousel.pptx
@@ -3112,7 +3112,7 @@
               <a:defRPr sz="2800" b="1"/>
             </a:pPr>
             <a:r>
-              <a:t>Elcogen Enters India and APAC with Green Hydrogen Technology - Saur Energy</a:t>
+              <a:t>Insolation Energy Subsidiary Signs MOU With Bondada Engineering For Solar Modules - scanx.trade</a:t>
             </a:r>
           </a:p>
         </p:txBody>
@@ -3141,7 +3141,7 @@
               <a:defRPr sz="1600"/>
             </a:pPr>
             <a:r>
-              <a:t>Elcogen has expanded its operations into India and the Asia-Pacific (APAC) region.</a:t>
+              <a:t>Insolation Energy has signed a Memorandum of Understanding (MOU) with Bondada Engineering.</a:t>
             </a:r>
           </a:p>
           <a:p>
@@ -3149,7 +3149,7 @@
               <a:defRPr sz="1600"/>
             </a:pPr>
             <a:r>
-              <a:t>The company focuses on green hydrogen technology.</a:t>
+              <a:t>The MOU focuses on the development of solar modules.</a:t>
             </a:r>
           </a:p>
         </p:txBody>
@@ -3191,7 +3191,7 @@
               <a:defRPr sz="2800" b="1"/>
             </a:pPr>
             <a:r>
-              <a:t>Elcogen Enters India and APAC with Green Hydrogen Technology - Saur Energy</a:t>
+              <a:t>Insolation Energy Subsidiary Signs MOU With Bondada Engineering For Solar Modules - scanx.trade</a:t>
             </a:r>
           </a:p>
         </p:txBody>
@@ -3220,7 +3220,7 @@
               <a:defRPr sz="1600"/>
             </a:pPr>
             <a:r>
-              <a:t>The expansion is part of Elcogen's strategy to enhance its market presence in emerging economies.</a:t>
+              <a:t>The partnership aims to enhance solar energy solutions.</a:t>
             </a:r>
           </a:p>
           <a:p>
@@ -3228,7 +3228,7 @@
               <a:defRPr sz="1600"/>
             </a:pPr>
             <a:r>
-              <a:t>Green hydrogen technology is a key component in the transition to sustainable energy.</a:t>
+              <a:t>Bondada Engineering is recognized for its expertise in engineering services.</a:t>
             </a:r>
           </a:p>
         </p:txBody>
@@ -3270,7 +3270,7 @@
               <a:defRPr sz="2800" b="1"/>
             </a:pPr>
             <a:r>
-              <a:t>Elcogen Enters India and APAC with Green Hydrogen Technology - Saur Energy</a:t>
+              <a:t>Insolation Energy Subsidiary Signs MOU With Bondada Engineering For Solar Modules - scanx.trade</a:t>
             </a:r>
           </a:p>
         </p:txBody>
@@ -3299,7 +3299,7 @@
               <a:defRPr sz="1600"/>
             </a:pPr>
             <a:r>
-              <a:t>Elcogen aims to leverage the growing demand for clean energy solutions in the APAC region.</a:t>
+              <a:t>The collaboration is expected to contribute to renewable energy initiatives.</a:t>
             </a:r>
           </a:p>
           <a:p>
@@ -3307,7 +3307,7 @@
               <a:defRPr sz="1600"/>
             </a:pPr>
             <a:r>
-              <a:t>The company is positioned to contribute to the reduction of carbon emissions.</a:t>
+              <a:t>Details regarding the specific solar module technology were not disclosed.</a:t>
             </a:r>
           </a:p>
         </p:txBody>
@@ -3349,7 +3349,7 @@
               <a:defRPr sz="2800" b="1"/>
             </a:pPr>
             <a:r>
-              <a:t>Elcogen Enters India and APAC with Green Hydrogen Technology - Saur Energy</a:t>
+              <a:t>Insolation Energy Subsidiary Signs MOU With Bondada Engineering For Solar Modules - scanx.trade</a:t>
             </a:r>
           </a:p>
         </p:txBody>
@@ -3378,7 +3378,7 @@
               <a:defRPr sz="1600"/>
             </a:pPr>
             <a:r>
-              <a:t>The entry into India aligns with the country's goals for renewable energy adoption.</a:t>
+              <a:t>The MOU signifies a strategic partnership in the solar energy sector.</a:t>
             </a:r>
           </a:p>
           <a:p>
@@ -3386,7 +3386,7 @@
               <a:defRPr sz="1600"/>
             </a:pPr>
             <a:r>
-              <a:t>Elcogen's technology supports the development of hydrogen as a clean fuel source.</a:t>
+              <a:t>Insolation Energy's subsidiary is focused on expanding its market presence.</a:t>
             </a:r>
           </a:p>
         </p:txBody>
@@ -3428,7 +3428,7 @@
               <a:defRPr sz="2800" b="1"/>
             </a:pPr>
             <a:r>
-              <a:t>Elcogen Enters India and APAC with Green Hydrogen Technology - Saur Energy</a:t>
+              <a:t>Insolation Energy Subsidiary Signs MOU With Bondada Engineering For Solar Modules - scanx.trade</a:t>
             </a:r>
           </a:p>
         </p:txBody>
@@ -3457,7 +3457,7 @@
               <a:defRPr sz="1600"/>
             </a:pPr>
             <a:r>
-              <a:t>The initiative reflects a broader trend of international companies investing in India's energy sector.</a:t>
+              <a:t>The agreement is part of a broader trend towards sustainable energy solutions.</a:t>
             </a:r>
           </a:p>
           <a:p>
@@ -3465,7 +3465,7 @@
               <a:defRPr sz="1600"/>
             </a:pPr>
             <a:r>
-              <a:t>Elcogen's technology is expected to play a role in various industrial applications.</a:t>
+              <a:t>Both companies aim to leverage their strengths in the renewable energy market.</a:t>
             </a:r>
           </a:p>
         </p:txBody>
@@ -3507,7 +3507,7 @@
               <a:defRPr sz="2800" b="1"/>
             </a:pPr>
             <a:r>
-              <a:t>Elcogen Enters India and APAC with Green Hydrogen Technology - Saur Energy</a:t>
+              <a:t>Insolation Energy Subsidiary Signs MOU With Bondada Engineering For Solar Modules - scanx.trade</a:t>
             </a:r>
           </a:p>
         </p:txBody>
@@ -3536,7 +3536,7 @@
               <a:defRPr sz="1600"/>
             </a:pPr>
             <a:r>
-              <a:t>The expansion is anticipated to create new opportunities for collaboration in the region.</a:t>
+              <a:t>The MOU could lead to future projects and collaborations in solar technology.</a:t>
             </a:r>
           </a:p>
           <a:p>
@@ -3544,7 +3544,7 @@
               <a:defRPr sz="1600"/>
             </a:pPr>
             <a:r>
-              <a:t>Elcogen's move is significant in the context of global efforts to achieve net-zero emissions.</a:t>
+              <a:t>This partnership aligns with global efforts to increase solar energy adoption.</a:t>
             </a:r>
           </a:p>
         </p:txBody>

--- a/drafts/linkedin_carousel.pptx
+++ b/drafts/linkedin_carousel.pptx
@@ -3112,7 +3112,7 @@
               <a:defRPr sz="2800" b="1"/>
             </a:pPr>
             <a:r>
-              <a:t>Insolation Energy Subsidiary Signs MOU With Bondada Engineering For Solar Modules - scanx.trade</a:t>
+              <a:t>PFC Consulting Accelerates Clean Energy Push with New 4.5 GW Transmission Project in Andhra Pradesh - SolarQuarter</a:t>
             </a:r>
           </a:p>
         </p:txBody>
@@ -3133,7 +3133,7 @@
           <a:lstStyle/>
           <a:p>
             <a:r>
-              <a:t>⚠️ Image missing</a:t>
+              <a:t>⚠️ Image missing (not found in runner)</a:t>
             </a:r>
           </a:p>
           <a:p>
@@ -3141,7 +3141,7 @@
               <a:defRPr sz="1600"/>
             </a:pPr>
             <a:r>
-              <a:t>Insolation Energy has signed a Memorandum of Understanding (MOU) with Bondada Engineering.</a:t>
+              <a:t>PFC Consulting has initiated a new transmission project with a capacity of 4.5 GW.</a:t>
             </a:r>
           </a:p>
           <a:p>
@@ -3149,7 +3149,7 @@
               <a:defRPr sz="1600"/>
             </a:pPr>
             <a:r>
-              <a:t>The MOU focuses on the development of solar modules.</a:t>
+              <a:t>The project is located in Andhra Pradesh.</a:t>
             </a:r>
           </a:p>
         </p:txBody>
@@ -3191,7 +3191,7 @@
               <a:defRPr sz="2800" b="1"/>
             </a:pPr>
             <a:r>
-              <a:t>Insolation Energy Subsidiary Signs MOU With Bondada Engineering For Solar Modules - scanx.trade</a:t>
+              <a:t>PFC Consulting Accelerates Clean Energy Push with New 4.5 GW Transmission Project in Andhra Pradesh - SolarQuarter</a:t>
             </a:r>
           </a:p>
         </p:txBody>
@@ -3212,7 +3212,7 @@
           <a:lstStyle/>
           <a:p>
             <a:r>
-              <a:t>⚠️ Image missing</a:t>
+              <a:t>⚠️ Image missing (not found in runner)</a:t>
             </a:r>
           </a:p>
           <a:p>
@@ -3220,7 +3220,7 @@
               <a:defRPr sz="1600"/>
             </a:pPr>
             <a:r>
-              <a:t>The partnership aims to enhance solar energy solutions.</a:t>
+              <a:t>The new transmission project aims to enhance clean energy infrastructure.</a:t>
             </a:r>
           </a:p>
           <a:p>
@@ -3228,7 +3228,7 @@
               <a:defRPr sz="1600"/>
             </a:pPr>
             <a:r>
-              <a:t>Bondada Engineering is recognized for its expertise in engineering services.</a:t>
+              <a:t>It is part of PFC Consulting's broader strategy to support renewable energy initiatives.</a:t>
             </a:r>
           </a:p>
         </p:txBody>
@@ -3270,7 +3270,7 @@
               <a:defRPr sz="2800" b="1"/>
             </a:pPr>
             <a:r>
-              <a:t>Insolation Energy Subsidiary Signs MOU With Bondada Engineering For Solar Modules - scanx.trade</a:t>
+              <a:t>PFC Consulting Accelerates Clean Energy Push with New 4.5 GW Transmission Project in Andhra Pradesh - SolarQuarter</a:t>
             </a:r>
           </a:p>
         </p:txBody>
@@ -3291,7 +3291,7 @@
           <a:lstStyle/>
           <a:p>
             <a:r>
-              <a:t>⚠️ Image missing</a:t>
+              <a:t>⚠️ Image missing (not found in runner)</a:t>
             </a:r>
           </a:p>
           <a:p>
@@ -3299,7 +3299,7 @@
               <a:defRPr sz="1600"/>
             </a:pPr>
             <a:r>
-              <a:t>The collaboration is expected to contribute to renewable energy initiatives.</a:t>
+              <a:t>The project is expected to facilitate the integration of renewable energy sources.</a:t>
             </a:r>
           </a:p>
           <a:p>
@@ -3307,7 +3307,7 @@
               <a:defRPr sz="1600"/>
             </a:pPr>
             <a:r>
-              <a:t>Details regarding the specific solar module technology were not disclosed.</a:t>
+              <a:t>It aligns with India's goals for increasing clean energy capacity.</a:t>
             </a:r>
           </a:p>
         </p:txBody>
@@ -3349,7 +3349,7 @@
               <a:defRPr sz="2800" b="1"/>
             </a:pPr>
             <a:r>
-              <a:t>Insolation Energy Subsidiary Signs MOU With Bondada Engineering For Solar Modules - scanx.trade</a:t>
+              <a:t>PFC Consulting Accelerates Clean Energy Push with New 4.5 GW Transmission Project in Andhra Pradesh - SolarQuarter</a:t>
             </a:r>
           </a:p>
         </p:txBody>
@@ -3370,7 +3370,7 @@
           <a:lstStyle/>
           <a:p>
             <a:r>
-              <a:t>⚠️ Image missing</a:t>
+              <a:t>⚠️ Image missing (not found in runner)</a:t>
             </a:r>
           </a:p>
           <a:p>
@@ -3378,7 +3378,7 @@
               <a:defRPr sz="1600"/>
             </a:pPr>
             <a:r>
-              <a:t>The MOU signifies a strategic partnership in the solar energy sector.</a:t>
+              <a:t>The project contributes to the overall energy transition in the region.</a:t>
             </a:r>
           </a:p>
           <a:p>
@@ -3386,7 +3386,7 @@
               <a:defRPr sz="1600"/>
             </a:pPr>
             <a:r>
-              <a:t>Insolation Energy's subsidiary is focused on expanding its market presence.</a:t>
+              <a:t>It is a significant step towards achieving energy sustainability.</a:t>
             </a:r>
           </a:p>
         </p:txBody>
@@ -3428,7 +3428,7 @@
               <a:defRPr sz="2800" b="1"/>
             </a:pPr>
             <a:r>
-              <a:t>Insolation Energy Subsidiary Signs MOU With Bondada Engineering For Solar Modules - scanx.trade</a:t>
+              <a:t>PFC Consulting Accelerates Clean Energy Push with New 4.5 GW Transmission Project in Andhra Pradesh - SolarQuarter</a:t>
             </a:r>
           </a:p>
         </p:txBody>
@@ -3449,7 +3449,7 @@
           <a:lstStyle/>
           <a:p>
             <a:r>
-              <a:t>⚠️ Image missing</a:t>
+              <a:t>⚠️ Image missing (not found in runner)</a:t>
             </a:r>
           </a:p>
           <a:p>
@@ -3457,7 +3457,7 @@
               <a:defRPr sz="1600"/>
             </a:pPr>
             <a:r>
-              <a:t>The agreement is part of a broader trend towards sustainable energy solutions.</a:t>
+              <a:t>PFC Consulting is focused on developing infrastructure for renewable energy.</a:t>
             </a:r>
           </a:p>
           <a:p>
@@ -3465,7 +3465,7 @@
               <a:defRPr sz="1600"/>
             </a:pPr>
             <a:r>
-              <a:t>Both companies aim to leverage their strengths in the renewable energy market.</a:t>
+              <a:t>The 4.5 GW capacity will support various clean energy projects in Andhra Pradesh.</a:t>
             </a:r>
           </a:p>
         </p:txBody>
@@ -3507,7 +3507,7 @@
               <a:defRPr sz="2800" b="1"/>
             </a:pPr>
             <a:r>
-              <a:t>Insolation Energy Subsidiary Signs MOU With Bondada Engineering For Solar Modules - scanx.trade</a:t>
+              <a:t>PFC Consulting Accelerates Clean Energy Push with New 4.5 GW Transmission Project in Andhra Pradesh - SolarQuarter</a:t>
             </a:r>
           </a:p>
         </p:txBody>
@@ -3528,7 +3528,7 @@
           <a:lstStyle/>
           <a:p>
             <a:r>
-              <a:t>⚠️ Image missing</a:t>
+              <a:t>⚠️ Image missing (not found in runner)</a:t>
             </a:r>
           </a:p>
           <a:p>
@@ -3536,7 +3536,7 @@
               <a:defRPr sz="1600"/>
             </a:pPr>
             <a:r>
-              <a:t>The MOU could lead to future projects and collaborations in solar technology.</a:t>
+              <a:t>The project is part of a larger effort to enhance energy security in India.</a:t>
             </a:r>
           </a:p>
           <a:p>
@@ -3544,7 +3544,7 @@
               <a:defRPr sz="1600"/>
             </a:pPr>
             <a:r>
-              <a:t>This partnership aligns with global efforts to increase solar energy adoption.</a:t>
+              <a:t>It reflects the growing investment in clean energy technologies.</a:t>
             </a:r>
           </a:p>
         </p:txBody>

--- a/drafts/linkedin_carousel.pptx
+++ b/drafts/linkedin_carousel.pptx
@@ -3112,7 +3112,7 @@
               <a:defRPr sz="2800" b="1"/>
             </a:pPr>
             <a:r>
-              <a:t>PFC Consulting Accelerates Clean Energy Push with New 4.5 GW Transmission Project in Andhra Pradesh - SolarQuarter</a:t>
+              <a:t>Juniper Green Energy Commissions Additional 72 MWp Solar Component of Hybrid Project in Maharashtra - Energetica India Magazine</a:t>
             </a:r>
           </a:p>
         </p:txBody>
@@ -3141,7 +3141,7 @@
               <a:defRPr sz="1600"/>
             </a:pPr>
             <a:r>
-              <a:t>PFC Consulting has initiated a new transmission project with a capacity of 4.5 GW.</a:t>
+              <a:t>Juniper Green Energy has commissioned an additional 72 MWp solar component.</a:t>
             </a:r>
           </a:p>
           <a:p>
@@ -3149,7 +3149,7 @@
               <a:defRPr sz="1600"/>
             </a:pPr>
             <a:r>
-              <a:t>The project is located in Andhra Pradesh.</a:t>
+              <a:t>The project is part of a hybrid initiative located in Maharashtra.</a:t>
             </a:r>
           </a:p>
         </p:txBody>
@@ -3191,7 +3191,7 @@
               <a:defRPr sz="2800" b="1"/>
             </a:pPr>
             <a:r>
-              <a:t>PFC Consulting Accelerates Clean Energy Push with New 4.5 GW Transmission Project in Andhra Pradesh - SolarQuarter</a:t>
+              <a:t>Juniper Green Energy Commissions Additional 72 MWp Solar Component of Hybrid Project in Maharashtra - Energetica India Magazine</a:t>
             </a:r>
           </a:p>
         </p:txBody>
@@ -3220,7 +3220,7 @@
               <a:defRPr sz="1600"/>
             </a:pPr>
             <a:r>
-              <a:t>The new transmission project aims to enhance clean energy infrastructure.</a:t>
+              <a:t>The total capacity of the solar component is 72 MWp.</a:t>
             </a:r>
           </a:p>
           <a:p>
@@ -3228,7 +3228,7 @@
               <a:defRPr sz="1600"/>
             </a:pPr>
             <a:r>
-              <a:t>It is part of PFC Consulting's broader strategy to support renewable energy initiatives.</a:t>
+              <a:t>This addition enhances the renewable energy output in Maharashtra.</a:t>
             </a:r>
           </a:p>
         </p:txBody>
@@ -3270,7 +3270,7 @@
               <a:defRPr sz="2800" b="1"/>
             </a:pPr>
             <a:r>
-              <a:t>PFC Consulting Accelerates Clean Energy Push with New 4.5 GW Transmission Project in Andhra Pradesh - SolarQuarter</a:t>
+              <a:t>Juniper Green Energy Commissions Additional 72 MWp Solar Component of Hybrid Project in Maharashtra - Energetica India Magazine</a:t>
             </a:r>
           </a:p>
         </p:txBody>
@@ -3299,7 +3299,7 @@
               <a:defRPr sz="1600"/>
             </a:pPr>
             <a:r>
-              <a:t>The project is expected to facilitate the integration of renewable energy sources.</a:t>
+              <a:t>The hybrid project aims to integrate solar energy with other renewable sources.</a:t>
             </a:r>
           </a:p>
           <a:p>
@@ -3307,7 +3307,7 @@
               <a:defRPr sz="1600"/>
             </a:pPr>
             <a:r>
-              <a:t>It aligns with India's goals for increasing clean energy capacity.</a:t>
+              <a:t>Maharashtra is a key region for renewable energy development in India.</a:t>
             </a:r>
           </a:p>
         </p:txBody>
@@ -3349,7 +3349,7 @@
               <a:defRPr sz="2800" b="1"/>
             </a:pPr>
             <a:r>
-              <a:t>PFC Consulting Accelerates Clean Energy Push with New 4.5 GW Transmission Project in Andhra Pradesh - SolarQuarter</a:t>
+              <a:t>Juniper Green Energy Commissions Additional 72 MWp Solar Component of Hybrid Project in Maharashtra - Energetica India Magazine</a:t>
             </a:r>
           </a:p>
         </p:txBody>
@@ -3378,7 +3378,7 @@
               <a:defRPr sz="1600"/>
             </a:pPr>
             <a:r>
-              <a:t>The project contributes to the overall energy transition in the region.</a:t>
+              <a:t>The commissioning of the solar component contributes to India's renewable energy targets.</a:t>
             </a:r>
           </a:p>
           <a:p>
@@ -3386,7 +3386,7 @@
               <a:defRPr sz="1600"/>
             </a:pPr>
             <a:r>
-              <a:t>It is a significant step towards achieving energy sustainability.</a:t>
+              <a:t>Juniper Green Energy is focused on expanding its renewable energy portfolio.</a:t>
             </a:r>
           </a:p>
         </p:txBody>
@@ -3428,7 +3428,7 @@
               <a:defRPr sz="2800" b="1"/>
             </a:pPr>
             <a:r>
-              <a:t>PFC Consulting Accelerates Clean Energy Push with New 4.5 GW Transmission Project in Andhra Pradesh - SolarQuarter</a:t>
+              <a:t>Juniper Green Energy Commissions Additional 72 MWp Solar Component of Hybrid Project in Maharashtra - Energetica India Magazine</a:t>
             </a:r>
           </a:p>
         </p:txBody>
@@ -3457,7 +3457,7 @@
               <a:defRPr sz="1600"/>
             </a:pPr>
             <a:r>
-              <a:t>PFC Consulting is focused on developing infrastructure for renewable energy.</a:t>
+              <a:t>The project reflects ongoing investments in sustainable energy solutions.</a:t>
             </a:r>
           </a:p>
           <a:p>
@@ -3465,7 +3465,7 @@
               <a:defRPr sz="1600"/>
             </a:pPr>
             <a:r>
-              <a:t>The 4.5 GW capacity will support various clean energy projects in Andhra Pradesh.</a:t>
+              <a:t>This initiative supports local energy needs and reduces carbon footprint.</a:t>
             </a:r>
           </a:p>
         </p:txBody>
@@ -3507,7 +3507,7 @@
               <a:defRPr sz="2800" b="1"/>
             </a:pPr>
             <a:r>
-              <a:t>PFC Consulting Accelerates Clean Energy Push with New 4.5 GW Transmission Project in Andhra Pradesh - SolarQuarter</a:t>
+              <a:t>Juniper Green Energy Commissions Additional 72 MWp Solar Component of Hybrid Project in Maharashtra - Energetica India Magazine</a:t>
             </a:r>
           </a:p>
         </p:txBody>
@@ -3536,7 +3536,7 @@
               <a:defRPr sz="1600"/>
             </a:pPr>
             <a:r>
-              <a:t>The project is part of a larger effort to enhance energy security in India.</a:t>
+              <a:t>The hybrid project is part of a broader strategy to enhance energy security.</a:t>
             </a:r>
           </a:p>
           <a:p>
@@ -3544,7 +3544,7 @@
               <a:defRPr sz="1600"/>
             </a:pPr>
             <a:r>
-              <a:t>It reflects the growing investment in clean energy technologies.</a:t>
+              <a:t>Juniper Green Energy's efforts align with national policies on renewable energy.</a:t>
             </a:r>
           </a:p>
         </p:txBody>

--- a/drafts/linkedin_carousel.pptx
+++ b/drafts/linkedin_carousel.pptx
@@ -3112,7 +3112,7 @@
               <a:defRPr sz="2800" b="1"/>
             </a:pPr>
             <a:r>
-              <a:t>Juniper Green Energy Commissions Additional 72 MWp Solar Component of Hybrid Project in Maharashtra - Energetica India Magazine</a:t>
+              <a:t>NTPC Green Energy Commissions 300 MW Phase Of 500 MW Bhadla Solar Project In Rajasthan - SolarQuarter</a:t>
             </a:r>
           </a:p>
         </p:txBody>
@@ -3141,7 +3141,7 @@
               <a:defRPr sz="1600"/>
             </a:pPr>
             <a:r>
-              <a:t>Juniper Green Energy has commissioned an additional 72 MWp solar component.</a:t>
+              <a:t>NTPC Green Energy has commissioned the 300 MW phase of the Bhadla Solar Project.</a:t>
             </a:r>
           </a:p>
           <a:p>
@@ -3149,7 +3149,7 @@
               <a:defRPr sz="1600"/>
             </a:pPr>
             <a:r>
-              <a:t>The project is part of a hybrid initiative located in Maharashtra.</a:t>
+              <a:t>The total capacity of the Bhadla Solar Project is 500 MW.</a:t>
             </a:r>
           </a:p>
         </p:txBody>
@@ -3191,7 +3191,7 @@
               <a:defRPr sz="2800" b="1"/>
             </a:pPr>
             <a:r>
-              <a:t>Juniper Green Energy Commissions Additional 72 MWp Solar Component of Hybrid Project in Maharashtra - Energetica India Magazine</a:t>
+              <a:t>NTPC Green Energy Commissions 300 MW Phase Of 500 MW Bhadla Solar Project In Rajasthan - SolarQuarter</a:t>
             </a:r>
           </a:p>
         </p:txBody>
@@ -3220,7 +3220,7 @@
               <a:defRPr sz="1600"/>
             </a:pPr>
             <a:r>
-              <a:t>The total capacity of the solar component is 72 MWp.</a:t>
+              <a:t>The Bhadla Solar Project is located in Rajasthan, India.</a:t>
             </a:r>
           </a:p>
           <a:p>
@@ -3228,7 +3228,7 @@
               <a:defRPr sz="1600"/>
             </a:pPr>
             <a:r>
-              <a:t>This addition enhances the renewable energy output in Maharashtra.</a:t>
+              <a:t>This commissioning is part of NTPC's efforts to expand its renewable energy portfolio.</a:t>
             </a:r>
           </a:p>
         </p:txBody>
@@ -3270,7 +3270,7 @@
               <a:defRPr sz="2800" b="1"/>
             </a:pPr>
             <a:r>
-              <a:t>Juniper Green Energy Commissions Additional 72 MWp Solar Component of Hybrid Project in Maharashtra - Energetica India Magazine</a:t>
+              <a:t>NTPC Green Energy Commissions 300 MW Phase Of 500 MW Bhadla Solar Project In Rajasthan - SolarQuarter</a:t>
             </a:r>
           </a:p>
         </p:txBody>
@@ -3299,7 +3299,7 @@
               <a:defRPr sz="1600"/>
             </a:pPr>
             <a:r>
-              <a:t>The hybrid project aims to integrate solar energy with other renewable sources.</a:t>
+              <a:t>The 300 MW phase is a significant step towards achieving NTPC's renewable energy targets.</a:t>
             </a:r>
           </a:p>
           <a:p>
@@ -3307,7 +3307,7 @@
               <a:defRPr sz="1600"/>
             </a:pPr>
             <a:r>
-              <a:t>Maharashtra is a key region for renewable energy development in India.</a:t>
+              <a:t>NTPC aims to increase its renewable energy capacity in the coming years.</a:t>
             </a:r>
           </a:p>
         </p:txBody>
@@ -3349,7 +3349,7 @@
               <a:defRPr sz="2800" b="1"/>
             </a:pPr>
             <a:r>
-              <a:t>Juniper Green Energy Commissions Additional 72 MWp Solar Component of Hybrid Project in Maharashtra - Energetica India Magazine</a:t>
+              <a:t>NTPC Green Energy Commissions 300 MW Phase Of 500 MW Bhadla Solar Project In Rajasthan - SolarQuarter</a:t>
             </a:r>
           </a:p>
         </p:txBody>
@@ -3378,7 +3378,7 @@
               <a:defRPr sz="1600"/>
             </a:pPr>
             <a:r>
-              <a:t>The commissioning of the solar component contributes to India's renewable energy targets.</a:t>
+              <a:t>The commissioning of this phase contributes to India's solar energy generation capacity.</a:t>
             </a:r>
           </a:p>
           <a:p>
@@ -3386,7 +3386,7 @@
               <a:defRPr sz="1600"/>
             </a:pPr>
             <a:r>
-              <a:t>Juniper Green Energy is focused on expanding its renewable energy portfolio.</a:t>
+              <a:t>Bhadla Solar Park is one of the largest solar parks in the world.</a:t>
             </a:r>
           </a:p>
         </p:txBody>
@@ -3428,7 +3428,7 @@
               <a:defRPr sz="2800" b="1"/>
             </a:pPr>
             <a:r>
-              <a:t>Juniper Green Energy Commissions Additional 72 MWp Solar Component of Hybrid Project in Maharashtra - Energetica India Magazine</a:t>
+              <a:t>NTPC Green Energy Commissions 300 MW Phase Of 500 MW Bhadla Solar Project In Rajasthan - SolarQuarter</a:t>
             </a:r>
           </a:p>
         </p:txBody>
@@ -3457,7 +3457,7 @@
               <a:defRPr sz="1600"/>
             </a:pPr>
             <a:r>
-              <a:t>The project reflects ongoing investments in sustainable energy solutions.</a:t>
+              <a:t>This project aligns with India's commitment to increase renewable energy usage.</a:t>
             </a:r>
           </a:p>
           <a:p>
@@ -3465,7 +3465,7 @@
               <a:defRPr sz="1600"/>
             </a:pPr>
             <a:r>
-              <a:t>This initiative supports local energy needs and reduces carbon footprint.</a:t>
+              <a:t>NTPC is a key player in India's transition to sustainable energy sources.</a:t>
             </a:r>
           </a:p>
         </p:txBody>
@@ -3507,7 +3507,7 @@
               <a:defRPr sz="2800" b="1"/>
             </a:pPr>
             <a:r>
-              <a:t>Juniper Green Energy Commissions Additional 72 MWp Solar Component of Hybrid Project in Maharashtra - Energetica India Magazine</a:t>
+              <a:t>NTPC Green Energy Commissions 300 MW Phase Of 500 MW Bhadla Solar Project In Rajasthan - SolarQuarter</a:t>
             </a:r>
           </a:p>
         </p:txBody>
@@ -3536,7 +3536,7 @@
               <a:defRPr sz="1600"/>
             </a:pPr>
             <a:r>
-              <a:t>The hybrid project is part of a broader strategy to enhance energy security.</a:t>
+              <a:t>The project is part of NTPC's broader strategy to enhance energy security.</a:t>
             </a:r>
           </a:p>
           <a:p>
@@ -3544,7 +3544,7 @@
               <a:defRPr sz="1600"/>
             </a:pPr>
             <a:r>
-              <a:t>Juniper Green Energy's efforts align with national policies on renewable energy.</a:t>
+              <a:t>The completion of this phase marks a milestone in NTPC's solar initiatives.</a:t>
             </a:r>
           </a:p>
         </p:txBody>

--- a/drafts/linkedin_carousel.pptx
+++ b/drafts/linkedin_carousel.pptx
@@ -3112,7 +3112,7 @@
               <a:defRPr sz="2800" b="1"/>
             </a:pPr>
             <a:r>
-              <a:t>NTPC Green Energy Commissions 300 MW Phase Of 500 MW Bhadla Solar Project In Rajasthan - SolarQuarter</a:t>
+              <a:t>NTPC Green Energy And GAIL Join Hands To Launch 50:50 Joint Venture For Renewable Energy Projects - SolarQuarter</a:t>
             </a:r>
           </a:p>
         </p:txBody>
@@ -3141,7 +3141,7 @@
               <a:defRPr sz="1600"/>
             </a:pPr>
             <a:r>
-              <a:t>NTPC Green Energy has commissioned the 300 MW phase of the Bhadla Solar Project.</a:t>
+              <a:t>NTPC Green Energy and GAIL have formed a 50:50 joint venture.</a:t>
             </a:r>
           </a:p>
           <a:p>
@@ -3149,7 +3149,7 @@
               <a:defRPr sz="1600"/>
             </a:pPr>
             <a:r>
-              <a:t>The total capacity of the Bhadla Solar Project is 500 MW.</a:t>
+              <a:t>The joint venture focuses on renewable energy projects.</a:t>
             </a:r>
           </a:p>
         </p:txBody>
@@ -3191,7 +3191,7 @@
               <a:defRPr sz="2800" b="1"/>
             </a:pPr>
             <a:r>
-              <a:t>NTPC Green Energy Commissions 300 MW Phase Of 500 MW Bhadla Solar Project In Rajasthan - SolarQuarter</a:t>
+              <a:t>NTPC Green Energy And GAIL Join Hands To Launch 50:50 Joint Venture For Renewable Energy Projects - SolarQuarter</a:t>
             </a:r>
           </a:p>
         </p:txBody>
@@ -3220,7 +3220,7 @@
               <a:defRPr sz="1600"/>
             </a:pPr>
             <a:r>
-              <a:t>The Bhadla Solar Project is located in Rajasthan, India.</a:t>
+              <a:t>The collaboration aims to enhance the renewable energy capacity in India.</a:t>
             </a:r>
           </a:p>
           <a:p>
@@ -3228,7 +3228,7 @@
               <a:defRPr sz="1600"/>
             </a:pPr>
             <a:r>
-              <a:t>This commissioning is part of NTPC's efforts to expand its renewable energy portfolio.</a:t>
+              <a:t>Both companies are leaders in their respective sectors.</a:t>
             </a:r>
           </a:p>
         </p:txBody>
@@ -3270,7 +3270,7 @@
               <a:defRPr sz="2800" b="1"/>
             </a:pPr>
             <a:r>
-              <a:t>NTPC Green Energy Commissions 300 MW Phase Of 500 MW Bhadla Solar Project In Rajasthan - SolarQuarter</a:t>
+              <a:t>NTPC Green Energy And GAIL Join Hands To Launch 50:50 Joint Venture For Renewable Energy Projects - SolarQuarter</a:t>
             </a:r>
           </a:p>
         </p:txBody>
@@ -3299,7 +3299,7 @@
               <a:defRPr sz="1600"/>
             </a:pPr>
             <a:r>
-              <a:t>The 300 MW phase is a significant step towards achieving NTPC's renewable energy targets.</a:t>
+              <a:t>The joint venture will leverage NTPC's expertise in power generation.</a:t>
             </a:r>
           </a:p>
           <a:p>
@@ -3307,7 +3307,7 @@
               <a:defRPr sz="1600"/>
             </a:pPr>
             <a:r>
-              <a:t>NTPC aims to increase its renewable energy capacity in the coming years.</a:t>
+              <a:t>GAIL will contribute its experience in energy infrastructure.</a:t>
             </a:r>
           </a:p>
         </p:txBody>
@@ -3349,7 +3349,7 @@
               <a:defRPr sz="2800" b="1"/>
             </a:pPr>
             <a:r>
-              <a:t>NTPC Green Energy Commissions 300 MW Phase Of 500 MW Bhadla Solar Project In Rajasthan - SolarQuarter</a:t>
+              <a:t>NTPC Green Energy And GAIL Join Hands To Launch 50:50 Joint Venture For Renewable Energy Projects - SolarQuarter</a:t>
             </a:r>
           </a:p>
         </p:txBody>
@@ -3378,7 +3378,7 @@
               <a:defRPr sz="1600"/>
             </a:pPr>
             <a:r>
-              <a:t>The commissioning of this phase contributes to India's solar energy generation capacity.</a:t>
+              <a:t>The initiative aligns with India's commitment to increasing renewable energy sources.</a:t>
             </a:r>
           </a:p>
           <a:p>
@@ -3386,7 +3386,7 @@
               <a:defRPr sz="1600"/>
             </a:pPr>
             <a:r>
-              <a:t>Bhadla Solar Park is one of the largest solar parks in the world.</a:t>
+              <a:t>The joint venture is expected to support government policies on clean energy.</a:t>
             </a:r>
           </a:p>
         </p:txBody>
@@ -3428,7 +3428,7 @@
               <a:defRPr sz="2800" b="1"/>
             </a:pPr>
             <a:r>
-              <a:t>NTPC Green Energy Commissions 300 MW Phase Of 500 MW Bhadla Solar Project In Rajasthan - SolarQuarter</a:t>
+              <a:t>NTPC Green Energy And GAIL Join Hands To Launch 50:50 Joint Venture For Renewable Energy Projects - SolarQuarter</a:t>
             </a:r>
           </a:p>
         </p:txBody>
@@ -3457,7 +3457,7 @@
               <a:defRPr sz="1600"/>
             </a:pPr>
             <a:r>
-              <a:t>This project aligns with India's commitment to increase renewable energy usage.</a:t>
+              <a:t>The partnership is part of a broader strategy to reduce carbon emissions.</a:t>
             </a:r>
           </a:p>
           <a:p>
@@ -3465,7 +3465,7 @@
               <a:defRPr sz="1600"/>
             </a:pPr>
             <a:r>
-              <a:t>NTPC is a key player in India's transition to sustainable energy sources.</a:t>
+              <a:t>It aims to contribute to sustainable development goals.</a:t>
             </a:r>
           </a:p>
         </p:txBody>
@@ -3507,7 +3507,7 @@
               <a:defRPr sz="2800" b="1"/>
             </a:pPr>
             <a:r>
-              <a:t>NTPC Green Energy Commissions 300 MW Phase Of 500 MW Bhadla Solar Project In Rajasthan - SolarQuarter</a:t>
+              <a:t>NTPC Green Energy And GAIL Join Hands To Launch 50:50 Joint Venture For Renewable Energy Projects - SolarQuarter</a:t>
             </a:r>
           </a:p>
         </p:txBody>
@@ -3536,7 +3536,7 @@
               <a:defRPr sz="1600"/>
             </a:pPr>
             <a:r>
-              <a:t>The project is part of NTPC's broader strategy to enhance energy security.</a:t>
+              <a:t>The joint venture will explore various renewable energy technologies.</a:t>
             </a:r>
           </a:p>
           <a:p>
@@ -3544,7 +3544,7 @@
               <a:defRPr sz="1600"/>
             </a:pPr>
             <a:r>
-              <a:t>The completion of this phase marks a milestone in NTPC's solar initiatives.</a:t>
+              <a:t>It signifies a strategic alliance in the energy sector.</a:t>
             </a:r>
           </a:p>
         </p:txBody>

--- a/drafts/linkedin_carousel.pptx
+++ b/drafts/linkedin_carousel.pptx
@@ -3112,7 +3112,7 @@
               <a:defRPr sz="2800" b="1"/>
             </a:pPr>
             <a:r>
-              <a:t>NTPC Green Energy And GAIL Join Hands To Launch 50:50 Joint Venture For Renewable Energy Projects - SolarQuarter</a:t>
+              <a:t>Kakinada: Andhra set to launch India’s first large-scale green ammonia project on Jan 17 - NewsMeter</a:t>
             </a:r>
           </a:p>
         </p:txBody>
@@ -3141,7 +3141,7 @@
               <a:defRPr sz="1600"/>
             </a:pPr>
             <a:r>
-              <a:t>NTPC Green Energy and GAIL have formed a 50:50 joint venture.</a:t>
+              <a:t>Andhra Pradesh is set to launch India's first large-scale green ammonia project.</a:t>
             </a:r>
           </a:p>
           <a:p>
@@ -3149,7 +3149,7 @@
               <a:defRPr sz="1600"/>
             </a:pPr>
             <a:r>
-              <a:t>The joint venture focuses on renewable energy projects.</a:t>
+              <a:t>The project is scheduled to be inaugurated on January 17.</a:t>
             </a:r>
           </a:p>
         </p:txBody>
@@ -3191,7 +3191,7 @@
               <a:defRPr sz="2800" b="1"/>
             </a:pPr>
             <a:r>
-              <a:t>NTPC Green Energy And GAIL Join Hands To Launch 50:50 Joint Venture For Renewable Energy Projects - SolarQuarter</a:t>
+              <a:t>Kakinada: Andhra set to launch India’s first large-scale green ammonia project on Jan 17 - NewsMeter</a:t>
             </a:r>
           </a:p>
         </p:txBody>
@@ -3220,7 +3220,7 @@
               <a:defRPr sz="1600"/>
             </a:pPr>
             <a:r>
-              <a:t>The collaboration aims to enhance the renewable energy capacity in India.</a:t>
+              <a:t>The project will be located in Kakinada, Andhra Pradesh.</a:t>
             </a:r>
           </a:p>
           <a:p>
@@ -3228,7 +3228,7 @@
               <a:defRPr sz="1600"/>
             </a:pPr>
             <a:r>
-              <a:t>Both companies are leaders in their respective sectors.</a:t>
+              <a:t>It aims to contribute to sustainable energy solutions in India.</a:t>
             </a:r>
           </a:p>
         </p:txBody>
@@ -3270,7 +3270,7 @@
               <a:defRPr sz="2800" b="1"/>
             </a:pPr>
             <a:r>
-              <a:t>NTPC Green Energy And GAIL Join Hands To Launch 50:50 Joint Venture For Renewable Energy Projects - SolarQuarter</a:t>
+              <a:t>Kakinada: Andhra set to launch India’s first large-scale green ammonia project on Jan 17 - NewsMeter</a:t>
             </a:r>
           </a:p>
         </p:txBody>
@@ -3299,7 +3299,7 @@
               <a:defRPr sz="1600"/>
             </a:pPr>
             <a:r>
-              <a:t>The joint venture will leverage NTPC's expertise in power generation.</a:t>
+              <a:t>This initiative marks a significant step in India's green energy transition.</a:t>
             </a:r>
           </a:p>
           <a:p>
@@ -3307,7 +3307,7 @@
               <a:defRPr sz="1600"/>
             </a:pPr>
             <a:r>
-              <a:t>GAIL will contribute its experience in energy infrastructure.</a:t>
+              <a:t>The project is expected to enhance the production of green ammonia in the region.</a:t>
             </a:r>
           </a:p>
         </p:txBody>
@@ -3349,7 +3349,7 @@
               <a:defRPr sz="2800" b="1"/>
             </a:pPr>
             <a:r>
-              <a:t>NTPC Green Energy And GAIL Join Hands To Launch 50:50 Joint Venture For Renewable Energy Projects - SolarQuarter</a:t>
+              <a:t>Kakinada: Andhra set to launch India’s first large-scale green ammonia project on Jan 17 - NewsMeter</a:t>
             </a:r>
           </a:p>
         </p:txBody>
@@ -3378,7 +3378,7 @@
               <a:defRPr sz="1600"/>
             </a:pPr>
             <a:r>
-              <a:t>The initiative aligns with India's commitment to increasing renewable energy sources.</a:t>
+              <a:t>The green ammonia project is part of a broader strategy to reduce carbon emissions.</a:t>
             </a:r>
           </a:p>
           <a:p>
@@ -3386,7 +3386,7 @@
               <a:defRPr sz="1600"/>
             </a:pPr>
             <a:r>
-              <a:t>The joint venture is expected to support government policies on clean energy.</a:t>
+              <a:t>It aligns with global trends towards sustainable energy sources.</a:t>
             </a:r>
           </a:p>
         </p:txBody>
@@ -3428,7 +3428,7 @@
               <a:defRPr sz="2800" b="1"/>
             </a:pPr>
             <a:r>
-              <a:t>NTPC Green Energy And GAIL Join Hands To Launch 50:50 Joint Venture For Renewable Energy Projects - SolarQuarter</a:t>
+              <a:t>Kakinada: Andhra set to launch India’s first large-scale green ammonia project on Jan 17 - NewsMeter</a:t>
             </a:r>
           </a:p>
         </p:txBody>
@@ -3457,7 +3457,7 @@
               <a:defRPr sz="1600"/>
             </a:pPr>
             <a:r>
-              <a:t>The partnership is part of a broader strategy to reduce carbon emissions.</a:t>
+              <a:t>The project is anticipated to create job opportunities in the local area.</a:t>
             </a:r>
           </a:p>
           <a:p>
@@ -3465,7 +3465,7 @@
               <a:defRPr sz="1600"/>
             </a:pPr>
             <a:r>
-              <a:t>It aims to contribute to sustainable development goals.</a:t>
+              <a:t>It will also support the development of related industries.</a:t>
             </a:r>
           </a:p>
         </p:txBody>
@@ -3507,7 +3507,7 @@
               <a:defRPr sz="2800" b="1"/>
             </a:pPr>
             <a:r>
-              <a:t>NTPC Green Energy And GAIL Join Hands To Launch 50:50 Joint Venture For Renewable Energy Projects - SolarQuarter</a:t>
+              <a:t>Kakinada: Andhra set to launch India’s first large-scale green ammonia project on Jan 17 - NewsMeter</a:t>
             </a:r>
           </a:p>
         </p:txBody>
@@ -3536,7 +3536,7 @@
               <a:defRPr sz="1600"/>
             </a:pPr>
             <a:r>
-              <a:t>The joint venture will explore various renewable energy technologies.</a:t>
+              <a:t>The launch of this project is expected to attract investments in green technology.</a:t>
             </a:r>
           </a:p>
           <a:p>
@@ -3544,7 +3544,7 @@
               <a:defRPr sz="1600"/>
             </a:pPr>
             <a:r>
-              <a:t>It signifies a strategic alliance in the energy sector.</a:t>
+              <a:t>It represents a collaboration between government and private sectors.</a:t>
             </a:r>
           </a:p>
         </p:txBody>

--- a/drafts/linkedin_carousel.pptx
+++ b/drafts/linkedin_carousel.pptx
@@ -3112,7 +3112,7 @@
               <a:defRPr sz="2800" b="1"/>
             </a:pPr>
             <a:r>
-              <a:t>Kakinada: Andhra set to launch India’s first large-scale green ammonia project on Jan 17 - NewsMeter</a:t>
+              <a:t>NTPC Green powers up 300-MW solar park in Rajasthan - Renewables Now</a:t>
             </a:r>
           </a:p>
         </p:txBody>
@@ -3141,7 +3141,7 @@
               <a:defRPr sz="1600"/>
             </a:pPr>
             <a:r>
-              <a:t>Andhra Pradesh is set to launch India's first large-scale green ammonia project.</a:t>
+              <a:t>NTPC Green has launched a 300-MW solar park.</a:t>
             </a:r>
           </a:p>
           <a:p>
@@ -3149,7 +3149,7 @@
               <a:defRPr sz="1600"/>
             </a:pPr>
             <a:r>
-              <a:t>The project is scheduled to be inaugurated on January 17.</a:t>
+              <a:t>The solar park is located in Rajasthan.</a:t>
             </a:r>
           </a:p>
         </p:txBody>
@@ -3191,7 +3191,7 @@
               <a:defRPr sz="2800" b="1"/>
             </a:pPr>
             <a:r>
-              <a:t>Kakinada: Andhra set to launch India’s first large-scale green ammonia project on Jan 17 - NewsMeter</a:t>
+              <a:t>NTPC Green powers up 300-MW solar park in Rajasthan - Renewables Now</a:t>
             </a:r>
           </a:p>
         </p:txBody>
@@ -3220,7 +3220,7 @@
               <a:defRPr sz="1600"/>
             </a:pPr>
             <a:r>
-              <a:t>The project will be located in Kakinada, Andhra Pradesh.</a:t>
+              <a:t>The solar park contributes to renewable energy generation.</a:t>
             </a:r>
           </a:p>
           <a:p>
@@ -3228,7 +3228,7 @@
               <a:defRPr sz="1600"/>
             </a:pPr>
             <a:r>
-              <a:t>It aims to contribute to sustainable energy solutions in India.</a:t>
+              <a:t>NTPC Green is a subsidiary of NTPC Limited.</a:t>
             </a:r>
           </a:p>
         </p:txBody>
@@ -3270,7 +3270,7 @@
               <a:defRPr sz="2800" b="1"/>
             </a:pPr>
             <a:r>
-              <a:t>Kakinada: Andhra set to launch India’s first large-scale green ammonia project on Jan 17 - NewsMeter</a:t>
+              <a:t>NTPC Green powers up 300-MW solar park in Rajasthan - Renewables Now</a:t>
             </a:r>
           </a:p>
         </p:txBody>
@@ -3299,7 +3299,7 @@
               <a:defRPr sz="1600"/>
             </a:pPr>
             <a:r>
-              <a:t>This initiative marks a significant step in India's green energy transition.</a:t>
+              <a:t>The project is part of India's commitment to increase solar power capacity.</a:t>
             </a:r>
           </a:p>
           <a:p>
@@ -3307,7 +3307,7 @@
               <a:defRPr sz="1600"/>
             </a:pPr>
             <a:r>
-              <a:t>The project is expected to enhance the production of green ammonia in the region.</a:t>
+              <a:t>Rajasthan is known for its high solar insolation.</a:t>
             </a:r>
           </a:p>
         </p:txBody>
@@ -3349,7 +3349,7 @@
               <a:defRPr sz="2800" b="1"/>
             </a:pPr>
             <a:r>
-              <a:t>Kakinada: Andhra set to launch India’s first large-scale green ammonia project on Jan 17 - NewsMeter</a:t>
+              <a:t>NTPC Green powers up 300-MW solar park in Rajasthan - Renewables Now</a:t>
             </a:r>
           </a:p>
         </p:txBody>
@@ -3378,7 +3378,7 @@
               <a:defRPr sz="1600"/>
             </a:pPr>
             <a:r>
-              <a:t>The green ammonia project is part of a broader strategy to reduce carbon emissions.</a:t>
+              <a:t>The solar park is expected to enhance energy security.</a:t>
             </a:r>
           </a:p>
           <a:p>
@@ -3386,7 +3386,7 @@
               <a:defRPr sz="1600"/>
             </a:pPr>
             <a:r>
-              <a:t>It aligns with global trends towards sustainable energy sources.</a:t>
+              <a:t>It aligns with the government's renewable energy targets.</a:t>
             </a:r>
           </a:p>
         </p:txBody>
@@ -3428,7 +3428,7 @@
               <a:defRPr sz="2800" b="1"/>
             </a:pPr>
             <a:r>
-              <a:t>Kakinada: Andhra set to launch India’s first large-scale green ammonia project on Jan 17 - NewsMeter</a:t>
+              <a:t>NTPC Green powers up 300-MW solar park in Rajasthan - Renewables Now</a:t>
             </a:r>
           </a:p>
         </p:txBody>
@@ -3457,7 +3457,7 @@
               <a:defRPr sz="1600"/>
             </a:pPr>
             <a:r>
-              <a:t>The project is anticipated to create job opportunities in the local area.</a:t>
+              <a:t>The project supports local job creation during construction.</a:t>
             </a:r>
           </a:p>
           <a:p>
@@ -3465,7 +3465,7 @@
               <a:defRPr sz="1600"/>
             </a:pPr>
             <a:r>
-              <a:t>It will also support the development of related industries.</a:t>
+              <a:t>It is part of a larger initiative to develop renewable energy infrastructure.</a:t>
             </a:r>
           </a:p>
         </p:txBody>
@@ -3507,7 +3507,7 @@
               <a:defRPr sz="2800" b="1"/>
             </a:pPr>
             <a:r>
-              <a:t>Kakinada: Andhra set to launch India’s first large-scale green ammonia project on Jan 17 - NewsMeter</a:t>
+              <a:t>NTPC Green powers up 300-MW solar park in Rajasthan - Renewables Now</a:t>
             </a:r>
           </a:p>
         </p:txBody>
@@ -3536,7 +3536,7 @@
               <a:defRPr sz="1600"/>
             </a:pPr>
             <a:r>
-              <a:t>The launch of this project is expected to attract investments in green technology.</a:t>
+              <a:t>The solar park will help reduce carbon emissions.</a:t>
             </a:r>
           </a:p>
           <a:p>
@@ -3544,7 +3544,7 @@
               <a:defRPr sz="1600"/>
             </a:pPr>
             <a:r>
-              <a:t>It represents a collaboration between government and private sectors.</a:t>
+              <a:t>It is a significant step towards sustainable energy solutions.</a:t>
             </a:r>
           </a:p>
         </p:txBody>

--- a/drafts/linkedin_carousel.pptx
+++ b/drafts/linkedin_carousel.pptx
@@ -3112,7 +3112,7 @@
               <a:defRPr sz="2800" b="1"/>
             </a:pPr>
             <a:r>
-              <a:t>NTPC Green powers up 300-MW solar park in Rajasthan - Renewables Now</a:t>
+              <a:t>Juniper Green Energy adds momentum to its clean energy portfolio in Maharashtra - Manufacturing Today India</a:t>
             </a:r>
           </a:p>
         </p:txBody>
@@ -3131,17 +3131,13 @@
         <p:txBody>
           <a:bodyPr/>
           <a:lstStyle/>
-          <a:p>
-            <a:r>
-              <a:t>⚠️ Image missing (not found in runner)</a:t>
-            </a:r>
-          </a:p>
+          <a:p/>
           <a:p>
             <a:pPr lvl="1">
               <a:defRPr sz="1600"/>
             </a:pPr>
             <a:r>
-              <a:t>NTPC Green has launched a 300-MW solar park.</a:t>
+              <a:t>Juniper Green Energy is expanding its clean energy portfolio in Maharashtra.</a:t>
             </a:r>
           </a:p>
           <a:p>
@@ -3149,11 +3145,35 @@
               <a:defRPr sz="1600"/>
             </a:pPr>
             <a:r>
-              <a:t>The solar park is located in Rajasthan.</a:t>
-            </a:r>
-          </a:p>
-        </p:txBody>
-      </p:sp>
+              <a:t>The company is focused on increasing its renewable energy capacity in the region.</a:t>
+            </a:r>
+          </a:p>
+        </p:txBody>
+      </p:sp>
+      <p:pic>
+        <p:nvPicPr>
+          <p:cNvPr id="4" name="Picture 3" descr="slide_1.png"/>
+          <p:cNvPicPr>
+            <a:picLocks noChangeAspect="1"/>
+          </p:cNvPicPr>
+          <p:nvPr/>
+        </p:nvPicPr>
+        <p:blipFill>
+          <a:blip r:embed="rId2"/>
+          <a:stretch>
+            <a:fillRect/>
+          </a:stretch>
+        </p:blipFill>
+        <p:spPr>
+          <a:xfrm>
+            <a:off x="457200" y="1600200"/>
+            <a:ext cx="8229600" cy="4525963"/>
+          </a:xfrm>
+          <a:prstGeom prst="rect">
+            <a:avLst/>
+          </a:prstGeom>
+        </p:spPr>
+      </p:pic>
     </p:spTree>
   </p:cSld>
   <p:clrMapOvr>
@@ -3191,7 +3211,7 @@
               <a:defRPr sz="2800" b="1"/>
             </a:pPr>
             <a:r>
-              <a:t>NTPC Green powers up 300-MW solar park in Rajasthan - Renewables Now</a:t>
+              <a:t>Juniper Green Energy adds momentum to its clean energy portfolio in Maharashtra - Manufacturing Today India</a:t>
             </a:r>
           </a:p>
         </p:txBody>
@@ -3210,17 +3230,13 @@
         <p:txBody>
           <a:bodyPr/>
           <a:lstStyle/>
-          <a:p>
-            <a:r>
-              <a:t>⚠️ Image missing (not found in runner)</a:t>
-            </a:r>
-          </a:p>
+          <a:p/>
           <a:p>
             <a:pPr lvl="1">
               <a:defRPr sz="1600"/>
             </a:pPr>
             <a:r>
-              <a:t>The solar park contributes to renewable energy generation.</a:t>
+              <a:t>The expansion aligns with Maharashtra's goals for sustainable energy development.</a:t>
             </a:r>
           </a:p>
           <a:p>
@@ -3228,11 +3244,35 @@
               <a:defRPr sz="1600"/>
             </a:pPr>
             <a:r>
-              <a:t>NTPC Green is a subsidiary of NTPC Limited.</a:t>
-            </a:r>
-          </a:p>
-        </p:txBody>
-      </p:sp>
+              <a:t>Juniper Green Energy aims to contribute to the state's clean energy targets.</a:t>
+            </a:r>
+          </a:p>
+        </p:txBody>
+      </p:sp>
+      <p:pic>
+        <p:nvPicPr>
+          <p:cNvPr id="4" name="Picture 3" descr="slide_1.png"/>
+          <p:cNvPicPr>
+            <a:picLocks noChangeAspect="1"/>
+          </p:cNvPicPr>
+          <p:nvPr/>
+        </p:nvPicPr>
+        <p:blipFill>
+          <a:blip r:embed="rId2"/>
+          <a:stretch>
+            <a:fillRect/>
+          </a:stretch>
+        </p:blipFill>
+        <p:spPr>
+          <a:xfrm>
+            <a:off x="457200" y="1600200"/>
+            <a:ext cx="8229600" cy="4525963"/>
+          </a:xfrm>
+          <a:prstGeom prst="rect">
+            <a:avLst/>
+          </a:prstGeom>
+        </p:spPr>
+      </p:pic>
     </p:spTree>
   </p:cSld>
   <p:clrMapOvr>
@@ -3270,7 +3310,7 @@
               <a:defRPr sz="2800" b="1"/>
             </a:pPr>
             <a:r>
-              <a:t>NTPC Green powers up 300-MW solar park in Rajasthan - Renewables Now</a:t>
+              <a:t>Juniper Green Energy adds momentum to its clean energy portfolio in Maharashtra - Manufacturing Today India</a:t>
             </a:r>
           </a:p>
         </p:txBody>
@@ -3289,17 +3329,13 @@
         <p:txBody>
           <a:bodyPr/>
           <a:lstStyle/>
-          <a:p>
-            <a:r>
-              <a:t>⚠️ Image missing (not found in runner)</a:t>
-            </a:r>
-          </a:p>
+          <a:p/>
           <a:p>
             <a:pPr lvl="1">
               <a:defRPr sz="1600"/>
             </a:pPr>
             <a:r>
-              <a:t>The project is part of India's commitment to increase solar power capacity.</a:t>
+              <a:t>The initiative is part of a broader strategy to enhance renewable energy sources.</a:t>
             </a:r>
           </a:p>
           <a:p>
@@ -3307,11 +3343,35 @@
               <a:defRPr sz="1600"/>
             </a:pPr>
             <a:r>
-              <a:t>Rajasthan is known for its high solar insolation.</a:t>
-            </a:r>
-          </a:p>
-        </p:txBody>
-      </p:sp>
+              <a:t>Maharashtra is a key area for renewable energy investments in India.</a:t>
+            </a:r>
+          </a:p>
+        </p:txBody>
+      </p:sp>
+      <p:pic>
+        <p:nvPicPr>
+          <p:cNvPr id="4" name="Picture 3" descr="slide_1.png"/>
+          <p:cNvPicPr>
+            <a:picLocks noChangeAspect="1"/>
+          </p:cNvPicPr>
+          <p:nvPr/>
+        </p:nvPicPr>
+        <p:blipFill>
+          <a:blip r:embed="rId2"/>
+          <a:stretch>
+            <a:fillRect/>
+          </a:stretch>
+        </p:blipFill>
+        <p:spPr>
+          <a:xfrm>
+            <a:off x="457200" y="1600200"/>
+            <a:ext cx="8229600" cy="4525963"/>
+          </a:xfrm>
+          <a:prstGeom prst="rect">
+            <a:avLst/>
+          </a:prstGeom>
+        </p:spPr>
+      </p:pic>
     </p:spTree>
   </p:cSld>
   <p:clrMapOvr>
@@ -3349,7 +3409,7 @@
               <a:defRPr sz="2800" b="1"/>
             </a:pPr>
             <a:r>
-              <a:t>NTPC Green powers up 300-MW solar park in Rajasthan - Renewables Now</a:t>
+              <a:t>Juniper Green Energy adds momentum to its clean energy portfolio in Maharashtra - Manufacturing Today India</a:t>
             </a:r>
           </a:p>
         </p:txBody>
@@ -3368,17 +3428,13 @@
         <p:txBody>
           <a:bodyPr/>
           <a:lstStyle/>
-          <a:p>
-            <a:r>
-              <a:t>⚠️ Image missing (not found in runner)</a:t>
-            </a:r>
-          </a:p>
+          <a:p/>
           <a:p>
             <a:pPr lvl="1">
               <a:defRPr sz="1600"/>
             </a:pPr>
             <a:r>
-              <a:t>The solar park is expected to enhance energy security.</a:t>
+              <a:t>Juniper Green Energy is committed to reducing carbon emissions through its projects.</a:t>
             </a:r>
           </a:p>
           <a:p>
@@ -3386,11 +3442,35 @@
               <a:defRPr sz="1600"/>
             </a:pPr>
             <a:r>
-              <a:t>It aligns with the government's renewable energy targets.</a:t>
-            </a:r>
-          </a:p>
-        </p:txBody>
-      </p:sp>
+              <a:t>The company is exploring various renewable technologies for implementation.</a:t>
+            </a:r>
+          </a:p>
+        </p:txBody>
+      </p:sp>
+      <p:pic>
+        <p:nvPicPr>
+          <p:cNvPr id="4" name="Picture 3" descr="slide_1.png"/>
+          <p:cNvPicPr>
+            <a:picLocks noChangeAspect="1"/>
+          </p:cNvPicPr>
+          <p:nvPr/>
+        </p:nvPicPr>
+        <p:blipFill>
+          <a:blip r:embed="rId2"/>
+          <a:stretch>
+            <a:fillRect/>
+          </a:stretch>
+        </p:blipFill>
+        <p:spPr>
+          <a:xfrm>
+            <a:off x="457200" y="1600200"/>
+            <a:ext cx="8229600" cy="4525963"/>
+          </a:xfrm>
+          <a:prstGeom prst="rect">
+            <a:avLst/>
+          </a:prstGeom>
+        </p:spPr>
+      </p:pic>
     </p:spTree>
   </p:cSld>
   <p:clrMapOvr>
@@ -3428,7 +3508,7 @@
               <a:defRPr sz="2800" b="1"/>
             </a:pPr>
             <a:r>
-              <a:t>NTPC Green powers up 300-MW solar park in Rajasthan - Renewables Now</a:t>
+              <a:t>Juniper Green Energy adds momentum to its clean energy portfolio in Maharashtra - Manufacturing Today India</a:t>
             </a:r>
           </a:p>
         </p:txBody>
@@ -3447,17 +3527,13 @@
         <p:txBody>
           <a:bodyPr/>
           <a:lstStyle/>
-          <a:p>
-            <a:r>
-              <a:t>⚠️ Image missing (not found in runner)</a:t>
-            </a:r>
-          </a:p>
+          <a:p/>
           <a:p>
             <a:pPr lvl="1">
               <a:defRPr sz="1600"/>
             </a:pPr>
             <a:r>
-              <a:t>The project supports local job creation during construction.</a:t>
+              <a:t>The clean energy projects are expected to create job opportunities in the region.</a:t>
             </a:r>
           </a:p>
           <a:p>
@@ -3465,11 +3541,35 @@
               <a:defRPr sz="1600"/>
             </a:pPr>
             <a:r>
-              <a:t>It is part of a larger initiative to develop renewable energy infrastructure.</a:t>
-            </a:r>
-          </a:p>
-        </p:txBody>
-      </p:sp>
+              <a:t>Local communities are anticipated to benefit from the renewable energy initiatives.</a:t>
+            </a:r>
+          </a:p>
+        </p:txBody>
+      </p:sp>
+      <p:pic>
+        <p:nvPicPr>
+          <p:cNvPr id="4" name="Picture 3" descr="slide_1.png"/>
+          <p:cNvPicPr>
+            <a:picLocks noChangeAspect="1"/>
+          </p:cNvPicPr>
+          <p:nvPr/>
+        </p:nvPicPr>
+        <p:blipFill>
+          <a:blip r:embed="rId2"/>
+          <a:stretch>
+            <a:fillRect/>
+          </a:stretch>
+        </p:blipFill>
+        <p:spPr>
+          <a:xfrm>
+            <a:off x="457200" y="1600200"/>
+            <a:ext cx="8229600" cy="4525963"/>
+          </a:xfrm>
+          <a:prstGeom prst="rect">
+            <a:avLst/>
+          </a:prstGeom>
+        </p:spPr>
+      </p:pic>
     </p:spTree>
   </p:cSld>
   <p:clrMapOvr>
@@ -3507,7 +3607,7 @@
               <a:defRPr sz="2800" b="1"/>
             </a:pPr>
             <a:r>
-              <a:t>NTPC Green powers up 300-MW solar park in Rajasthan - Renewables Now</a:t>
+              <a:t>Juniper Green Energy adds momentum to its clean energy portfolio in Maharashtra - Manufacturing Today India</a:t>
             </a:r>
           </a:p>
         </p:txBody>
@@ -3526,17 +3626,13 @@
         <p:txBody>
           <a:bodyPr/>
           <a:lstStyle/>
-          <a:p>
-            <a:r>
-              <a:t>⚠️ Image missing (not found in runner)</a:t>
-            </a:r>
-          </a:p>
+          <a:p/>
           <a:p>
             <a:pPr lvl="1">
               <a:defRPr sz="1600"/>
             </a:pPr>
             <a:r>
-              <a:t>The solar park will help reduce carbon emissions.</a:t>
+              <a:t>Juniper Green Energy's projects will support the transition to a sustainable energy future.</a:t>
             </a:r>
           </a:p>
           <a:p>
@@ -3544,11 +3640,35 @@
               <a:defRPr sz="1600"/>
             </a:pPr>
             <a:r>
-              <a:t>It is a significant step towards sustainable energy solutions.</a:t>
-            </a:r>
-          </a:p>
-        </p:txBody>
-      </p:sp>
+              <a:t>The company is actively engaging with stakeholders to promote clean energy solutions.</a:t>
+            </a:r>
+          </a:p>
+        </p:txBody>
+      </p:sp>
+      <p:pic>
+        <p:nvPicPr>
+          <p:cNvPr id="4" name="Picture 3" descr="slide_1.png"/>
+          <p:cNvPicPr>
+            <a:picLocks noChangeAspect="1"/>
+          </p:cNvPicPr>
+          <p:nvPr/>
+        </p:nvPicPr>
+        <p:blipFill>
+          <a:blip r:embed="rId2"/>
+          <a:stretch>
+            <a:fillRect/>
+          </a:stretch>
+        </p:blipFill>
+        <p:spPr>
+          <a:xfrm>
+            <a:off x="457200" y="1600200"/>
+            <a:ext cx="8229600" cy="4525963"/>
+          </a:xfrm>
+          <a:prstGeom prst="rect">
+            <a:avLst/>
+          </a:prstGeom>
+        </p:spPr>
+      </p:pic>
     </p:spTree>
   </p:cSld>
   <p:clrMapOvr>

--- a/drafts/linkedin_carousel.pptx
+++ b/drafts/linkedin_carousel.pptx
@@ -3112,7 +3112,7 @@
               <a:defRPr sz="2800" b="1"/>
             </a:pPr>
             <a:r>
-              <a:t>Juniper Green Energy adds momentum to its clean energy portfolio in Maharashtra - Manufacturing Today India</a:t>
+              <a:t>Saudi of green energy? Andhra's $10 bn green ammonia hub nears reality - Business Standard</a:t>
             </a:r>
           </a:p>
         </p:txBody>
@@ -3137,7 +3137,7 @@
               <a:defRPr sz="1600"/>
             </a:pPr>
             <a:r>
-              <a:t>Juniper Green Energy is expanding its clean energy portfolio in Maharashtra.</a:t>
+              <a:t>Andhra Pradesh is developing a $10 billion green ammonia hub.</a:t>
             </a:r>
           </a:p>
           <a:p>
@@ -3145,7 +3145,7 @@
               <a:defRPr sz="1600"/>
             </a:pPr>
             <a:r>
-              <a:t>The company is focused on increasing its renewable energy capacity in the region.</a:t>
+              <a:t>The project aims to position Andhra Pradesh as a leader in green energy.</a:t>
             </a:r>
           </a:p>
         </p:txBody>
@@ -3211,7 +3211,7 @@
               <a:defRPr sz="2800" b="1"/>
             </a:pPr>
             <a:r>
-              <a:t>Juniper Green Energy adds momentum to its clean energy portfolio in Maharashtra - Manufacturing Today India</a:t>
+              <a:t>Saudi of green energy? Andhra's $10 bn green ammonia hub nears reality - Business Standard</a:t>
             </a:r>
           </a:p>
         </p:txBody>
@@ -3236,7 +3236,7 @@
               <a:defRPr sz="1600"/>
             </a:pPr>
             <a:r>
-              <a:t>The expansion aligns with Maharashtra's goals for sustainable energy development.</a:t>
+              <a:t>The green ammonia hub is expected to have a significant impact on the local economy.</a:t>
             </a:r>
           </a:p>
           <a:p>
@@ -3244,7 +3244,7 @@
               <a:defRPr sz="1600"/>
             </a:pPr>
             <a:r>
-              <a:t>Juniper Green Energy aims to contribute to the state's clean energy targets.</a:t>
+              <a:t>It will create numerous job opportunities in the region.</a:t>
             </a:r>
           </a:p>
         </p:txBody>
@@ -3310,7 +3310,7 @@
               <a:defRPr sz="2800" b="1"/>
             </a:pPr>
             <a:r>
-              <a:t>Juniper Green Energy adds momentum to its clean energy portfolio in Maharashtra - Manufacturing Today India</a:t>
+              <a:t>Saudi of green energy? Andhra's $10 bn green ammonia hub nears reality - Business Standard</a:t>
             </a:r>
           </a:p>
         </p:txBody>
@@ -3335,7 +3335,7 @@
               <a:defRPr sz="1600"/>
             </a:pPr>
             <a:r>
-              <a:t>The initiative is part of a broader strategy to enhance renewable energy sources.</a:t>
+              <a:t>The hub will utilize renewable energy sources for ammonia production.</a:t>
             </a:r>
           </a:p>
           <a:p>
@@ -3343,7 +3343,7 @@
               <a:defRPr sz="1600"/>
             </a:pPr>
             <a:r>
-              <a:t>Maharashtra is a key area for renewable energy investments in India.</a:t>
+              <a:t>It is part of a broader initiative to enhance sustainable energy practices.</a:t>
             </a:r>
           </a:p>
         </p:txBody>
@@ -3409,7 +3409,7 @@
               <a:defRPr sz="2800" b="1"/>
             </a:pPr>
             <a:r>
-              <a:t>Juniper Green Energy adds momentum to its clean energy portfolio in Maharashtra - Manufacturing Today India</a:t>
+              <a:t>Saudi of green energy? Andhra's $10 bn green ammonia hub nears reality - Business Standard</a:t>
             </a:r>
           </a:p>
         </p:txBody>
@@ -3434,7 +3434,7 @@
               <a:defRPr sz="1600"/>
             </a:pPr>
             <a:r>
-              <a:t>Juniper Green Energy is committed to reducing carbon emissions through its projects.</a:t>
+              <a:t>The project is expected to attract both domestic and international investments.</a:t>
             </a:r>
           </a:p>
           <a:p>
@@ -3442,7 +3442,7 @@
               <a:defRPr sz="1600"/>
             </a:pPr>
             <a:r>
-              <a:t>The company is exploring various renewable technologies for implementation.</a:t>
+              <a:t>It aims to meet the growing global demand for green ammonia.</a:t>
             </a:r>
           </a:p>
         </p:txBody>
@@ -3508,7 +3508,7 @@
               <a:defRPr sz="2800" b="1"/>
             </a:pPr>
             <a:r>
-              <a:t>Juniper Green Energy adds momentum to its clean energy portfolio in Maharashtra - Manufacturing Today India</a:t>
+              <a:t>Saudi of green energy? Andhra's $10 bn green ammonia hub nears reality - Business Standard</a:t>
             </a:r>
           </a:p>
         </p:txBody>
@@ -3533,7 +3533,7 @@
               <a:defRPr sz="1600"/>
             </a:pPr>
             <a:r>
-              <a:t>The clean energy projects are expected to create job opportunities in the region.</a:t>
+              <a:t>The hub will contribute to reducing carbon emissions in the region.</a:t>
             </a:r>
           </a:p>
           <a:p>
@@ -3541,7 +3541,7 @@
               <a:defRPr sz="1600"/>
             </a:pPr>
             <a:r>
-              <a:t>Local communities are anticipated to benefit from the renewable energy initiatives.</a:t>
+              <a:t>It aligns with India's commitment to sustainable development goals.</a:t>
             </a:r>
           </a:p>
         </p:txBody>
@@ -3607,7 +3607,7 @@
               <a:defRPr sz="2800" b="1"/>
             </a:pPr>
             <a:r>
-              <a:t>Juniper Green Energy adds momentum to its clean energy portfolio in Maharashtra - Manufacturing Today India</a:t>
+              <a:t>Saudi of green energy? Andhra's $10 bn green ammonia hub nears reality - Business Standard</a:t>
             </a:r>
           </a:p>
         </p:txBody>
@@ -3632,7 +3632,7 @@
               <a:defRPr sz="1600"/>
             </a:pPr>
             <a:r>
-              <a:t>Juniper Green Energy's projects will support the transition to a sustainable energy future.</a:t>
+              <a:t>The project is in advanced stages of planning and development.</a:t>
             </a:r>
           </a:p>
           <a:p>
@@ -3640,7 +3640,7 @@
               <a:defRPr sz="1600"/>
             </a:pPr>
             <a:r>
-              <a:t>The company is actively engaging with stakeholders to promote clean energy solutions.</a:t>
+              <a:t>It is expected to play a crucial role in the energy transition in India.</a:t>
             </a:r>
           </a:p>
         </p:txBody>

--- a/drafts/linkedin_carousel.pptx
+++ b/drafts/linkedin_carousel.pptx
@@ -6,11 +6,6 @@
   </p:sldMasterIdLst>
   <p:sldIdLst>
     <p:sldId id="256" r:id="rId7"/>
-    <p:sldId id="257" r:id="rId8"/>
-    <p:sldId id="258" r:id="rId9"/>
-    <p:sldId id="259" r:id="rId10"/>
-    <p:sldId id="260" r:id="rId11"/>
-    <p:sldId id="261" r:id="rId12"/>
   </p:sldIdLst>
   <p:sldSz cx="9144000" cy="6858000" type="screen4x3"/>
   <p:notesSz cx="6858000" cy="9144000"/>
@@ -3109,10 +3104,10 @@
           <a:lstStyle/>
           <a:p>
             <a:pPr>
-              <a:defRPr sz="2800" b="1"/>
+              <a:defRPr sz="3200" b="1"/>
             </a:pPr>
             <a:r>
-              <a:t>Saudi of green energy? Andhra's $10 bn green ammonia hub nears reality - Business Standard</a:t>
+              <a:t>NTPC Green Energy board okays 50:50 JV with GAIL</a:t>
             </a:r>
           </a:p>
         </p:txBody>
@@ -3137,7 +3132,7 @@
               <a:defRPr sz="1600"/>
             </a:pPr>
             <a:r>
-              <a:t>Andhra Pradesh is developing a $10 billion green ammonia hub.</a:t>
+              <a:t>&lt;a href="https://news.google.com/rss/articles/CBMilwFBVV95cUxOTy1QWnlsUWdnZzIxMS1PN01PRjA2ZFlUbEV0eHYwODRncm5VekVBS214TDUwMk9GLWZlVGZ6NUlZMFd1T3BlcGVoY0FTbk9selhyc21QSkdiekl6VkRXb3lXT2tNUGpQWXN5dFBTQzJSZHhHYUI1OV9ZdTNsMWk2dnY5VmRZZElPbGpBSHJNY3lSWU5JcHFN?oc=5" target="_blank"&gt;NTPC Green Energy board okays 50:50 JV with GAIL&lt;/a&gt;&amp;nbsp;&amp;nbsp;&lt;font color="#6f6f6f"&gt;India Infoline&lt;/font&gt;</a:t>
             </a:r>
           </a:p>
           <a:p>
@@ -3145,7 +3140,15 @@
               <a:defRPr sz="1600"/>
             </a:pPr>
             <a:r>
-              <a:t>The project aims to position Andhra Pradesh as a leader in green energy.</a:t>
+              <a:t>Strategic boost to India’s renewable ecosystem</a:t>
+            </a:r>
+          </a:p>
+          <a:p>
+            <a:pPr lvl="1">
+              <a:defRPr sz="1600"/>
+            </a:pPr>
+            <a:r>
+              <a:t>Supports long-term clean energy transition</a:t>
             </a:r>
           </a:p>
         </p:txBody>
@@ -3166,503 +3169,8 @@
         </p:blipFill>
         <p:spPr>
           <a:xfrm>
-            <a:off x="457200" y="1600200"/>
-            <a:ext cx="8229600" cy="4525963"/>
-          </a:xfrm>
-          <a:prstGeom prst="rect">
-            <a:avLst/>
-          </a:prstGeom>
-        </p:spPr>
-      </p:pic>
-    </p:spTree>
-  </p:cSld>
-  <p:clrMapOvr>
-    <a:masterClrMapping/>
-  </p:clrMapOvr>
-</p:sld>
-</file>
-
-<file path=ppt/slides/slide2.xml><?xml version="1.0" encoding="utf-8"?>
-<p:sld xmlns:a="http://schemas.openxmlformats.org/drawingml/2006/main" xmlns:p="http://schemas.openxmlformats.org/presentationml/2006/main" xmlns:r="http://schemas.openxmlformats.org/officeDocument/2006/relationships">
-  <p:cSld>
-    <p:spTree>
-      <p:nvGrpSpPr>
-        <p:cNvPr id="1" name=""/>
-        <p:cNvGrpSpPr/>
-        <p:nvPr/>
-      </p:nvGrpSpPr>
-      <p:grpSpPr/>
-      <p:sp>
-        <p:nvSpPr>
-          <p:cNvPr id="2" name="Title 1"/>
-          <p:cNvSpPr>
-            <a:spLocks noGrp="1"/>
-          </p:cNvSpPr>
-          <p:nvPr>
-            <p:ph type="title"/>
-          </p:nvPr>
-        </p:nvSpPr>
-        <p:spPr/>
-        <p:txBody>
-          <a:bodyPr/>
-          <a:lstStyle/>
-          <a:p>
-            <a:pPr>
-              <a:defRPr sz="2800" b="1"/>
-            </a:pPr>
-            <a:r>
-              <a:t>Saudi of green energy? Andhra's $10 bn green ammonia hub nears reality - Business Standard</a:t>
-            </a:r>
-          </a:p>
-        </p:txBody>
-      </p:sp>
-      <p:sp>
-        <p:nvSpPr>
-          <p:cNvPr id="3" name="Content Placeholder 2"/>
-          <p:cNvSpPr>
-            <a:spLocks noGrp="1"/>
-          </p:cNvSpPr>
-          <p:nvPr>
-            <p:ph idx="1"/>
-          </p:nvPr>
-        </p:nvSpPr>
-        <p:spPr/>
-        <p:txBody>
-          <a:bodyPr/>
-          <a:lstStyle/>
-          <a:p/>
-          <a:p>
-            <a:pPr lvl="1">
-              <a:defRPr sz="1600"/>
-            </a:pPr>
-            <a:r>
-              <a:t>The green ammonia hub is expected to have a significant impact on the local economy.</a:t>
-            </a:r>
-          </a:p>
-          <a:p>
-            <a:pPr lvl="1">
-              <a:defRPr sz="1600"/>
-            </a:pPr>
-            <a:r>
-              <a:t>It will create numerous job opportunities in the region.</a:t>
-            </a:r>
-          </a:p>
-        </p:txBody>
-      </p:sp>
-      <p:pic>
-        <p:nvPicPr>
-          <p:cNvPr id="4" name="Picture 3" descr="slide_1.png"/>
-          <p:cNvPicPr>
-            <a:picLocks noChangeAspect="1"/>
-          </p:cNvPicPr>
-          <p:nvPr/>
-        </p:nvPicPr>
-        <p:blipFill>
-          <a:blip r:embed="rId2"/>
-          <a:stretch>
-            <a:fillRect/>
-          </a:stretch>
-        </p:blipFill>
-        <p:spPr>
-          <a:xfrm>
-            <a:off x="457200" y="1600200"/>
-            <a:ext cx="8229600" cy="4525963"/>
-          </a:xfrm>
-          <a:prstGeom prst="rect">
-            <a:avLst/>
-          </a:prstGeom>
-        </p:spPr>
-      </p:pic>
-    </p:spTree>
-  </p:cSld>
-  <p:clrMapOvr>
-    <a:masterClrMapping/>
-  </p:clrMapOvr>
-</p:sld>
-</file>
-
-<file path=ppt/slides/slide3.xml><?xml version="1.0" encoding="utf-8"?>
-<p:sld xmlns:a="http://schemas.openxmlformats.org/drawingml/2006/main" xmlns:p="http://schemas.openxmlformats.org/presentationml/2006/main" xmlns:r="http://schemas.openxmlformats.org/officeDocument/2006/relationships">
-  <p:cSld>
-    <p:spTree>
-      <p:nvGrpSpPr>
-        <p:cNvPr id="1" name=""/>
-        <p:cNvGrpSpPr/>
-        <p:nvPr/>
-      </p:nvGrpSpPr>
-      <p:grpSpPr/>
-      <p:sp>
-        <p:nvSpPr>
-          <p:cNvPr id="2" name="Title 1"/>
-          <p:cNvSpPr>
-            <a:spLocks noGrp="1"/>
-          </p:cNvSpPr>
-          <p:nvPr>
-            <p:ph type="title"/>
-          </p:nvPr>
-        </p:nvSpPr>
-        <p:spPr/>
-        <p:txBody>
-          <a:bodyPr/>
-          <a:lstStyle/>
-          <a:p>
-            <a:pPr>
-              <a:defRPr sz="2800" b="1"/>
-            </a:pPr>
-            <a:r>
-              <a:t>Saudi of green energy? Andhra's $10 bn green ammonia hub nears reality - Business Standard</a:t>
-            </a:r>
-          </a:p>
-        </p:txBody>
-      </p:sp>
-      <p:sp>
-        <p:nvSpPr>
-          <p:cNvPr id="3" name="Content Placeholder 2"/>
-          <p:cNvSpPr>
-            <a:spLocks noGrp="1"/>
-          </p:cNvSpPr>
-          <p:nvPr>
-            <p:ph idx="1"/>
-          </p:nvPr>
-        </p:nvSpPr>
-        <p:spPr/>
-        <p:txBody>
-          <a:bodyPr/>
-          <a:lstStyle/>
-          <a:p/>
-          <a:p>
-            <a:pPr lvl="1">
-              <a:defRPr sz="1600"/>
-            </a:pPr>
-            <a:r>
-              <a:t>The hub will utilize renewable energy sources for ammonia production.</a:t>
-            </a:r>
-          </a:p>
-          <a:p>
-            <a:pPr lvl="1">
-              <a:defRPr sz="1600"/>
-            </a:pPr>
-            <a:r>
-              <a:t>It is part of a broader initiative to enhance sustainable energy practices.</a:t>
-            </a:r>
-          </a:p>
-        </p:txBody>
-      </p:sp>
-      <p:pic>
-        <p:nvPicPr>
-          <p:cNvPr id="4" name="Picture 3" descr="slide_1.png"/>
-          <p:cNvPicPr>
-            <a:picLocks noChangeAspect="1"/>
-          </p:cNvPicPr>
-          <p:nvPr/>
-        </p:nvPicPr>
-        <p:blipFill>
-          <a:blip r:embed="rId2"/>
-          <a:stretch>
-            <a:fillRect/>
-          </a:stretch>
-        </p:blipFill>
-        <p:spPr>
-          <a:xfrm>
-            <a:off x="457200" y="1600200"/>
-            <a:ext cx="8229600" cy="4525963"/>
-          </a:xfrm>
-          <a:prstGeom prst="rect">
-            <a:avLst/>
-          </a:prstGeom>
-        </p:spPr>
-      </p:pic>
-    </p:spTree>
-  </p:cSld>
-  <p:clrMapOvr>
-    <a:masterClrMapping/>
-  </p:clrMapOvr>
-</p:sld>
-</file>
-
-<file path=ppt/slides/slide4.xml><?xml version="1.0" encoding="utf-8"?>
-<p:sld xmlns:a="http://schemas.openxmlformats.org/drawingml/2006/main" xmlns:p="http://schemas.openxmlformats.org/presentationml/2006/main" xmlns:r="http://schemas.openxmlformats.org/officeDocument/2006/relationships">
-  <p:cSld>
-    <p:spTree>
-      <p:nvGrpSpPr>
-        <p:cNvPr id="1" name=""/>
-        <p:cNvGrpSpPr/>
-        <p:nvPr/>
-      </p:nvGrpSpPr>
-      <p:grpSpPr/>
-      <p:sp>
-        <p:nvSpPr>
-          <p:cNvPr id="2" name="Title 1"/>
-          <p:cNvSpPr>
-            <a:spLocks noGrp="1"/>
-          </p:cNvSpPr>
-          <p:nvPr>
-            <p:ph type="title"/>
-          </p:nvPr>
-        </p:nvSpPr>
-        <p:spPr/>
-        <p:txBody>
-          <a:bodyPr/>
-          <a:lstStyle/>
-          <a:p>
-            <a:pPr>
-              <a:defRPr sz="2800" b="1"/>
-            </a:pPr>
-            <a:r>
-              <a:t>Saudi of green energy? Andhra's $10 bn green ammonia hub nears reality - Business Standard</a:t>
-            </a:r>
-          </a:p>
-        </p:txBody>
-      </p:sp>
-      <p:sp>
-        <p:nvSpPr>
-          <p:cNvPr id="3" name="Content Placeholder 2"/>
-          <p:cNvSpPr>
-            <a:spLocks noGrp="1"/>
-          </p:cNvSpPr>
-          <p:nvPr>
-            <p:ph idx="1"/>
-          </p:nvPr>
-        </p:nvSpPr>
-        <p:spPr/>
-        <p:txBody>
-          <a:bodyPr/>
-          <a:lstStyle/>
-          <a:p/>
-          <a:p>
-            <a:pPr lvl="1">
-              <a:defRPr sz="1600"/>
-            </a:pPr>
-            <a:r>
-              <a:t>The project is expected to attract both domestic and international investments.</a:t>
-            </a:r>
-          </a:p>
-          <a:p>
-            <a:pPr lvl="1">
-              <a:defRPr sz="1600"/>
-            </a:pPr>
-            <a:r>
-              <a:t>It aims to meet the growing global demand for green ammonia.</a:t>
-            </a:r>
-          </a:p>
-        </p:txBody>
-      </p:sp>
-      <p:pic>
-        <p:nvPicPr>
-          <p:cNvPr id="4" name="Picture 3" descr="slide_1.png"/>
-          <p:cNvPicPr>
-            <a:picLocks noChangeAspect="1"/>
-          </p:cNvPicPr>
-          <p:nvPr/>
-        </p:nvPicPr>
-        <p:blipFill>
-          <a:blip r:embed="rId2"/>
-          <a:stretch>
-            <a:fillRect/>
-          </a:stretch>
-        </p:blipFill>
-        <p:spPr>
-          <a:xfrm>
-            <a:off x="457200" y="1600200"/>
-            <a:ext cx="8229600" cy="4525963"/>
-          </a:xfrm>
-          <a:prstGeom prst="rect">
-            <a:avLst/>
-          </a:prstGeom>
-        </p:spPr>
-      </p:pic>
-    </p:spTree>
-  </p:cSld>
-  <p:clrMapOvr>
-    <a:masterClrMapping/>
-  </p:clrMapOvr>
-</p:sld>
-</file>
-
-<file path=ppt/slides/slide5.xml><?xml version="1.0" encoding="utf-8"?>
-<p:sld xmlns:a="http://schemas.openxmlformats.org/drawingml/2006/main" xmlns:p="http://schemas.openxmlformats.org/presentationml/2006/main" xmlns:r="http://schemas.openxmlformats.org/officeDocument/2006/relationships">
-  <p:cSld>
-    <p:spTree>
-      <p:nvGrpSpPr>
-        <p:cNvPr id="1" name=""/>
-        <p:cNvGrpSpPr/>
-        <p:nvPr/>
-      </p:nvGrpSpPr>
-      <p:grpSpPr/>
-      <p:sp>
-        <p:nvSpPr>
-          <p:cNvPr id="2" name="Title 1"/>
-          <p:cNvSpPr>
-            <a:spLocks noGrp="1"/>
-          </p:cNvSpPr>
-          <p:nvPr>
-            <p:ph type="title"/>
-          </p:nvPr>
-        </p:nvSpPr>
-        <p:spPr/>
-        <p:txBody>
-          <a:bodyPr/>
-          <a:lstStyle/>
-          <a:p>
-            <a:pPr>
-              <a:defRPr sz="2800" b="1"/>
-            </a:pPr>
-            <a:r>
-              <a:t>Saudi of green energy? Andhra's $10 bn green ammonia hub nears reality - Business Standard</a:t>
-            </a:r>
-          </a:p>
-        </p:txBody>
-      </p:sp>
-      <p:sp>
-        <p:nvSpPr>
-          <p:cNvPr id="3" name="Content Placeholder 2"/>
-          <p:cNvSpPr>
-            <a:spLocks noGrp="1"/>
-          </p:cNvSpPr>
-          <p:nvPr>
-            <p:ph idx="1"/>
-          </p:nvPr>
-        </p:nvSpPr>
-        <p:spPr/>
-        <p:txBody>
-          <a:bodyPr/>
-          <a:lstStyle/>
-          <a:p/>
-          <a:p>
-            <a:pPr lvl="1">
-              <a:defRPr sz="1600"/>
-            </a:pPr>
-            <a:r>
-              <a:t>The hub will contribute to reducing carbon emissions in the region.</a:t>
-            </a:r>
-          </a:p>
-          <a:p>
-            <a:pPr lvl="1">
-              <a:defRPr sz="1600"/>
-            </a:pPr>
-            <a:r>
-              <a:t>It aligns with India's commitment to sustainable development goals.</a:t>
-            </a:r>
-          </a:p>
-        </p:txBody>
-      </p:sp>
-      <p:pic>
-        <p:nvPicPr>
-          <p:cNvPr id="4" name="Picture 3" descr="slide_1.png"/>
-          <p:cNvPicPr>
-            <a:picLocks noChangeAspect="1"/>
-          </p:cNvPicPr>
-          <p:nvPr/>
-        </p:nvPicPr>
-        <p:blipFill>
-          <a:blip r:embed="rId2"/>
-          <a:stretch>
-            <a:fillRect/>
-          </a:stretch>
-        </p:blipFill>
-        <p:spPr>
-          <a:xfrm>
-            <a:off x="457200" y="1600200"/>
-            <a:ext cx="8229600" cy="4525963"/>
-          </a:xfrm>
-          <a:prstGeom prst="rect">
-            <a:avLst/>
-          </a:prstGeom>
-        </p:spPr>
-      </p:pic>
-    </p:spTree>
-  </p:cSld>
-  <p:clrMapOvr>
-    <a:masterClrMapping/>
-  </p:clrMapOvr>
-</p:sld>
-</file>
-
-<file path=ppt/slides/slide6.xml><?xml version="1.0" encoding="utf-8"?>
-<p:sld xmlns:a="http://schemas.openxmlformats.org/drawingml/2006/main" xmlns:p="http://schemas.openxmlformats.org/presentationml/2006/main" xmlns:r="http://schemas.openxmlformats.org/officeDocument/2006/relationships">
-  <p:cSld>
-    <p:spTree>
-      <p:nvGrpSpPr>
-        <p:cNvPr id="1" name=""/>
-        <p:cNvGrpSpPr/>
-        <p:nvPr/>
-      </p:nvGrpSpPr>
-      <p:grpSpPr/>
-      <p:sp>
-        <p:nvSpPr>
-          <p:cNvPr id="2" name="Title 1"/>
-          <p:cNvSpPr>
-            <a:spLocks noGrp="1"/>
-          </p:cNvSpPr>
-          <p:nvPr>
-            <p:ph type="title"/>
-          </p:nvPr>
-        </p:nvSpPr>
-        <p:spPr/>
-        <p:txBody>
-          <a:bodyPr/>
-          <a:lstStyle/>
-          <a:p>
-            <a:pPr>
-              <a:defRPr sz="2800" b="1"/>
-            </a:pPr>
-            <a:r>
-              <a:t>Saudi of green energy? Andhra's $10 bn green ammonia hub nears reality - Business Standard</a:t>
-            </a:r>
-          </a:p>
-        </p:txBody>
-      </p:sp>
-      <p:sp>
-        <p:nvSpPr>
-          <p:cNvPr id="3" name="Content Placeholder 2"/>
-          <p:cNvSpPr>
-            <a:spLocks noGrp="1"/>
-          </p:cNvSpPr>
-          <p:nvPr>
-            <p:ph idx="1"/>
-          </p:nvPr>
-        </p:nvSpPr>
-        <p:spPr/>
-        <p:txBody>
-          <a:bodyPr/>
-          <a:lstStyle/>
-          <a:p/>
-          <a:p>
-            <a:pPr lvl="1">
-              <a:defRPr sz="1600"/>
-            </a:pPr>
-            <a:r>
-              <a:t>The project is in advanced stages of planning and development.</a:t>
-            </a:r>
-          </a:p>
-          <a:p>
-            <a:pPr lvl="1">
-              <a:defRPr sz="1600"/>
-            </a:pPr>
-            <a:r>
-              <a:t>It is expected to play a crucial role in the energy transition in India.</a:t>
-            </a:r>
-          </a:p>
-        </p:txBody>
-      </p:sp>
-      <p:pic>
-        <p:nvPicPr>
-          <p:cNvPr id="4" name="Picture 3" descr="slide_1.png"/>
-          <p:cNvPicPr>
-            <a:picLocks noChangeAspect="1"/>
-          </p:cNvPicPr>
-          <p:nvPr/>
-        </p:nvPicPr>
-        <p:blipFill>
-          <a:blip r:embed="rId2"/>
-          <a:stretch>
-            <a:fillRect/>
-          </a:stretch>
-        </p:blipFill>
-        <p:spPr>
-          <a:xfrm>
-            <a:off x="457200" y="1600200"/>
-            <a:ext cx="8229600" cy="4525963"/>
+            <a:off x="914400" y="1828800"/>
+            <a:ext cx="7315200" cy="3200400"/>
           </a:xfrm>
           <a:prstGeom prst="rect">
             <a:avLst/>

--- a/drafts/linkedin_carousel.pptx
+++ b/drafts/linkedin_carousel.pptx
@@ -3155,7 +3155,7 @@
       </p:sp>
       <p:pic>
         <p:nvPicPr>
-          <p:cNvPr id="4" name="Picture 3" descr="slide_1.png"/>
+          <p:cNvPr id="4" name="Picture 3" descr="slide_11.png"/>
           <p:cNvPicPr>
             <a:picLocks noChangeAspect="1"/>
           </p:cNvPicPr>

--- a/drafts/linkedin_carousel.pptx
+++ b/drafts/linkedin_carousel.pptx
@@ -6,6 +6,10 @@
   </p:sldMasterIdLst>
   <p:sldIdLst>
     <p:sldId id="256" r:id="rId7"/>
+    <p:sldId id="257" r:id="rId8"/>
+    <p:sldId id="258" r:id="rId9"/>
+    <p:sldId id="259" r:id="rId10"/>
+    <p:sldId id="260" r:id="rId11"/>
   </p:sldIdLst>
   <p:sldSz cx="9144000" cy="6858000" type="screen4x3"/>
   <p:notesSz cx="6858000" cy="9144000"/>
@@ -3102,81 +3106,520 @@
         <p:txBody>
           <a:bodyPr/>
           <a:lstStyle/>
-          <a:p>
-            <a:pPr>
-              <a:defRPr sz="3200" b="1"/>
-            </a:pPr>
-            <a:r>
-              <a:t>NTPC Green Energy board okays 50:50 JV with GAIL</a:t>
-            </a:r>
-          </a:p>
-        </p:txBody>
-      </p:sp>
-      <p:sp>
-        <p:nvSpPr>
-          <p:cNvPr id="3" name="Content Placeholder 2"/>
-          <p:cNvSpPr>
-            <a:spLocks noGrp="1"/>
-          </p:cNvSpPr>
-          <p:nvPr>
-            <p:ph idx="1"/>
-          </p:nvPr>
-        </p:nvSpPr>
-        <p:spPr/>
-        <p:txBody>
-          <a:bodyPr/>
-          <a:lstStyle/>
           <a:p/>
-          <a:p>
-            <a:pPr lvl="1">
-              <a:defRPr sz="1600"/>
-            </a:pPr>
-            <a:r>
-              <a:t>&lt;a href="https://news.google.com/rss/articles/CBMilwFBVV95cUxOTy1QWnlsUWdnZzIxMS1PN01PRjA2ZFlUbEV0eHYwODRncm5VekVBS214TDUwMk9GLWZlVGZ6NUlZMFd1T3BlcGVoY0FTbk9selhyc21QSkdiekl6VkRXb3lXT2tNUGpQWXN5dFBTQzJSZHhHYUI1OV9ZdTNsMWk2dnY5VmRZZElPbGpBSHJNY3lSWU5JcHFN?oc=5" target="_blank"&gt;NTPC Green Energy board okays 50:50 JV with GAIL&lt;/a&gt;&amp;nbsp;&amp;nbsp;&lt;font color="#6f6f6f"&gt;India Infoline&lt;/font&gt;</a:t>
-            </a:r>
-          </a:p>
-          <a:p>
-            <a:pPr lvl="1">
-              <a:defRPr sz="1600"/>
-            </a:pPr>
-            <a:r>
-              <a:t>Strategic boost to India’s renewable ecosystem</a:t>
-            </a:r>
-          </a:p>
-          <a:p>
-            <a:pPr lvl="1">
-              <a:defRPr sz="1600"/>
-            </a:pPr>
-            <a:r>
-              <a:t>Supports long-term clean energy transition</a:t>
-            </a:r>
-          </a:p>
-        </p:txBody>
-      </p:sp>
-      <p:pic>
-        <p:nvPicPr>
-          <p:cNvPr id="4" name="Picture 3" descr="slide_11.png"/>
-          <p:cNvPicPr>
-            <a:picLocks noChangeAspect="1"/>
-          </p:cNvPicPr>
+        </p:txBody>
+      </p:sp>
+      <p:sp>
+        <p:nvSpPr>
+          <p:cNvPr id="3" name="TextBox 2"/>
+          <p:cNvSpPr txBox="1"/>
           <p:nvPr/>
-        </p:nvPicPr>
-        <p:blipFill>
-          <a:blip r:embed="rId2"/>
-          <a:stretch>
-            <a:fillRect/>
-          </a:stretch>
-        </p:blipFill>
+        </p:nvSpPr>
         <p:spPr>
           <a:xfrm>
-            <a:off x="914400" y="1828800"/>
-            <a:ext cx="7315200" cy="3200400"/>
+            <a:off x="457200" y="274320"/>
+            <a:ext cx="8229600" cy="914400"/>
           </a:xfrm>
           <a:prstGeom prst="rect">
             <a:avLst/>
           </a:prstGeom>
+          <a:noFill/>
         </p:spPr>
-      </p:pic>
+        <p:txBody>
+          <a:bodyPr wrap="none">
+            <a:spAutoFit/>
+          </a:bodyPr>
+          <a:lstStyle/>
+          <a:p>
+            <a:pPr>
+              <a:defRPr sz="2800"/>
+            </a:pPr>
+            <a:r>
+              <a:t>NTPC Green Energy board okays 50:50 JV with GAIL - India Infoline</a:t>
+            </a:r>
+          </a:p>
+        </p:txBody>
+      </p:sp>
+      <p:sp>
+        <p:nvSpPr>
+          <p:cNvPr id="4" name="TextBox 3"/>
+          <p:cNvSpPr txBox="1"/>
+          <p:nvPr/>
+        </p:nvSpPr>
+        <p:spPr>
+          <a:xfrm>
+            <a:off x="731520" y="4114800"/>
+            <a:ext cx="7772400" cy="1828800"/>
+          </a:xfrm>
+          <a:prstGeom prst="rect">
+            <a:avLst/>
+          </a:prstGeom>
+          <a:noFill/>
+        </p:spPr>
+        <p:txBody>
+          <a:bodyPr wrap="none">
+            <a:spAutoFit/>
+          </a:bodyPr>
+          <a:lstStyle/>
+          <a:p/>
+          <a:p>
+            <a:pPr>
+              <a:defRPr sz="1800"/>
+            </a:pPr>
+            <a:r>
+              <a:t>Strategic joint venture in India’s clean energy sector</a:t>
+            </a:r>
+          </a:p>
+        </p:txBody>
+      </p:sp>
+    </p:spTree>
+  </p:cSld>
+  <p:clrMapOvr>
+    <a:masterClrMapping/>
+  </p:clrMapOvr>
+</p:sld>
+</file>
+
+<file path=ppt/slides/slide2.xml><?xml version="1.0" encoding="utf-8"?>
+<p:sld xmlns:a="http://schemas.openxmlformats.org/drawingml/2006/main" xmlns:p="http://schemas.openxmlformats.org/presentationml/2006/main" xmlns:r="http://schemas.openxmlformats.org/officeDocument/2006/relationships">
+  <p:cSld>
+    <p:spTree>
+      <p:nvGrpSpPr>
+        <p:cNvPr id="1" name=""/>
+        <p:cNvGrpSpPr/>
+        <p:nvPr/>
+      </p:nvGrpSpPr>
+      <p:grpSpPr/>
+      <p:sp>
+        <p:nvSpPr>
+          <p:cNvPr id="2" name="Title 1"/>
+          <p:cNvSpPr>
+            <a:spLocks noGrp="1"/>
+          </p:cNvSpPr>
+          <p:nvPr>
+            <p:ph type="title"/>
+          </p:nvPr>
+        </p:nvSpPr>
+        <p:spPr/>
+        <p:txBody>
+          <a:bodyPr/>
+          <a:lstStyle/>
+          <a:p/>
+        </p:txBody>
+      </p:sp>
+      <p:sp>
+        <p:nvSpPr>
+          <p:cNvPr id="3" name="TextBox 2"/>
+          <p:cNvSpPr txBox="1"/>
+          <p:nvPr/>
+        </p:nvSpPr>
+        <p:spPr>
+          <a:xfrm>
+            <a:off x="457200" y="274320"/>
+            <a:ext cx="8229600" cy="914400"/>
+          </a:xfrm>
+          <a:prstGeom prst="rect">
+            <a:avLst/>
+          </a:prstGeom>
+          <a:noFill/>
+        </p:spPr>
+        <p:txBody>
+          <a:bodyPr wrap="none">
+            <a:spAutoFit/>
+          </a:bodyPr>
+          <a:lstStyle/>
+          <a:p>
+            <a:pPr>
+              <a:defRPr sz="2800"/>
+            </a:pPr>
+            <a:r>
+              <a:t>Key Highlights</a:t>
+            </a:r>
+          </a:p>
+        </p:txBody>
+      </p:sp>
+      <p:sp>
+        <p:nvSpPr>
+          <p:cNvPr id="4" name="TextBox 3"/>
+          <p:cNvSpPr txBox="1"/>
+          <p:nvPr/>
+        </p:nvSpPr>
+        <p:spPr>
+          <a:xfrm>
+            <a:off x="731520" y="4114800"/>
+            <a:ext cx="7772400" cy="1828800"/>
+          </a:xfrm>
+          <a:prstGeom prst="rect">
+            <a:avLst/>
+          </a:prstGeom>
+          <a:noFill/>
+        </p:spPr>
+        <p:txBody>
+          <a:bodyPr wrap="none">
+            <a:spAutoFit/>
+          </a:bodyPr>
+          <a:lstStyle/>
+          <a:p/>
+          <a:p>
+            <a:pPr>
+              <a:defRPr sz="1800"/>
+            </a:pPr>
+            <a:r>
+              <a:t>NTPC Green Energy approves a 50:50 JV with GAIL</a:t>
+            </a:r>
+          </a:p>
+          <a:p>
+            <a:pPr>
+              <a:defRPr sz="1800"/>
+            </a:pPr>
+            <a:r>
+              <a:t>Focus on renewable and clean energy projects</a:t>
+            </a:r>
+          </a:p>
+          <a:p>
+            <a:pPr>
+              <a:defRPr sz="1800"/>
+            </a:pPr>
+            <a:r>
+              <a:t>Strengthens public-sector collaboration</a:t>
+            </a:r>
+          </a:p>
+        </p:txBody>
+      </p:sp>
+    </p:spTree>
+  </p:cSld>
+  <p:clrMapOvr>
+    <a:masterClrMapping/>
+  </p:clrMapOvr>
+</p:sld>
+</file>
+
+<file path=ppt/slides/slide3.xml><?xml version="1.0" encoding="utf-8"?>
+<p:sld xmlns:a="http://schemas.openxmlformats.org/drawingml/2006/main" xmlns:p="http://schemas.openxmlformats.org/presentationml/2006/main" xmlns:r="http://schemas.openxmlformats.org/officeDocument/2006/relationships">
+  <p:cSld>
+    <p:spTree>
+      <p:nvGrpSpPr>
+        <p:cNvPr id="1" name=""/>
+        <p:cNvGrpSpPr/>
+        <p:nvPr/>
+      </p:nvGrpSpPr>
+      <p:grpSpPr/>
+      <p:sp>
+        <p:nvSpPr>
+          <p:cNvPr id="2" name="Title 1"/>
+          <p:cNvSpPr>
+            <a:spLocks noGrp="1"/>
+          </p:cNvSpPr>
+          <p:nvPr>
+            <p:ph type="title"/>
+          </p:nvPr>
+        </p:nvSpPr>
+        <p:spPr/>
+        <p:txBody>
+          <a:bodyPr/>
+          <a:lstStyle/>
+          <a:p/>
+        </p:txBody>
+      </p:sp>
+      <p:sp>
+        <p:nvSpPr>
+          <p:cNvPr id="3" name="TextBox 2"/>
+          <p:cNvSpPr txBox="1"/>
+          <p:nvPr/>
+        </p:nvSpPr>
+        <p:spPr>
+          <a:xfrm>
+            <a:off x="457200" y="274320"/>
+            <a:ext cx="8229600" cy="914400"/>
+          </a:xfrm>
+          <a:prstGeom prst="rect">
+            <a:avLst/>
+          </a:prstGeom>
+          <a:noFill/>
+        </p:spPr>
+        <p:txBody>
+          <a:bodyPr wrap="none">
+            <a:spAutoFit/>
+          </a:bodyPr>
+          <a:lstStyle/>
+          <a:p>
+            <a:pPr>
+              <a:defRPr sz="2800"/>
+            </a:pPr>
+            <a:r>
+              <a:t>Why This Matters</a:t>
+            </a:r>
+          </a:p>
+        </p:txBody>
+      </p:sp>
+      <p:sp>
+        <p:nvSpPr>
+          <p:cNvPr id="4" name="TextBox 3"/>
+          <p:cNvSpPr txBox="1"/>
+          <p:nvPr/>
+        </p:nvSpPr>
+        <p:spPr>
+          <a:xfrm>
+            <a:off x="731520" y="4114800"/>
+            <a:ext cx="7772400" cy="1828800"/>
+          </a:xfrm>
+          <a:prstGeom prst="rect">
+            <a:avLst/>
+          </a:prstGeom>
+          <a:noFill/>
+        </p:spPr>
+        <p:txBody>
+          <a:bodyPr wrap="none">
+            <a:spAutoFit/>
+          </a:bodyPr>
+          <a:lstStyle/>
+          <a:p/>
+          <a:p>
+            <a:pPr>
+              <a:defRPr sz="1800"/>
+            </a:pPr>
+            <a:r>
+              <a:t>Accelerates India’s energy transition</a:t>
+            </a:r>
+          </a:p>
+          <a:p>
+            <a:pPr>
+              <a:defRPr sz="1800"/>
+            </a:pPr>
+            <a:r>
+              <a:t>Supports green hydrogen and renewables</a:t>
+            </a:r>
+          </a:p>
+          <a:p>
+            <a:pPr>
+              <a:defRPr sz="1800"/>
+            </a:pPr>
+            <a:r>
+              <a:t>Enhances long-term energy security</a:t>
+            </a:r>
+          </a:p>
+        </p:txBody>
+      </p:sp>
+    </p:spTree>
+  </p:cSld>
+  <p:clrMapOvr>
+    <a:masterClrMapping/>
+  </p:clrMapOvr>
+</p:sld>
+</file>
+
+<file path=ppt/slides/slide4.xml><?xml version="1.0" encoding="utf-8"?>
+<p:sld xmlns:a="http://schemas.openxmlformats.org/drawingml/2006/main" xmlns:p="http://schemas.openxmlformats.org/presentationml/2006/main" xmlns:r="http://schemas.openxmlformats.org/officeDocument/2006/relationships">
+  <p:cSld>
+    <p:spTree>
+      <p:nvGrpSpPr>
+        <p:cNvPr id="1" name=""/>
+        <p:cNvGrpSpPr/>
+        <p:nvPr/>
+      </p:nvGrpSpPr>
+      <p:grpSpPr/>
+      <p:sp>
+        <p:nvSpPr>
+          <p:cNvPr id="2" name="Title 1"/>
+          <p:cNvSpPr>
+            <a:spLocks noGrp="1"/>
+          </p:cNvSpPr>
+          <p:nvPr>
+            <p:ph type="title"/>
+          </p:nvPr>
+        </p:nvSpPr>
+        <p:spPr/>
+        <p:txBody>
+          <a:bodyPr/>
+          <a:lstStyle/>
+          <a:p/>
+        </p:txBody>
+      </p:sp>
+      <p:sp>
+        <p:nvSpPr>
+          <p:cNvPr id="3" name="TextBox 2"/>
+          <p:cNvSpPr txBox="1"/>
+          <p:nvPr/>
+        </p:nvSpPr>
+        <p:spPr>
+          <a:xfrm>
+            <a:off x="457200" y="274320"/>
+            <a:ext cx="8229600" cy="914400"/>
+          </a:xfrm>
+          <a:prstGeom prst="rect">
+            <a:avLst/>
+          </a:prstGeom>
+          <a:noFill/>
+        </p:spPr>
+        <p:txBody>
+          <a:bodyPr wrap="none">
+            <a:spAutoFit/>
+          </a:bodyPr>
+          <a:lstStyle/>
+          <a:p>
+            <a:pPr>
+              <a:defRPr sz="2800"/>
+            </a:pPr>
+            <a:r>
+              <a:t>Industry Impact</a:t>
+            </a:r>
+          </a:p>
+        </p:txBody>
+      </p:sp>
+      <p:sp>
+        <p:nvSpPr>
+          <p:cNvPr id="4" name="TextBox 3"/>
+          <p:cNvSpPr txBox="1"/>
+          <p:nvPr/>
+        </p:nvSpPr>
+        <p:spPr>
+          <a:xfrm>
+            <a:off x="731520" y="4114800"/>
+            <a:ext cx="7772400" cy="1828800"/>
+          </a:xfrm>
+          <a:prstGeom prst="rect">
+            <a:avLst/>
+          </a:prstGeom>
+          <a:noFill/>
+        </p:spPr>
+        <p:txBody>
+          <a:bodyPr wrap="none">
+            <a:spAutoFit/>
+          </a:bodyPr>
+          <a:lstStyle/>
+          <a:p/>
+          <a:p>
+            <a:pPr>
+              <a:defRPr sz="1800"/>
+            </a:pPr>
+            <a:r>
+              <a:t>Boosts investor confidence in green energy</a:t>
+            </a:r>
+          </a:p>
+          <a:p>
+            <a:pPr>
+              <a:defRPr sz="1800"/>
+            </a:pPr>
+            <a:r>
+              <a:t>Encourages large-scale clean infrastructure</a:t>
+            </a:r>
+          </a:p>
+          <a:p>
+            <a:pPr>
+              <a:defRPr sz="1800"/>
+            </a:pPr>
+            <a:r>
+              <a:t>Aligns with India’s net-zero goals</a:t>
+            </a:r>
+          </a:p>
+        </p:txBody>
+      </p:sp>
+    </p:spTree>
+  </p:cSld>
+  <p:clrMapOvr>
+    <a:masterClrMapping/>
+  </p:clrMapOvr>
+</p:sld>
+</file>
+
+<file path=ppt/slides/slide5.xml><?xml version="1.0" encoding="utf-8"?>
+<p:sld xmlns:a="http://schemas.openxmlformats.org/drawingml/2006/main" xmlns:p="http://schemas.openxmlformats.org/presentationml/2006/main" xmlns:r="http://schemas.openxmlformats.org/officeDocument/2006/relationships">
+  <p:cSld>
+    <p:spTree>
+      <p:nvGrpSpPr>
+        <p:cNvPr id="1" name=""/>
+        <p:cNvGrpSpPr/>
+        <p:nvPr/>
+      </p:nvGrpSpPr>
+      <p:grpSpPr/>
+      <p:sp>
+        <p:nvSpPr>
+          <p:cNvPr id="2" name="Title 1"/>
+          <p:cNvSpPr>
+            <a:spLocks noGrp="1"/>
+          </p:cNvSpPr>
+          <p:nvPr>
+            <p:ph type="title"/>
+          </p:nvPr>
+        </p:nvSpPr>
+        <p:spPr/>
+        <p:txBody>
+          <a:bodyPr/>
+          <a:lstStyle/>
+          <a:p/>
+        </p:txBody>
+      </p:sp>
+      <p:sp>
+        <p:nvSpPr>
+          <p:cNvPr id="3" name="TextBox 2"/>
+          <p:cNvSpPr txBox="1"/>
+          <p:nvPr/>
+        </p:nvSpPr>
+        <p:spPr>
+          <a:xfrm>
+            <a:off x="457200" y="274320"/>
+            <a:ext cx="8229600" cy="914400"/>
+          </a:xfrm>
+          <a:prstGeom prst="rect">
+            <a:avLst/>
+          </a:prstGeom>
+          <a:noFill/>
+        </p:spPr>
+        <p:txBody>
+          <a:bodyPr wrap="none">
+            <a:spAutoFit/>
+          </a:bodyPr>
+          <a:lstStyle/>
+          <a:p>
+            <a:pPr>
+              <a:defRPr sz="2800"/>
+            </a:pPr>
+            <a:r>
+              <a:t>Source</a:t>
+            </a:r>
+          </a:p>
+        </p:txBody>
+      </p:sp>
+      <p:sp>
+        <p:nvSpPr>
+          <p:cNvPr id="4" name="TextBox 3"/>
+          <p:cNvSpPr txBox="1"/>
+          <p:nvPr/>
+        </p:nvSpPr>
+        <p:spPr>
+          <a:xfrm>
+            <a:off x="731520" y="4114800"/>
+            <a:ext cx="7772400" cy="1828800"/>
+          </a:xfrm>
+          <a:prstGeom prst="rect">
+            <a:avLst/>
+          </a:prstGeom>
+          <a:noFill/>
+        </p:spPr>
+        <p:txBody>
+          <a:bodyPr wrap="none">
+            <a:spAutoFit/>
+          </a:bodyPr>
+          <a:lstStyle/>
+          <a:p/>
+          <a:p>
+            <a:pPr>
+              <a:defRPr sz="1800"/>
+            </a:pPr>
+            <a:r>
+              <a:t>India Infoline</a:t>
+            </a:r>
+          </a:p>
+          <a:p>
+            <a:pPr>
+              <a:defRPr sz="1800"/>
+            </a:pPr>
+            <a:r>
+              <a:t>Read full article online</a:t>
+            </a:r>
+          </a:p>
+        </p:txBody>
+      </p:sp>
     </p:spTree>
   </p:cSld>
   <p:clrMapOvr>

--- a/drafts/linkedin_carousel.pptx
+++ b/drafts/linkedin_carousel.pptx
@@ -3094,31 +3094,14 @@
       <p:grpSpPr/>
       <p:sp>
         <p:nvSpPr>
-          <p:cNvPr id="2" name="Title 1"/>
-          <p:cNvSpPr>
-            <a:spLocks noGrp="1"/>
-          </p:cNvSpPr>
-          <p:nvPr>
-            <p:ph type="title"/>
-          </p:nvPr>
-        </p:nvSpPr>
-        <p:spPr/>
-        <p:txBody>
-          <a:bodyPr/>
-          <a:lstStyle/>
-          <a:p/>
-        </p:txBody>
-      </p:sp>
-      <p:sp>
-        <p:nvSpPr>
-          <p:cNvPr id="3" name="TextBox 2"/>
+          <p:cNvPr id="2" name="TextBox 1"/>
           <p:cNvSpPr txBox="1"/>
           <p:nvPr/>
         </p:nvSpPr>
         <p:spPr>
           <a:xfrm>
             <a:off x="457200" y="274320"/>
-            <a:ext cx="8229600" cy="914400"/>
+            <a:ext cx="8229600" cy="822960"/>
           </a:xfrm>
           <a:prstGeom prst="rect">
             <a:avLst/>
@@ -3132,7 +3115,7 @@
           <a:lstStyle/>
           <a:p>
             <a:pPr>
-              <a:defRPr sz="2800"/>
+              <a:defRPr sz="2800" b="1"/>
             </a:pPr>
             <a:r>
               <a:t>NTPC Green Energy board okays 50:50 JV with GAIL - India Infoline</a:t>
@@ -3142,14 +3125,14 @@
       </p:sp>
       <p:sp>
         <p:nvSpPr>
-          <p:cNvPr id="4" name="TextBox 3"/>
+          <p:cNvPr id="3" name="TextBox 2"/>
           <p:cNvSpPr txBox="1"/>
           <p:nvPr/>
         </p:nvSpPr>
         <p:spPr>
           <a:xfrm>
-            <a:off x="731520" y="4114800"/>
-            <a:ext cx="7772400" cy="1828800"/>
+            <a:off x="731520" y="4389120"/>
+            <a:ext cx="7772400" cy="1645920"/>
           </a:xfrm>
           <a:prstGeom prst="rect">
             <a:avLst/>
@@ -3192,31 +3175,14 @@
       <p:grpSpPr/>
       <p:sp>
         <p:nvSpPr>
-          <p:cNvPr id="2" name="Title 1"/>
-          <p:cNvSpPr>
-            <a:spLocks noGrp="1"/>
-          </p:cNvSpPr>
-          <p:nvPr>
-            <p:ph type="title"/>
-          </p:nvPr>
-        </p:nvSpPr>
-        <p:spPr/>
-        <p:txBody>
-          <a:bodyPr/>
-          <a:lstStyle/>
-          <a:p/>
-        </p:txBody>
-      </p:sp>
-      <p:sp>
-        <p:nvSpPr>
-          <p:cNvPr id="3" name="TextBox 2"/>
+          <p:cNvPr id="2" name="TextBox 1"/>
           <p:cNvSpPr txBox="1"/>
           <p:nvPr/>
         </p:nvSpPr>
         <p:spPr>
           <a:xfrm>
             <a:off x="457200" y="274320"/>
-            <a:ext cx="8229600" cy="914400"/>
+            <a:ext cx="8229600" cy="822960"/>
           </a:xfrm>
           <a:prstGeom prst="rect">
             <a:avLst/>
@@ -3230,7 +3196,7 @@
           <a:lstStyle/>
           <a:p>
             <a:pPr>
-              <a:defRPr sz="2800"/>
+              <a:defRPr sz="2800" b="1"/>
             </a:pPr>
             <a:r>
               <a:t>Key Highlights</a:t>
@@ -3240,14 +3206,14 @@
       </p:sp>
       <p:sp>
         <p:nvSpPr>
-          <p:cNvPr id="4" name="TextBox 3"/>
+          <p:cNvPr id="3" name="TextBox 2"/>
           <p:cNvSpPr txBox="1"/>
           <p:nvPr/>
         </p:nvSpPr>
         <p:spPr>
           <a:xfrm>
-            <a:off x="731520" y="4114800"/>
-            <a:ext cx="7772400" cy="1828800"/>
+            <a:off x="731520" y="4389120"/>
+            <a:ext cx="7772400" cy="1645920"/>
           </a:xfrm>
           <a:prstGeom prst="rect">
             <a:avLst/>
@@ -3306,31 +3272,14 @@
       <p:grpSpPr/>
       <p:sp>
         <p:nvSpPr>
-          <p:cNvPr id="2" name="Title 1"/>
-          <p:cNvSpPr>
-            <a:spLocks noGrp="1"/>
-          </p:cNvSpPr>
-          <p:nvPr>
-            <p:ph type="title"/>
-          </p:nvPr>
-        </p:nvSpPr>
-        <p:spPr/>
-        <p:txBody>
-          <a:bodyPr/>
-          <a:lstStyle/>
-          <a:p/>
-        </p:txBody>
-      </p:sp>
-      <p:sp>
-        <p:nvSpPr>
-          <p:cNvPr id="3" name="TextBox 2"/>
+          <p:cNvPr id="2" name="TextBox 1"/>
           <p:cNvSpPr txBox="1"/>
           <p:nvPr/>
         </p:nvSpPr>
         <p:spPr>
           <a:xfrm>
             <a:off x="457200" y="274320"/>
-            <a:ext cx="8229600" cy="914400"/>
+            <a:ext cx="8229600" cy="822960"/>
           </a:xfrm>
           <a:prstGeom prst="rect">
             <a:avLst/>
@@ -3344,7 +3293,7 @@
           <a:lstStyle/>
           <a:p>
             <a:pPr>
-              <a:defRPr sz="2800"/>
+              <a:defRPr sz="2800" b="1"/>
             </a:pPr>
             <a:r>
               <a:t>Why This Matters</a:t>
@@ -3354,14 +3303,14 @@
       </p:sp>
       <p:sp>
         <p:nvSpPr>
-          <p:cNvPr id="4" name="TextBox 3"/>
+          <p:cNvPr id="3" name="TextBox 2"/>
           <p:cNvSpPr txBox="1"/>
           <p:nvPr/>
         </p:nvSpPr>
         <p:spPr>
           <a:xfrm>
-            <a:off x="731520" y="4114800"/>
-            <a:ext cx="7772400" cy="1828800"/>
+            <a:off x="731520" y="4389120"/>
+            <a:ext cx="7772400" cy="1645920"/>
           </a:xfrm>
           <a:prstGeom prst="rect">
             <a:avLst/>
@@ -3420,31 +3369,14 @@
       <p:grpSpPr/>
       <p:sp>
         <p:nvSpPr>
-          <p:cNvPr id="2" name="Title 1"/>
-          <p:cNvSpPr>
-            <a:spLocks noGrp="1"/>
-          </p:cNvSpPr>
-          <p:nvPr>
-            <p:ph type="title"/>
-          </p:nvPr>
-        </p:nvSpPr>
-        <p:spPr/>
-        <p:txBody>
-          <a:bodyPr/>
-          <a:lstStyle/>
-          <a:p/>
-        </p:txBody>
-      </p:sp>
-      <p:sp>
-        <p:nvSpPr>
-          <p:cNvPr id="3" name="TextBox 2"/>
+          <p:cNvPr id="2" name="TextBox 1"/>
           <p:cNvSpPr txBox="1"/>
           <p:nvPr/>
         </p:nvSpPr>
         <p:spPr>
           <a:xfrm>
             <a:off x="457200" y="274320"/>
-            <a:ext cx="8229600" cy="914400"/>
+            <a:ext cx="8229600" cy="822960"/>
           </a:xfrm>
           <a:prstGeom prst="rect">
             <a:avLst/>
@@ -3458,7 +3390,7 @@
           <a:lstStyle/>
           <a:p>
             <a:pPr>
-              <a:defRPr sz="2800"/>
+              <a:defRPr sz="2800" b="1"/>
             </a:pPr>
             <a:r>
               <a:t>Industry Impact</a:t>
@@ -3468,14 +3400,14 @@
       </p:sp>
       <p:sp>
         <p:nvSpPr>
-          <p:cNvPr id="4" name="TextBox 3"/>
+          <p:cNvPr id="3" name="TextBox 2"/>
           <p:cNvSpPr txBox="1"/>
           <p:nvPr/>
         </p:nvSpPr>
         <p:spPr>
           <a:xfrm>
-            <a:off x="731520" y="4114800"/>
-            <a:ext cx="7772400" cy="1828800"/>
+            <a:off x="731520" y="4389120"/>
+            <a:ext cx="7772400" cy="1645920"/>
           </a:xfrm>
           <a:prstGeom prst="rect">
             <a:avLst/>
@@ -3534,31 +3466,14 @@
       <p:grpSpPr/>
       <p:sp>
         <p:nvSpPr>
-          <p:cNvPr id="2" name="Title 1"/>
-          <p:cNvSpPr>
-            <a:spLocks noGrp="1"/>
-          </p:cNvSpPr>
-          <p:nvPr>
-            <p:ph type="title"/>
-          </p:nvPr>
-        </p:nvSpPr>
-        <p:spPr/>
-        <p:txBody>
-          <a:bodyPr/>
-          <a:lstStyle/>
-          <a:p/>
-        </p:txBody>
-      </p:sp>
-      <p:sp>
-        <p:nvSpPr>
-          <p:cNvPr id="3" name="TextBox 2"/>
+          <p:cNvPr id="2" name="TextBox 1"/>
           <p:cNvSpPr txBox="1"/>
           <p:nvPr/>
         </p:nvSpPr>
         <p:spPr>
           <a:xfrm>
             <a:off x="457200" y="274320"/>
-            <a:ext cx="8229600" cy="914400"/>
+            <a:ext cx="8229600" cy="822960"/>
           </a:xfrm>
           <a:prstGeom prst="rect">
             <a:avLst/>
@@ -3572,7 +3487,7 @@
           <a:lstStyle/>
           <a:p>
             <a:pPr>
-              <a:defRPr sz="2800"/>
+              <a:defRPr sz="2800" b="1"/>
             </a:pPr>
             <a:r>
               <a:t>Source</a:t>
@@ -3582,14 +3497,14 @@
       </p:sp>
       <p:sp>
         <p:nvSpPr>
-          <p:cNvPr id="4" name="TextBox 3"/>
+          <p:cNvPr id="3" name="TextBox 2"/>
           <p:cNvSpPr txBox="1"/>
           <p:nvPr/>
         </p:nvSpPr>
         <p:spPr>
           <a:xfrm>
-            <a:off x="731520" y="4114800"/>
-            <a:ext cx="7772400" cy="1828800"/>
+            <a:off x="731520" y="4389120"/>
+            <a:ext cx="7772400" cy="1645920"/>
           </a:xfrm>
           <a:prstGeom prst="rect">
             <a:avLst/>

--- a/drafts/linkedin_carousel.pptx
+++ b/drafts/linkedin_carousel.pptx
@@ -3123,9 +3123,33 @@
           </a:p>
         </p:txBody>
       </p:sp>
-      <p:sp>
-        <p:nvSpPr>
-          <p:cNvPr id="3" name="TextBox 2"/>
+      <p:pic>
+        <p:nvPicPr>
+          <p:cNvPr id="3" name="Picture 2" descr="slide_1.png"/>
+          <p:cNvPicPr>
+            <a:picLocks noChangeAspect="1"/>
+          </p:cNvPicPr>
+          <p:nvPr/>
+        </p:nvPicPr>
+        <p:blipFill>
+          <a:blip r:embed="rId2"/>
+          <a:stretch>
+            <a:fillRect/>
+          </a:stretch>
+        </p:blipFill>
+        <p:spPr>
+          <a:xfrm>
+            <a:off x="457200" y="1188720"/>
+            <a:ext cx="8229600" cy="5486400"/>
+          </a:xfrm>
+          <a:prstGeom prst="rect">
+            <a:avLst/>
+          </a:prstGeom>
+        </p:spPr>
+      </p:pic>
+      <p:sp>
+        <p:nvSpPr>
+          <p:cNvPr id="4" name="TextBox 3"/>
           <p:cNvSpPr txBox="1"/>
           <p:nvPr/>
         </p:nvSpPr>

--- a/drafts/linkedin_carousel.pptx
+++ b/drafts/linkedin_carousel.pptx
@@ -3092,40 +3092,9 @@
         <p:nvPr/>
       </p:nvGrpSpPr>
       <p:grpSpPr/>
-      <p:sp>
-        <p:nvSpPr>
-          <p:cNvPr id="2" name="TextBox 1"/>
-          <p:cNvSpPr txBox="1"/>
-          <p:nvPr/>
-        </p:nvSpPr>
-        <p:spPr>
-          <a:xfrm>
-            <a:off x="457200" y="274320"/>
-            <a:ext cx="8229600" cy="822960"/>
-          </a:xfrm>
-          <a:prstGeom prst="rect">
-            <a:avLst/>
-          </a:prstGeom>
-          <a:noFill/>
-        </p:spPr>
-        <p:txBody>
-          <a:bodyPr wrap="none">
-            <a:spAutoFit/>
-          </a:bodyPr>
-          <a:lstStyle/>
-          <a:p>
-            <a:pPr>
-              <a:defRPr sz="2800" b="1"/>
-            </a:pPr>
-            <a:r>
-              <a:t>NTPC Green Energy board okays 50:50 JV with GAIL - India Infoline</a:t>
-            </a:r>
-          </a:p>
-        </p:txBody>
-      </p:sp>
       <p:pic>
         <p:nvPicPr>
-          <p:cNvPr id="3" name="Picture 2" descr="slide_1.png"/>
+          <p:cNvPr id="2" name="Picture 1" descr="slide_1.png"/>
           <p:cNvPicPr>
             <a:picLocks noChangeAspect="1"/>
           </p:cNvPicPr>
@@ -3139,7 +3108,7 @@
         </p:blipFill>
         <p:spPr>
           <a:xfrm>
-            <a:off x="457200" y="1188720"/>
+            <a:off x="457200" y="1097280"/>
             <a:ext cx="8229600" cy="5486400"/>
           </a:xfrm>
           <a:prstGeom prst="rect">
@@ -3149,14 +3118,45 @@
       </p:pic>
       <p:sp>
         <p:nvSpPr>
+          <p:cNvPr id="3" name="TextBox 2"/>
+          <p:cNvSpPr txBox="1"/>
+          <p:nvPr/>
+        </p:nvSpPr>
+        <p:spPr>
+          <a:xfrm>
+            <a:off x="457200" y="274320"/>
+            <a:ext cx="8229600" cy="731520"/>
+          </a:xfrm>
+          <a:prstGeom prst="rect">
+            <a:avLst/>
+          </a:prstGeom>
+          <a:noFill/>
+        </p:spPr>
+        <p:txBody>
+          <a:bodyPr wrap="none">
+            <a:spAutoFit/>
+          </a:bodyPr>
+          <a:lstStyle/>
+          <a:p>
+            <a:pPr>
+              <a:defRPr sz="2800" b="1"/>
+            </a:pPr>
+            <a:r>
+              <a:t>NTPC Green Energy board okays 50:50 JV with GAIL - India Infoline</a:t>
+            </a:r>
+          </a:p>
+        </p:txBody>
+      </p:sp>
+      <p:sp>
+        <p:nvSpPr>
           <p:cNvPr id="4" name="TextBox 3"/>
           <p:cNvSpPr txBox="1"/>
           <p:nvPr/>
         </p:nvSpPr>
         <p:spPr>
           <a:xfrm>
-            <a:off x="731520" y="4389120"/>
-            <a:ext cx="7772400" cy="1645920"/>
+            <a:off x="731520" y="4754880"/>
+            <a:ext cx="7772400" cy="1463040"/>
           </a:xfrm>
           <a:prstGeom prst="rect">
             <a:avLst/>
@@ -3206,7 +3206,7 @@
         <p:spPr>
           <a:xfrm>
             <a:off x="457200" y="274320"/>
-            <a:ext cx="8229600" cy="822960"/>
+            <a:ext cx="8229600" cy="731520"/>
           </a:xfrm>
           <a:prstGeom prst="rect">
             <a:avLst/>
@@ -3236,8 +3236,8 @@
         </p:nvSpPr>
         <p:spPr>
           <a:xfrm>
-            <a:off x="731520" y="4389120"/>
-            <a:ext cx="7772400" cy="1645920"/>
+            <a:off x="731520" y="4754880"/>
+            <a:ext cx="7772400" cy="1463040"/>
           </a:xfrm>
           <a:prstGeom prst="rect">
             <a:avLst/>
@@ -3303,7 +3303,7 @@
         <p:spPr>
           <a:xfrm>
             <a:off x="457200" y="274320"/>
-            <a:ext cx="8229600" cy="822960"/>
+            <a:ext cx="8229600" cy="731520"/>
           </a:xfrm>
           <a:prstGeom prst="rect">
             <a:avLst/>
@@ -3333,8 +3333,8 @@
         </p:nvSpPr>
         <p:spPr>
           <a:xfrm>
-            <a:off x="731520" y="4389120"/>
-            <a:ext cx="7772400" cy="1645920"/>
+            <a:off x="731520" y="4754880"/>
+            <a:ext cx="7772400" cy="1463040"/>
           </a:xfrm>
           <a:prstGeom prst="rect">
             <a:avLst/>
@@ -3400,7 +3400,7 @@
         <p:spPr>
           <a:xfrm>
             <a:off x="457200" y="274320"/>
-            <a:ext cx="8229600" cy="822960"/>
+            <a:ext cx="8229600" cy="731520"/>
           </a:xfrm>
           <a:prstGeom prst="rect">
             <a:avLst/>
@@ -3430,8 +3430,8 @@
         </p:nvSpPr>
         <p:spPr>
           <a:xfrm>
-            <a:off x="731520" y="4389120"/>
-            <a:ext cx="7772400" cy="1645920"/>
+            <a:off x="731520" y="4754880"/>
+            <a:ext cx="7772400" cy="1463040"/>
           </a:xfrm>
           <a:prstGeom prst="rect">
             <a:avLst/>
@@ -3497,7 +3497,7 @@
         <p:spPr>
           <a:xfrm>
             <a:off x="457200" y="274320"/>
-            <a:ext cx="8229600" cy="822960"/>
+            <a:ext cx="8229600" cy="731520"/>
           </a:xfrm>
           <a:prstGeom prst="rect">
             <a:avLst/>
@@ -3527,8 +3527,8 @@
         </p:nvSpPr>
         <p:spPr>
           <a:xfrm>
-            <a:off x="731520" y="4389120"/>
-            <a:ext cx="7772400" cy="1645920"/>
+            <a:off x="731520" y="4754880"/>
+            <a:ext cx="7772400" cy="1463040"/>
           </a:xfrm>
           <a:prstGeom prst="rect">
             <a:avLst/>

--- a/drafts/linkedin_carousel.pptx
+++ b/drafts/linkedin_carousel.pptx
@@ -3142,7 +3142,7 @@
               <a:defRPr sz="2800" b="1"/>
             </a:pPr>
             <a:r>
-              <a:t>NTPC Green Energy board okays 50:50 JV with GAIL - India Infoline</a:t>
+              <a:t>$10 bln green ammonia project in Andhra Pradesh set to put India on clean energy export map - The Economic Times</a:t>
             </a:r>
           </a:p>
         </p:txBody>

--- a/drafts/linkedin_carousel.pptx
+++ b/drafts/linkedin_carousel.pptx
@@ -3109,7 +3109,7 @@
         <p:spPr>
           <a:xfrm>
             <a:off x="457200" y="1097280"/>
-            <a:ext cx="8229600" cy="5486400"/>
+            <a:ext cx="8229600" cy="8229600"/>
           </a:xfrm>
           <a:prstGeom prst="rect">
             <a:avLst/>
